--- a/course content/Choosing statistical methods day 1.pptx
+++ b/course content/Choosing statistical methods day 1.pptx
@@ -15,10 +15,9 @@
     <p:sldId id="262" r:id="rId10"/>
     <p:sldId id="263" r:id="rId11"/>
     <p:sldId id="264" r:id="rId12"/>
-    <p:sldId id="265" r:id="rId13"/>
   </p:sldIdLst>
   <p:sldSz cx="9144000" cy="5143500"/>
-  <p:notesSz cx="6858000" cy="9144000"/>
+  <p:notesSz cx="7772400" cy="10058400"/>
 </p:presentation>
 </file>
 
@@ -63,7 +62,7 @@
       </p:grpSpPr>
       <p:sp>
         <p:nvSpPr>
-          <p:cNvPr id="24" name="PlaceHolder 1"/>
+          <p:cNvPr id="23" name="PlaceHolder 1"/>
           <p:cNvSpPr>
             <a:spLocks noGrp="1"/>
           </p:cNvSpPr>
@@ -73,8 +72,8 @@
         </p:nvSpPr>
         <p:spPr>
           <a:xfrm>
-            <a:off x="311760" y="444960"/>
-            <a:ext cx="8520120" cy="572400"/>
+            <a:off x="311760" y="418320"/>
+            <a:ext cx="8519760" cy="625320"/>
           </a:xfrm>
           <a:prstGeom prst="rect">
             <a:avLst/>
@@ -85,18 +84,16 @@
             <a:noAutofit/>
           </a:bodyPr>
           <a:p>
-            <a:endParaRPr b="0" lang="en-US" sz="1400" spc="-1" strike="noStrike">
-              <a:solidFill>
-                <a:srgbClr val="000000"/>
-              </a:solidFill>
-              <a:latin typeface="Arial"/>
-            </a:endParaRPr>
-          </a:p>
-        </p:txBody>
-      </p:sp>
-      <p:sp>
-        <p:nvSpPr>
-          <p:cNvPr id="25" name="PlaceHolder 2"/>
+            <a:pPr algn="ctr"/>
+            <a:endParaRPr b="0" lang="en-US" sz="4400" spc="-1" strike="noStrike">
+              <a:latin typeface="Arial"/>
+            </a:endParaRPr>
+          </a:p>
+        </p:txBody>
+      </p:sp>
+      <p:sp>
+        <p:nvSpPr>
+          <p:cNvPr id="24" name="PlaceHolder 2"/>
           <p:cNvSpPr>
             <a:spLocks noGrp="1"/>
           </p:cNvSpPr>
@@ -107,7 +104,7 @@
         <p:spPr>
           <a:xfrm>
             <a:off x="311760" y="1152360"/>
-            <a:ext cx="8520120" cy="1629360"/>
+            <a:ext cx="8519760" cy="1629000"/>
           </a:xfrm>
           <a:prstGeom prst="rect">
             <a:avLst/>
@@ -118,18 +115,15 @@
             <a:normAutofit/>
           </a:bodyPr>
           <a:p>
-            <a:endParaRPr b="0" lang="en-US" sz="1400" spc="-1" strike="noStrike">
-              <a:solidFill>
-                <a:srgbClr val="000000"/>
-              </a:solidFill>
-              <a:latin typeface="Arial"/>
-            </a:endParaRPr>
-          </a:p>
-        </p:txBody>
-      </p:sp>
-      <p:sp>
-        <p:nvSpPr>
-          <p:cNvPr id="26" name="PlaceHolder 3"/>
+            <a:endParaRPr b="0" lang="en-US" sz="3200" spc="-1" strike="noStrike">
+              <a:latin typeface="Arial"/>
+            </a:endParaRPr>
+          </a:p>
+        </p:txBody>
+      </p:sp>
+      <p:sp>
+        <p:nvSpPr>
+          <p:cNvPr id="25" name="PlaceHolder 3"/>
           <p:cNvSpPr>
             <a:spLocks noGrp="1"/>
           </p:cNvSpPr>
@@ -139,8 +133,8 @@
         </p:nvSpPr>
         <p:spPr>
           <a:xfrm>
-            <a:off x="311760" y="2936880"/>
-            <a:ext cx="8520120" cy="1629360"/>
+            <a:off x="311760" y="2936520"/>
+            <a:ext cx="8519760" cy="1629000"/>
           </a:xfrm>
           <a:prstGeom prst="rect">
             <a:avLst/>
@@ -151,10 +145,7 @@
             <a:normAutofit/>
           </a:bodyPr>
           <a:p>
-            <a:endParaRPr b="0" lang="en-US" sz="1400" spc="-1" strike="noStrike">
-              <a:solidFill>
-                <a:srgbClr val="000000"/>
-              </a:solidFill>
+            <a:endParaRPr b="0" lang="en-US" sz="3200" spc="-1" strike="noStrike">
               <a:latin typeface="Arial"/>
             </a:endParaRPr>
           </a:p>
@@ -184,7 +175,7 @@
       </p:grpSpPr>
       <p:sp>
         <p:nvSpPr>
-          <p:cNvPr id="27" name="PlaceHolder 1"/>
+          <p:cNvPr id="26" name="PlaceHolder 1"/>
           <p:cNvSpPr>
             <a:spLocks noGrp="1"/>
           </p:cNvSpPr>
@@ -194,8 +185,8 @@
         </p:nvSpPr>
         <p:spPr>
           <a:xfrm>
-            <a:off x="311760" y="444960"/>
-            <a:ext cx="8520120" cy="572400"/>
+            <a:off x="311760" y="418320"/>
+            <a:ext cx="8519760" cy="625320"/>
           </a:xfrm>
           <a:prstGeom prst="rect">
             <a:avLst/>
@@ -206,18 +197,16 @@
             <a:noAutofit/>
           </a:bodyPr>
           <a:p>
-            <a:endParaRPr b="0" lang="en-US" sz="1400" spc="-1" strike="noStrike">
-              <a:solidFill>
-                <a:srgbClr val="000000"/>
-              </a:solidFill>
-              <a:latin typeface="Arial"/>
-            </a:endParaRPr>
-          </a:p>
-        </p:txBody>
-      </p:sp>
-      <p:sp>
-        <p:nvSpPr>
-          <p:cNvPr id="28" name="PlaceHolder 2"/>
+            <a:pPr algn="ctr"/>
+            <a:endParaRPr b="0" lang="en-US" sz="4400" spc="-1" strike="noStrike">
+              <a:latin typeface="Arial"/>
+            </a:endParaRPr>
+          </a:p>
+        </p:txBody>
+      </p:sp>
+      <p:sp>
+        <p:nvSpPr>
+          <p:cNvPr id="27" name="PlaceHolder 2"/>
           <p:cNvSpPr>
             <a:spLocks noGrp="1"/>
           </p:cNvSpPr>
@@ -228,7 +217,7 @@
         <p:spPr>
           <a:xfrm>
             <a:off x="311760" y="1152360"/>
-            <a:ext cx="4157640" cy="1629360"/>
+            <a:ext cx="4157280" cy="1629000"/>
           </a:xfrm>
           <a:prstGeom prst="rect">
             <a:avLst/>
@@ -239,18 +228,15 @@
             <a:normAutofit/>
           </a:bodyPr>
           <a:p>
-            <a:endParaRPr b="0" lang="en-US" sz="1400" spc="-1" strike="noStrike">
-              <a:solidFill>
-                <a:srgbClr val="000000"/>
-              </a:solidFill>
-              <a:latin typeface="Arial"/>
-            </a:endParaRPr>
-          </a:p>
-        </p:txBody>
-      </p:sp>
-      <p:sp>
-        <p:nvSpPr>
-          <p:cNvPr id="29" name="PlaceHolder 3"/>
+            <a:endParaRPr b="0" lang="en-US" sz="3200" spc="-1" strike="noStrike">
+              <a:latin typeface="Arial"/>
+            </a:endParaRPr>
+          </a:p>
+        </p:txBody>
+      </p:sp>
+      <p:sp>
+        <p:nvSpPr>
+          <p:cNvPr id="28" name="PlaceHolder 3"/>
           <p:cNvSpPr>
             <a:spLocks noGrp="1"/>
           </p:cNvSpPr>
@@ -260,8 +246,8 @@
         </p:nvSpPr>
         <p:spPr>
           <a:xfrm>
-            <a:off x="4677840" y="1152360"/>
-            <a:ext cx="4157640" cy="1629360"/>
+            <a:off x="4677120" y="1152360"/>
+            <a:ext cx="4157280" cy="1629000"/>
           </a:xfrm>
           <a:prstGeom prst="rect">
             <a:avLst/>
@@ -272,18 +258,15 @@
             <a:normAutofit/>
           </a:bodyPr>
           <a:p>
-            <a:endParaRPr b="0" lang="en-US" sz="1400" spc="-1" strike="noStrike">
-              <a:solidFill>
-                <a:srgbClr val="000000"/>
-              </a:solidFill>
-              <a:latin typeface="Arial"/>
-            </a:endParaRPr>
-          </a:p>
-        </p:txBody>
-      </p:sp>
-      <p:sp>
-        <p:nvSpPr>
-          <p:cNvPr id="30" name="PlaceHolder 4"/>
+            <a:endParaRPr b="0" lang="en-US" sz="3200" spc="-1" strike="noStrike">
+              <a:latin typeface="Arial"/>
+            </a:endParaRPr>
+          </a:p>
+        </p:txBody>
+      </p:sp>
+      <p:sp>
+        <p:nvSpPr>
+          <p:cNvPr id="29" name="PlaceHolder 4"/>
           <p:cNvSpPr>
             <a:spLocks noGrp="1"/>
           </p:cNvSpPr>
@@ -293,8 +276,8 @@
         </p:nvSpPr>
         <p:spPr>
           <a:xfrm>
-            <a:off x="311760" y="2936880"/>
-            <a:ext cx="4157640" cy="1629360"/>
+            <a:off x="311760" y="2936520"/>
+            <a:ext cx="4157280" cy="1629000"/>
           </a:xfrm>
           <a:prstGeom prst="rect">
             <a:avLst/>
@@ -305,18 +288,15 @@
             <a:normAutofit/>
           </a:bodyPr>
           <a:p>
-            <a:endParaRPr b="0" lang="en-US" sz="1400" spc="-1" strike="noStrike">
-              <a:solidFill>
-                <a:srgbClr val="000000"/>
-              </a:solidFill>
-              <a:latin typeface="Arial"/>
-            </a:endParaRPr>
-          </a:p>
-        </p:txBody>
-      </p:sp>
-      <p:sp>
-        <p:nvSpPr>
-          <p:cNvPr id="31" name="PlaceHolder 5"/>
+            <a:endParaRPr b="0" lang="en-US" sz="3200" spc="-1" strike="noStrike">
+              <a:latin typeface="Arial"/>
+            </a:endParaRPr>
+          </a:p>
+        </p:txBody>
+      </p:sp>
+      <p:sp>
+        <p:nvSpPr>
+          <p:cNvPr id="30" name="PlaceHolder 5"/>
           <p:cNvSpPr>
             <a:spLocks noGrp="1"/>
           </p:cNvSpPr>
@@ -326,8 +306,8 @@
         </p:nvSpPr>
         <p:spPr>
           <a:xfrm>
-            <a:off x="4677840" y="2936880"/>
-            <a:ext cx="4157640" cy="1629360"/>
+            <a:off x="4677120" y="2936520"/>
+            <a:ext cx="4157280" cy="1629000"/>
           </a:xfrm>
           <a:prstGeom prst="rect">
             <a:avLst/>
@@ -338,10 +318,7 @@
             <a:normAutofit/>
           </a:bodyPr>
           <a:p>
-            <a:endParaRPr b="0" lang="en-US" sz="1400" spc="-1" strike="noStrike">
-              <a:solidFill>
-                <a:srgbClr val="000000"/>
-              </a:solidFill>
+            <a:endParaRPr b="0" lang="en-US" sz="3200" spc="-1" strike="noStrike">
               <a:latin typeface="Arial"/>
             </a:endParaRPr>
           </a:p>
@@ -371,7 +348,7 @@
       </p:grpSpPr>
       <p:sp>
         <p:nvSpPr>
-          <p:cNvPr id="32" name="PlaceHolder 1"/>
+          <p:cNvPr id="31" name="PlaceHolder 1"/>
           <p:cNvSpPr>
             <a:spLocks noGrp="1"/>
           </p:cNvSpPr>
@@ -381,8 +358,8 @@
         </p:nvSpPr>
         <p:spPr>
           <a:xfrm>
-            <a:off x="311760" y="444960"/>
-            <a:ext cx="8520120" cy="572400"/>
+            <a:off x="311760" y="418320"/>
+            <a:ext cx="8519760" cy="625320"/>
           </a:xfrm>
           <a:prstGeom prst="rect">
             <a:avLst/>
@@ -393,18 +370,16 @@
             <a:noAutofit/>
           </a:bodyPr>
           <a:p>
-            <a:endParaRPr b="0" lang="en-US" sz="1400" spc="-1" strike="noStrike">
-              <a:solidFill>
-                <a:srgbClr val="000000"/>
-              </a:solidFill>
-              <a:latin typeface="Arial"/>
-            </a:endParaRPr>
-          </a:p>
-        </p:txBody>
-      </p:sp>
-      <p:sp>
-        <p:nvSpPr>
-          <p:cNvPr id="33" name="PlaceHolder 2"/>
+            <a:pPr algn="ctr"/>
+            <a:endParaRPr b="0" lang="en-US" sz="4400" spc="-1" strike="noStrike">
+              <a:latin typeface="Arial"/>
+            </a:endParaRPr>
+          </a:p>
+        </p:txBody>
+      </p:sp>
+      <p:sp>
+        <p:nvSpPr>
+          <p:cNvPr id="32" name="PlaceHolder 2"/>
           <p:cNvSpPr>
             <a:spLocks noGrp="1"/>
           </p:cNvSpPr>
@@ -415,7 +390,7 @@
         <p:spPr>
           <a:xfrm>
             <a:off x="311760" y="1152360"/>
-            <a:ext cx="2743200" cy="1629360"/>
+            <a:ext cx="2743200" cy="1629000"/>
           </a:xfrm>
           <a:prstGeom prst="rect">
             <a:avLst/>
@@ -426,18 +401,15 @@
             <a:normAutofit/>
           </a:bodyPr>
           <a:p>
-            <a:endParaRPr b="0" lang="en-US" sz="1400" spc="-1" strike="noStrike">
-              <a:solidFill>
-                <a:srgbClr val="000000"/>
-              </a:solidFill>
-              <a:latin typeface="Arial"/>
-            </a:endParaRPr>
-          </a:p>
-        </p:txBody>
-      </p:sp>
-      <p:sp>
-        <p:nvSpPr>
-          <p:cNvPr id="34" name="PlaceHolder 3"/>
+            <a:endParaRPr b="0" lang="en-US" sz="3200" spc="-1" strike="noStrike">
+              <a:latin typeface="Arial"/>
+            </a:endParaRPr>
+          </a:p>
+        </p:txBody>
+      </p:sp>
+      <p:sp>
+        <p:nvSpPr>
+          <p:cNvPr id="33" name="PlaceHolder 3"/>
           <p:cNvSpPr>
             <a:spLocks noGrp="1"/>
           </p:cNvSpPr>
@@ -448,7 +420,7 @@
         <p:spPr>
           <a:xfrm>
             <a:off x="3192480" y="1152360"/>
-            <a:ext cx="2743200" cy="1629360"/>
+            <a:ext cx="2743200" cy="1629000"/>
           </a:xfrm>
           <a:prstGeom prst="rect">
             <a:avLst/>
@@ -459,18 +431,15 @@
             <a:normAutofit/>
           </a:bodyPr>
           <a:p>
-            <a:endParaRPr b="0" lang="en-US" sz="1400" spc="-1" strike="noStrike">
-              <a:solidFill>
-                <a:srgbClr val="000000"/>
-              </a:solidFill>
-              <a:latin typeface="Arial"/>
-            </a:endParaRPr>
-          </a:p>
-        </p:txBody>
-      </p:sp>
-      <p:sp>
-        <p:nvSpPr>
-          <p:cNvPr id="35" name="PlaceHolder 4"/>
+            <a:endParaRPr b="0" lang="en-US" sz="3200" spc="-1" strike="noStrike">
+              <a:latin typeface="Arial"/>
+            </a:endParaRPr>
+          </a:p>
+        </p:txBody>
+      </p:sp>
+      <p:sp>
+        <p:nvSpPr>
+          <p:cNvPr id="34" name="PlaceHolder 4"/>
           <p:cNvSpPr>
             <a:spLocks noGrp="1"/>
           </p:cNvSpPr>
@@ -481,7 +450,7 @@
         <p:spPr>
           <a:xfrm>
             <a:off x="6073200" y="1152360"/>
-            <a:ext cx="2743200" cy="1629360"/>
+            <a:ext cx="2743200" cy="1629000"/>
           </a:xfrm>
           <a:prstGeom prst="rect">
             <a:avLst/>
@@ -492,18 +461,15 @@
             <a:normAutofit/>
           </a:bodyPr>
           <a:p>
-            <a:endParaRPr b="0" lang="en-US" sz="1400" spc="-1" strike="noStrike">
-              <a:solidFill>
-                <a:srgbClr val="000000"/>
-              </a:solidFill>
-              <a:latin typeface="Arial"/>
-            </a:endParaRPr>
-          </a:p>
-        </p:txBody>
-      </p:sp>
-      <p:sp>
-        <p:nvSpPr>
-          <p:cNvPr id="36" name="PlaceHolder 5"/>
+            <a:endParaRPr b="0" lang="en-US" sz="3200" spc="-1" strike="noStrike">
+              <a:latin typeface="Arial"/>
+            </a:endParaRPr>
+          </a:p>
+        </p:txBody>
+      </p:sp>
+      <p:sp>
+        <p:nvSpPr>
+          <p:cNvPr id="35" name="PlaceHolder 5"/>
           <p:cNvSpPr>
             <a:spLocks noGrp="1"/>
           </p:cNvSpPr>
@@ -513,8 +479,8 @@
         </p:nvSpPr>
         <p:spPr>
           <a:xfrm>
-            <a:off x="311760" y="2936880"/>
-            <a:ext cx="2743200" cy="1629360"/>
+            <a:off x="311760" y="2936520"/>
+            <a:ext cx="2743200" cy="1629000"/>
           </a:xfrm>
           <a:prstGeom prst="rect">
             <a:avLst/>
@@ -525,18 +491,15 @@
             <a:normAutofit/>
           </a:bodyPr>
           <a:p>
-            <a:endParaRPr b="0" lang="en-US" sz="1400" spc="-1" strike="noStrike">
-              <a:solidFill>
-                <a:srgbClr val="000000"/>
-              </a:solidFill>
-              <a:latin typeface="Arial"/>
-            </a:endParaRPr>
-          </a:p>
-        </p:txBody>
-      </p:sp>
-      <p:sp>
-        <p:nvSpPr>
-          <p:cNvPr id="37" name="PlaceHolder 6"/>
+            <a:endParaRPr b="0" lang="en-US" sz="3200" spc="-1" strike="noStrike">
+              <a:latin typeface="Arial"/>
+            </a:endParaRPr>
+          </a:p>
+        </p:txBody>
+      </p:sp>
+      <p:sp>
+        <p:nvSpPr>
+          <p:cNvPr id="36" name="PlaceHolder 6"/>
           <p:cNvSpPr>
             <a:spLocks noGrp="1"/>
           </p:cNvSpPr>
@@ -546,8 +509,8 @@
         </p:nvSpPr>
         <p:spPr>
           <a:xfrm>
-            <a:off x="3192480" y="2936880"/>
-            <a:ext cx="2743200" cy="1629360"/>
+            <a:off x="3192480" y="2936520"/>
+            <a:ext cx="2743200" cy="1629000"/>
           </a:xfrm>
           <a:prstGeom prst="rect">
             <a:avLst/>
@@ -558,18 +521,15 @@
             <a:normAutofit/>
           </a:bodyPr>
           <a:p>
-            <a:endParaRPr b="0" lang="en-US" sz="1400" spc="-1" strike="noStrike">
-              <a:solidFill>
-                <a:srgbClr val="000000"/>
-              </a:solidFill>
-              <a:latin typeface="Arial"/>
-            </a:endParaRPr>
-          </a:p>
-        </p:txBody>
-      </p:sp>
-      <p:sp>
-        <p:nvSpPr>
-          <p:cNvPr id="38" name="PlaceHolder 7"/>
+            <a:endParaRPr b="0" lang="en-US" sz="3200" spc="-1" strike="noStrike">
+              <a:latin typeface="Arial"/>
+            </a:endParaRPr>
+          </a:p>
+        </p:txBody>
+      </p:sp>
+      <p:sp>
+        <p:nvSpPr>
+          <p:cNvPr id="37" name="PlaceHolder 7"/>
           <p:cNvSpPr>
             <a:spLocks noGrp="1"/>
           </p:cNvSpPr>
@@ -579,8 +539,8 @@
         </p:nvSpPr>
         <p:spPr>
           <a:xfrm>
-            <a:off x="6073200" y="2936880"/>
-            <a:ext cx="2743200" cy="1629360"/>
+            <a:off x="6073200" y="2936520"/>
+            <a:ext cx="2743200" cy="1629000"/>
           </a:xfrm>
           <a:prstGeom prst="rect">
             <a:avLst/>
@@ -591,10 +551,7 @@
             <a:normAutofit/>
           </a:bodyPr>
           <a:p>
-            <a:endParaRPr b="0" lang="en-US" sz="1400" spc="-1" strike="noStrike">
-              <a:solidFill>
-                <a:srgbClr val="000000"/>
-              </a:solidFill>
+            <a:endParaRPr b="0" lang="en-US" sz="3200" spc="-1" strike="noStrike">
               <a:latin typeface="Arial"/>
             </a:endParaRPr>
           </a:p>
@@ -646,7 +603,7 @@
       </p:grpSpPr>
       <p:sp>
         <p:nvSpPr>
-          <p:cNvPr id="42" name="PlaceHolder 1"/>
+          <p:cNvPr id="40" name="PlaceHolder 1"/>
           <p:cNvSpPr>
             <a:spLocks noGrp="1"/>
           </p:cNvSpPr>
@@ -656,8 +613,8 @@
         </p:nvSpPr>
         <p:spPr>
           <a:xfrm>
-            <a:off x="311760" y="444960"/>
-            <a:ext cx="8520120" cy="572400"/>
+            <a:off x="311760" y="418320"/>
+            <a:ext cx="8519760" cy="625320"/>
           </a:xfrm>
           <a:prstGeom prst="rect">
             <a:avLst/>
@@ -668,18 +625,16 @@
             <a:noAutofit/>
           </a:bodyPr>
           <a:p>
-            <a:endParaRPr b="0" lang="en-US" sz="1400" spc="-1" strike="noStrike">
-              <a:solidFill>
-                <a:srgbClr val="000000"/>
-              </a:solidFill>
-              <a:latin typeface="Arial"/>
-            </a:endParaRPr>
-          </a:p>
-        </p:txBody>
-      </p:sp>
-      <p:sp>
-        <p:nvSpPr>
-          <p:cNvPr id="43" name="PlaceHolder 2"/>
+            <a:pPr algn="ctr"/>
+            <a:endParaRPr b="0" lang="en-US" sz="4400" spc="-1" strike="noStrike">
+              <a:latin typeface="Arial"/>
+            </a:endParaRPr>
+          </a:p>
+        </p:txBody>
+      </p:sp>
+      <p:sp>
+        <p:nvSpPr>
+          <p:cNvPr id="41" name="PlaceHolder 2"/>
           <p:cNvSpPr>
             <a:spLocks noGrp="1"/>
           </p:cNvSpPr>
@@ -690,7 +645,7 @@
         <p:spPr>
           <a:xfrm>
             <a:off x="311760" y="1152360"/>
-            <a:ext cx="8520120" cy="3416040"/>
+            <a:ext cx="8519760" cy="3415680"/>
           </a:xfrm>
           <a:prstGeom prst="rect">
             <a:avLst/>
@@ -732,7 +687,7 @@
       </p:grpSpPr>
       <p:sp>
         <p:nvSpPr>
-          <p:cNvPr id="44" name="PlaceHolder 1"/>
+          <p:cNvPr id="42" name="PlaceHolder 1"/>
           <p:cNvSpPr>
             <a:spLocks noGrp="1"/>
           </p:cNvSpPr>
@@ -742,8 +697,8 @@
         </p:nvSpPr>
         <p:spPr>
           <a:xfrm>
-            <a:off x="311760" y="444960"/>
-            <a:ext cx="8520120" cy="572400"/>
+            <a:off x="311760" y="418320"/>
+            <a:ext cx="8519760" cy="625320"/>
           </a:xfrm>
           <a:prstGeom prst="rect">
             <a:avLst/>
@@ -754,18 +709,16 @@
             <a:noAutofit/>
           </a:bodyPr>
           <a:p>
-            <a:endParaRPr b="0" lang="en-US" sz="1400" spc="-1" strike="noStrike">
-              <a:solidFill>
-                <a:srgbClr val="000000"/>
-              </a:solidFill>
-              <a:latin typeface="Arial"/>
-            </a:endParaRPr>
-          </a:p>
-        </p:txBody>
-      </p:sp>
-      <p:sp>
-        <p:nvSpPr>
-          <p:cNvPr id="45" name="PlaceHolder 2"/>
+            <a:pPr algn="ctr"/>
+            <a:endParaRPr b="0" lang="en-US" sz="4400" spc="-1" strike="noStrike">
+              <a:latin typeface="Arial"/>
+            </a:endParaRPr>
+          </a:p>
+        </p:txBody>
+      </p:sp>
+      <p:sp>
+        <p:nvSpPr>
+          <p:cNvPr id="43" name="PlaceHolder 2"/>
           <p:cNvSpPr>
             <a:spLocks noGrp="1"/>
           </p:cNvSpPr>
@@ -776,7 +729,7 @@
         <p:spPr>
           <a:xfrm>
             <a:off x="311760" y="1152360"/>
-            <a:ext cx="8520120" cy="3416040"/>
+            <a:ext cx="8519760" cy="3415680"/>
           </a:xfrm>
           <a:prstGeom prst="rect">
             <a:avLst/>
@@ -787,10 +740,7 @@
             <a:normAutofit/>
           </a:bodyPr>
           <a:p>
-            <a:endParaRPr b="0" lang="en-US" sz="1400" spc="-1" strike="noStrike">
-              <a:solidFill>
-                <a:srgbClr val="000000"/>
-              </a:solidFill>
+            <a:endParaRPr b="0" lang="en-US" sz="3200" spc="-1" strike="noStrike">
               <a:latin typeface="Arial"/>
             </a:endParaRPr>
           </a:p>
@@ -820,7 +770,7 @@
       </p:grpSpPr>
       <p:sp>
         <p:nvSpPr>
-          <p:cNvPr id="46" name="PlaceHolder 1"/>
+          <p:cNvPr id="44" name="PlaceHolder 1"/>
           <p:cNvSpPr>
             <a:spLocks noGrp="1"/>
           </p:cNvSpPr>
@@ -830,8 +780,8 @@
         </p:nvSpPr>
         <p:spPr>
           <a:xfrm>
-            <a:off x="311760" y="444960"/>
-            <a:ext cx="8520120" cy="572400"/>
+            <a:off x="311760" y="418320"/>
+            <a:ext cx="8519760" cy="625320"/>
           </a:xfrm>
           <a:prstGeom prst="rect">
             <a:avLst/>
@@ -842,18 +792,16 @@
             <a:noAutofit/>
           </a:bodyPr>
           <a:p>
-            <a:endParaRPr b="0" lang="en-US" sz="1400" spc="-1" strike="noStrike">
-              <a:solidFill>
-                <a:srgbClr val="000000"/>
-              </a:solidFill>
-              <a:latin typeface="Arial"/>
-            </a:endParaRPr>
-          </a:p>
-        </p:txBody>
-      </p:sp>
-      <p:sp>
-        <p:nvSpPr>
-          <p:cNvPr id="47" name="PlaceHolder 2"/>
+            <a:pPr algn="ctr"/>
+            <a:endParaRPr b="0" lang="en-US" sz="4400" spc="-1" strike="noStrike">
+              <a:latin typeface="Arial"/>
+            </a:endParaRPr>
+          </a:p>
+        </p:txBody>
+      </p:sp>
+      <p:sp>
+        <p:nvSpPr>
+          <p:cNvPr id="45" name="PlaceHolder 2"/>
           <p:cNvSpPr>
             <a:spLocks noGrp="1"/>
           </p:cNvSpPr>
@@ -864,7 +812,7 @@
         <p:spPr>
           <a:xfrm>
             <a:off x="311760" y="1152360"/>
-            <a:ext cx="4157640" cy="3416040"/>
+            <a:ext cx="4157280" cy="3415680"/>
           </a:xfrm>
           <a:prstGeom prst="rect">
             <a:avLst/>
@@ -875,18 +823,15 @@
             <a:normAutofit/>
           </a:bodyPr>
           <a:p>
-            <a:endParaRPr b="0" lang="en-US" sz="1400" spc="-1" strike="noStrike">
-              <a:solidFill>
-                <a:srgbClr val="000000"/>
-              </a:solidFill>
-              <a:latin typeface="Arial"/>
-            </a:endParaRPr>
-          </a:p>
-        </p:txBody>
-      </p:sp>
-      <p:sp>
-        <p:nvSpPr>
-          <p:cNvPr id="48" name="PlaceHolder 3"/>
+            <a:endParaRPr b="0" lang="en-US" sz="3200" spc="-1" strike="noStrike">
+              <a:latin typeface="Arial"/>
+            </a:endParaRPr>
+          </a:p>
+        </p:txBody>
+      </p:sp>
+      <p:sp>
+        <p:nvSpPr>
+          <p:cNvPr id="46" name="PlaceHolder 3"/>
           <p:cNvSpPr>
             <a:spLocks noGrp="1"/>
           </p:cNvSpPr>
@@ -896,8 +841,8 @@
         </p:nvSpPr>
         <p:spPr>
           <a:xfrm>
-            <a:off x="4677840" y="1152360"/>
-            <a:ext cx="4157640" cy="3416040"/>
+            <a:off x="4677120" y="1152360"/>
+            <a:ext cx="4157280" cy="3415680"/>
           </a:xfrm>
           <a:prstGeom prst="rect">
             <a:avLst/>
@@ -908,10 +853,7 @@
             <a:normAutofit/>
           </a:bodyPr>
           <a:p>
-            <a:endParaRPr b="0" lang="en-US" sz="1400" spc="-1" strike="noStrike">
-              <a:solidFill>
-                <a:srgbClr val="000000"/>
-              </a:solidFill>
+            <a:endParaRPr b="0" lang="en-US" sz="3200" spc="-1" strike="noStrike">
               <a:latin typeface="Arial"/>
             </a:endParaRPr>
           </a:p>
@@ -941,7 +883,7 @@
       </p:grpSpPr>
       <p:sp>
         <p:nvSpPr>
-          <p:cNvPr id="49" name="PlaceHolder 1"/>
+          <p:cNvPr id="47" name="PlaceHolder 1"/>
           <p:cNvSpPr>
             <a:spLocks noGrp="1"/>
           </p:cNvSpPr>
@@ -951,8 +893,8 @@
         </p:nvSpPr>
         <p:spPr>
           <a:xfrm>
-            <a:off x="311760" y="444960"/>
-            <a:ext cx="8520120" cy="572400"/>
+            <a:off x="311760" y="418320"/>
+            <a:ext cx="8519760" cy="625320"/>
           </a:xfrm>
           <a:prstGeom prst="rect">
             <a:avLst/>
@@ -963,10 +905,8 @@
             <a:noAutofit/>
           </a:bodyPr>
           <a:p>
-            <a:endParaRPr b="0" lang="en-US" sz="1400" spc="-1" strike="noStrike">
-              <a:solidFill>
-                <a:srgbClr val="000000"/>
-              </a:solidFill>
+            <a:pPr algn="ctr"/>
+            <a:endParaRPr b="0" lang="en-US" sz="4400" spc="-1" strike="noStrike">
               <a:latin typeface="Arial"/>
             </a:endParaRPr>
           </a:p>
@@ -996,7 +936,7 @@
       </p:grpSpPr>
       <p:sp>
         <p:nvSpPr>
-          <p:cNvPr id="50" name="PlaceHolder 1"/>
+          <p:cNvPr id="48" name="PlaceHolder 1"/>
           <p:cNvSpPr>
             <a:spLocks noGrp="1"/>
           </p:cNvSpPr>
@@ -1007,7 +947,7 @@
         <p:spPr>
           <a:xfrm>
             <a:off x="311760" y="444960"/>
-            <a:ext cx="8520120" cy="2654640"/>
+            <a:ext cx="8519760" cy="2652840"/>
           </a:xfrm>
           <a:prstGeom prst="rect">
             <a:avLst/>
@@ -1049,7 +989,7 @@
       </p:grpSpPr>
       <p:sp>
         <p:nvSpPr>
-          <p:cNvPr id="51" name="PlaceHolder 1"/>
+          <p:cNvPr id="49" name="PlaceHolder 1"/>
           <p:cNvSpPr>
             <a:spLocks noGrp="1"/>
           </p:cNvSpPr>
@@ -1059,8 +999,8 @@
         </p:nvSpPr>
         <p:spPr>
           <a:xfrm>
-            <a:off x="311760" y="444960"/>
-            <a:ext cx="8520120" cy="572400"/>
+            <a:off x="311760" y="418320"/>
+            <a:ext cx="8519760" cy="625320"/>
           </a:xfrm>
           <a:prstGeom prst="rect">
             <a:avLst/>
@@ -1071,18 +1011,16 @@
             <a:noAutofit/>
           </a:bodyPr>
           <a:p>
-            <a:endParaRPr b="0" lang="en-US" sz="1400" spc="-1" strike="noStrike">
-              <a:solidFill>
-                <a:srgbClr val="000000"/>
-              </a:solidFill>
-              <a:latin typeface="Arial"/>
-            </a:endParaRPr>
-          </a:p>
-        </p:txBody>
-      </p:sp>
-      <p:sp>
-        <p:nvSpPr>
-          <p:cNvPr id="52" name="PlaceHolder 2"/>
+            <a:pPr algn="ctr"/>
+            <a:endParaRPr b="0" lang="en-US" sz="4400" spc="-1" strike="noStrike">
+              <a:latin typeface="Arial"/>
+            </a:endParaRPr>
+          </a:p>
+        </p:txBody>
+      </p:sp>
+      <p:sp>
+        <p:nvSpPr>
+          <p:cNvPr id="50" name="PlaceHolder 2"/>
           <p:cNvSpPr>
             <a:spLocks noGrp="1"/>
           </p:cNvSpPr>
@@ -1093,7 +1031,7 @@
         <p:spPr>
           <a:xfrm>
             <a:off x="311760" y="1152360"/>
-            <a:ext cx="4157640" cy="1629360"/>
+            <a:ext cx="4157280" cy="1629000"/>
           </a:xfrm>
           <a:prstGeom prst="rect">
             <a:avLst/>
@@ -1104,18 +1042,15 @@
             <a:normAutofit/>
           </a:bodyPr>
           <a:p>
-            <a:endParaRPr b="0" lang="en-US" sz="1400" spc="-1" strike="noStrike">
-              <a:solidFill>
-                <a:srgbClr val="000000"/>
-              </a:solidFill>
-              <a:latin typeface="Arial"/>
-            </a:endParaRPr>
-          </a:p>
-        </p:txBody>
-      </p:sp>
-      <p:sp>
-        <p:nvSpPr>
-          <p:cNvPr id="53" name="PlaceHolder 3"/>
+            <a:endParaRPr b="0" lang="en-US" sz="3200" spc="-1" strike="noStrike">
+              <a:latin typeface="Arial"/>
+            </a:endParaRPr>
+          </a:p>
+        </p:txBody>
+      </p:sp>
+      <p:sp>
+        <p:nvSpPr>
+          <p:cNvPr id="51" name="PlaceHolder 3"/>
           <p:cNvSpPr>
             <a:spLocks noGrp="1"/>
           </p:cNvSpPr>
@@ -1125,8 +1060,8 @@
         </p:nvSpPr>
         <p:spPr>
           <a:xfrm>
-            <a:off x="4677840" y="1152360"/>
-            <a:ext cx="4157640" cy="3416040"/>
+            <a:off x="4677120" y="1152360"/>
+            <a:ext cx="4157280" cy="3415680"/>
           </a:xfrm>
           <a:prstGeom prst="rect">
             <a:avLst/>
@@ -1137,18 +1072,15 @@
             <a:normAutofit/>
           </a:bodyPr>
           <a:p>
-            <a:endParaRPr b="0" lang="en-US" sz="1400" spc="-1" strike="noStrike">
-              <a:solidFill>
-                <a:srgbClr val="000000"/>
-              </a:solidFill>
-              <a:latin typeface="Arial"/>
-            </a:endParaRPr>
-          </a:p>
-        </p:txBody>
-      </p:sp>
-      <p:sp>
-        <p:nvSpPr>
-          <p:cNvPr id="54" name="PlaceHolder 4"/>
+            <a:endParaRPr b="0" lang="en-US" sz="3200" spc="-1" strike="noStrike">
+              <a:latin typeface="Arial"/>
+            </a:endParaRPr>
+          </a:p>
+        </p:txBody>
+      </p:sp>
+      <p:sp>
+        <p:nvSpPr>
+          <p:cNvPr id="52" name="PlaceHolder 4"/>
           <p:cNvSpPr>
             <a:spLocks noGrp="1"/>
           </p:cNvSpPr>
@@ -1158,8 +1090,8 @@
         </p:nvSpPr>
         <p:spPr>
           <a:xfrm>
-            <a:off x="311760" y="2936880"/>
-            <a:ext cx="4157640" cy="1629360"/>
+            <a:off x="311760" y="2936520"/>
+            <a:ext cx="4157280" cy="1629000"/>
           </a:xfrm>
           <a:prstGeom prst="rect">
             <a:avLst/>
@@ -1170,10 +1102,7 @@
             <a:normAutofit/>
           </a:bodyPr>
           <a:p>
-            <a:endParaRPr b="0" lang="en-US" sz="1400" spc="-1" strike="noStrike">
-              <a:solidFill>
-                <a:srgbClr val="000000"/>
-              </a:solidFill>
+            <a:endParaRPr b="0" lang="en-US" sz="3200" spc="-1" strike="noStrike">
               <a:latin typeface="Arial"/>
             </a:endParaRPr>
           </a:p>
@@ -1203,7 +1132,7 @@
       </p:grpSpPr>
       <p:sp>
         <p:nvSpPr>
-          <p:cNvPr id="3" name="PlaceHolder 1"/>
+          <p:cNvPr id="2" name="PlaceHolder 1"/>
           <p:cNvSpPr>
             <a:spLocks noGrp="1"/>
           </p:cNvSpPr>
@@ -1213,8 +1142,8 @@
         </p:nvSpPr>
         <p:spPr>
           <a:xfrm>
-            <a:off x="311760" y="444960"/>
-            <a:ext cx="8520120" cy="572400"/>
+            <a:off x="311760" y="418320"/>
+            <a:ext cx="8519760" cy="625320"/>
           </a:xfrm>
           <a:prstGeom prst="rect">
             <a:avLst/>
@@ -1225,18 +1154,16 @@
             <a:noAutofit/>
           </a:bodyPr>
           <a:p>
-            <a:endParaRPr b="0" lang="en-US" sz="1400" spc="-1" strike="noStrike">
-              <a:solidFill>
-                <a:srgbClr val="000000"/>
-              </a:solidFill>
-              <a:latin typeface="Arial"/>
-            </a:endParaRPr>
-          </a:p>
-        </p:txBody>
-      </p:sp>
-      <p:sp>
-        <p:nvSpPr>
-          <p:cNvPr id="4" name="PlaceHolder 2"/>
+            <a:pPr algn="ctr"/>
+            <a:endParaRPr b="0" lang="en-US" sz="4400" spc="-1" strike="noStrike">
+              <a:latin typeface="Arial"/>
+            </a:endParaRPr>
+          </a:p>
+        </p:txBody>
+      </p:sp>
+      <p:sp>
+        <p:nvSpPr>
+          <p:cNvPr id="3" name="PlaceHolder 2"/>
           <p:cNvSpPr>
             <a:spLocks noGrp="1"/>
           </p:cNvSpPr>
@@ -1247,7 +1174,7 @@
         <p:spPr>
           <a:xfrm>
             <a:off x="311760" y="1152360"/>
-            <a:ext cx="8520120" cy="3416040"/>
+            <a:ext cx="8519760" cy="3415680"/>
           </a:xfrm>
           <a:prstGeom prst="rect">
             <a:avLst/>
@@ -1289,7 +1216,7 @@
       </p:grpSpPr>
       <p:sp>
         <p:nvSpPr>
-          <p:cNvPr id="55" name="PlaceHolder 1"/>
+          <p:cNvPr id="53" name="PlaceHolder 1"/>
           <p:cNvSpPr>
             <a:spLocks noGrp="1"/>
           </p:cNvSpPr>
@@ -1299,8 +1226,8 @@
         </p:nvSpPr>
         <p:spPr>
           <a:xfrm>
-            <a:off x="311760" y="444960"/>
-            <a:ext cx="8520120" cy="572400"/>
+            <a:off x="311760" y="418320"/>
+            <a:ext cx="8519760" cy="625320"/>
           </a:xfrm>
           <a:prstGeom prst="rect">
             <a:avLst/>
@@ -1311,18 +1238,16 @@
             <a:noAutofit/>
           </a:bodyPr>
           <a:p>
-            <a:endParaRPr b="0" lang="en-US" sz="1400" spc="-1" strike="noStrike">
-              <a:solidFill>
-                <a:srgbClr val="000000"/>
-              </a:solidFill>
-              <a:latin typeface="Arial"/>
-            </a:endParaRPr>
-          </a:p>
-        </p:txBody>
-      </p:sp>
-      <p:sp>
-        <p:nvSpPr>
-          <p:cNvPr id="56" name="PlaceHolder 2"/>
+            <a:pPr algn="ctr"/>
+            <a:endParaRPr b="0" lang="en-US" sz="4400" spc="-1" strike="noStrike">
+              <a:latin typeface="Arial"/>
+            </a:endParaRPr>
+          </a:p>
+        </p:txBody>
+      </p:sp>
+      <p:sp>
+        <p:nvSpPr>
+          <p:cNvPr id="54" name="PlaceHolder 2"/>
           <p:cNvSpPr>
             <a:spLocks noGrp="1"/>
           </p:cNvSpPr>
@@ -1333,7 +1258,7 @@
         <p:spPr>
           <a:xfrm>
             <a:off x="311760" y="1152360"/>
-            <a:ext cx="4157640" cy="3416040"/>
+            <a:ext cx="4157280" cy="3415680"/>
           </a:xfrm>
           <a:prstGeom prst="rect">
             <a:avLst/>
@@ -1344,18 +1269,15 @@
             <a:normAutofit/>
           </a:bodyPr>
           <a:p>
-            <a:endParaRPr b="0" lang="en-US" sz="1400" spc="-1" strike="noStrike">
-              <a:solidFill>
-                <a:srgbClr val="000000"/>
-              </a:solidFill>
-              <a:latin typeface="Arial"/>
-            </a:endParaRPr>
-          </a:p>
-        </p:txBody>
-      </p:sp>
-      <p:sp>
-        <p:nvSpPr>
-          <p:cNvPr id="57" name="PlaceHolder 3"/>
+            <a:endParaRPr b="0" lang="en-US" sz="3200" spc="-1" strike="noStrike">
+              <a:latin typeface="Arial"/>
+            </a:endParaRPr>
+          </a:p>
+        </p:txBody>
+      </p:sp>
+      <p:sp>
+        <p:nvSpPr>
+          <p:cNvPr id="55" name="PlaceHolder 3"/>
           <p:cNvSpPr>
             <a:spLocks noGrp="1"/>
           </p:cNvSpPr>
@@ -1365,8 +1287,8 @@
         </p:nvSpPr>
         <p:spPr>
           <a:xfrm>
-            <a:off x="4677840" y="1152360"/>
-            <a:ext cx="4157640" cy="1629360"/>
+            <a:off x="4677120" y="1152360"/>
+            <a:ext cx="4157280" cy="1629000"/>
           </a:xfrm>
           <a:prstGeom prst="rect">
             <a:avLst/>
@@ -1377,18 +1299,15 @@
             <a:normAutofit/>
           </a:bodyPr>
           <a:p>
-            <a:endParaRPr b="0" lang="en-US" sz="1400" spc="-1" strike="noStrike">
-              <a:solidFill>
-                <a:srgbClr val="000000"/>
-              </a:solidFill>
-              <a:latin typeface="Arial"/>
-            </a:endParaRPr>
-          </a:p>
-        </p:txBody>
-      </p:sp>
-      <p:sp>
-        <p:nvSpPr>
-          <p:cNvPr id="58" name="PlaceHolder 4"/>
+            <a:endParaRPr b="0" lang="en-US" sz="3200" spc="-1" strike="noStrike">
+              <a:latin typeface="Arial"/>
+            </a:endParaRPr>
+          </a:p>
+        </p:txBody>
+      </p:sp>
+      <p:sp>
+        <p:nvSpPr>
+          <p:cNvPr id="56" name="PlaceHolder 4"/>
           <p:cNvSpPr>
             <a:spLocks noGrp="1"/>
           </p:cNvSpPr>
@@ -1398,8 +1317,8 @@
         </p:nvSpPr>
         <p:spPr>
           <a:xfrm>
-            <a:off x="4677840" y="2936880"/>
-            <a:ext cx="4157640" cy="1629360"/>
+            <a:off x="4677120" y="2936520"/>
+            <a:ext cx="4157280" cy="1629000"/>
           </a:xfrm>
           <a:prstGeom prst="rect">
             <a:avLst/>
@@ -1410,10 +1329,7 @@
             <a:normAutofit/>
           </a:bodyPr>
           <a:p>
-            <a:endParaRPr b="0" lang="en-US" sz="1400" spc="-1" strike="noStrike">
-              <a:solidFill>
-                <a:srgbClr val="000000"/>
-              </a:solidFill>
+            <a:endParaRPr b="0" lang="en-US" sz="3200" spc="-1" strike="noStrike">
               <a:latin typeface="Arial"/>
             </a:endParaRPr>
           </a:p>
@@ -1443,7 +1359,7 @@
       </p:grpSpPr>
       <p:sp>
         <p:nvSpPr>
-          <p:cNvPr id="59" name="PlaceHolder 1"/>
+          <p:cNvPr id="57" name="PlaceHolder 1"/>
           <p:cNvSpPr>
             <a:spLocks noGrp="1"/>
           </p:cNvSpPr>
@@ -1453,8 +1369,8 @@
         </p:nvSpPr>
         <p:spPr>
           <a:xfrm>
-            <a:off x="311760" y="444960"/>
-            <a:ext cx="8520120" cy="572400"/>
+            <a:off x="311760" y="418320"/>
+            <a:ext cx="8519760" cy="625320"/>
           </a:xfrm>
           <a:prstGeom prst="rect">
             <a:avLst/>
@@ -1465,18 +1381,16 @@
             <a:noAutofit/>
           </a:bodyPr>
           <a:p>
-            <a:endParaRPr b="0" lang="en-US" sz="1400" spc="-1" strike="noStrike">
-              <a:solidFill>
-                <a:srgbClr val="000000"/>
-              </a:solidFill>
-              <a:latin typeface="Arial"/>
-            </a:endParaRPr>
-          </a:p>
-        </p:txBody>
-      </p:sp>
-      <p:sp>
-        <p:nvSpPr>
-          <p:cNvPr id="60" name="PlaceHolder 2"/>
+            <a:pPr algn="ctr"/>
+            <a:endParaRPr b="0" lang="en-US" sz="4400" spc="-1" strike="noStrike">
+              <a:latin typeface="Arial"/>
+            </a:endParaRPr>
+          </a:p>
+        </p:txBody>
+      </p:sp>
+      <p:sp>
+        <p:nvSpPr>
+          <p:cNvPr id="58" name="PlaceHolder 2"/>
           <p:cNvSpPr>
             <a:spLocks noGrp="1"/>
           </p:cNvSpPr>
@@ -1487,7 +1401,7 @@
         <p:spPr>
           <a:xfrm>
             <a:off x="311760" y="1152360"/>
-            <a:ext cx="4157640" cy="1629360"/>
+            <a:ext cx="4157280" cy="1629000"/>
           </a:xfrm>
           <a:prstGeom prst="rect">
             <a:avLst/>
@@ -1498,18 +1412,15 @@
             <a:normAutofit/>
           </a:bodyPr>
           <a:p>
-            <a:endParaRPr b="0" lang="en-US" sz="1400" spc="-1" strike="noStrike">
-              <a:solidFill>
-                <a:srgbClr val="000000"/>
-              </a:solidFill>
-              <a:latin typeface="Arial"/>
-            </a:endParaRPr>
-          </a:p>
-        </p:txBody>
-      </p:sp>
-      <p:sp>
-        <p:nvSpPr>
-          <p:cNvPr id="61" name="PlaceHolder 3"/>
+            <a:endParaRPr b="0" lang="en-US" sz="3200" spc="-1" strike="noStrike">
+              <a:latin typeface="Arial"/>
+            </a:endParaRPr>
+          </a:p>
+        </p:txBody>
+      </p:sp>
+      <p:sp>
+        <p:nvSpPr>
+          <p:cNvPr id="59" name="PlaceHolder 3"/>
           <p:cNvSpPr>
             <a:spLocks noGrp="1"/>
           </p:cNvSpPr>
@@ -1519,8 +1430,8 @@
         </p:nvSpPr>
         <p:spPr>
           <a:xfrm>
-            <a:off x="4677840" y="1152360"/>
-            <a:ext cx="4157640" cy="1629360"/>
+            <a:off x="4677120" y="1152360"/>
+            <a:ext cx="4157280" cy="1629000"/>
           </a:xfrm>
           <a:prstGeom prst="rect">
             <a:avLst/>
@@ -1531,18 +1442,15 @@
             <a:normAutofit/>
           </a:bodyPr>
           <a:p>
-            <a:endParaRPr b="0" lang="en-US" sz="1400" spc="-1" strike="noStrike">
-              <a:solidFill>
-                <a:srgbClr val="000000"/>
-              </a:solidFill>
-              <a:latin typeface="Arial"/>
-            </a:endParaRPr>
-          </a:p>
-        </p:txBody>
-      </p:sp>
-      <p:sp>
-        <p:nvSpPr>
-          <p:cNvPr id="62" name="PlaceHolder 4"/>
+            <a:endParaRPr b="0" lang="en-US" sz="3200" spc="-1" strike="noStrike">
+              <a:latin typeface="Arial"/>
+            </a:endParaRPr>
+          </a:p>
+        </p:txBody>
+      </p:sp>
+      <p:sp>
+        <p:nvSpPr>
+          <p:cNvPr id="60" name="PlaceHolder 4"/>
           <p:cNvSpPr>
             <a:spLocks noGrp="1"/>
           </p:cNvSpPr>
@@ -1552,8 +1460,8 @@
         </p:nvSpPr>
         <p:spPr>
           <a:xfrm>
-            <a:off x="311760" y="2936880"/>
-            <a:ext cx="8520120" cy="1629360"/>
+            <a:off x="311760" y="2936520"/>
+            <a:ext cx="8519760" cy="1629000"/>
           </a:xfrm>
           <a:prstGeom prst="rect">
             <a:avLst/>
@@ -1564,10 +1472,7 @@
             <a:normAutofit/>
           </a:bodyPr>
           <a:p>
-            <a:endParaRPr b="0" lang="en-US" sz="1400" spc="-1" strike="noStrike">
-              <a:solidFill>
-                <a:srgbClr val="000000"/>
-              </a:solidFill>
+            <a:endParaRPr b="0" lang="en-US" sz="3200" spc="-1" strike="noStrike">
               <a:latin typeface="Arial"/>
             </a:endParaRPr>
           </a:p>
@@ -1597,7 +1502,7 @@
       </p:grpSpPr>
       <p:sp>
         <p:nvSpPr>
-          <p:cNvPr id="63" name="PlaceHolder 1"/>
+          <p:cNvPr id="61" name="PlaceHolder 1"/>
           <p:cNvSpPr>
             <a:spLocks noGrp="1"/>
           </p:cNvSpPr>
@@ -1607,8 +1512,8 @@
         </p:nvSpPr>
         <p:spPr>
           <a:xfrm>
-            <a:off x="311760" y="444960"/>
-            <a:ext cx="8520120" cy="572400"/>
+            <a:off x="311760" y="418320"/>
+            <a:ext cx="8519760" cy="625320"/>
           </a:xfrm>
           <a:prstGeom prst="rect">
             <a:avLst/>
@@ -1619,18 +1524,16 @@
             <a:noAutofit/>
           </a:bodyPr>
           <a:p>
-            <a:endParaRPr b="0" lang="en-US" sz="1400" spc="-1" strike="noStrike">
-              <a:solidFill>
-                <a:srgbClr val="000000"/>
-              </a:solidFill>
-              <a:latin typeface="Arial"/>
-            </a:endParaRPr>
-          </a:p>
-        </p:txBody>
-      </p:sp>
-      <p:sp>
-        <p:nvSpPr>
-          <p:cNvPr id="64" name="PlaceHolder 2"/>
+            <a:pPr algn="ctr"/>
+            <a:endParaRPr b="0" lang="en-US" sz="4400" spc="-1" strike="noStrike">
+              <a:latin typeface="Arial"/>
+            </a:endParaRPr>
+          </a:p>
+        </p:txBody>
+      </p:sp>
+      <p:sp>
+        <p:nvSpPr>
+          <p:cNvPr id="62" name="PlaceHolder 2"/>
           <p:cNvSpPr>
             <a:spLocks noGrp="1"/>
           </p:cNvSpPr>
@@ -1641,7 +1544,7 @@
         <p:spPr>
           <a:xfrm>
             <a:off x="311760" y="1152360"/>
-            <a:ext cx="8520120" cy="1629360"/>
+            <a:ext cx="8519760" cy="1629000"/>
           </a:xfrm>
           <a:prstGeom prst="rect">
             <a:avLst/>
@@ -1652,18 +1555,15 @@
             <a:normAutofit/>
           </a:bodyPr>
           <a:p>
-            <a:endParaRPr b="0" lang="en-US" sz="1400" spc="-1" strike="noStrike">
-              <a:solidFill>
-                <a:srgbClr val="000000"/>
-              </a:solidFill>
-              <a:latin typeface="Arial"/>
-            </a:endParaRPr>
-          </a:p>
-        </p:txBody>
-      </p:sp>
-      <p:sp>
-        <p:nvSpPr>
-          <p:cNvPr id="65" name="PlaceHolder 3"/>
+            <a:endParaRPr b="0" lang="en-US" sz="3200" spc="-1" strike="noStrike">
+              <a:latin typeface="Arial"/>
+            </a:endParaRPr>
+          </a:p>
+        </p:txBody>
+      </p:sp>
+      <p:sp>
+        <p:nvSpPr>
+          <p:cNvPr id="63" name="PlaceHolder 3"/>
           <p:cNvSpPr>
             <a:spLocks noGrp="1"/>
           </p:cNvSpPr>
@@ -1673,8 +1573,8 @@
         </p:nvSpPr>
         <p:spPr>
           <a:xfrm>
-            <a:off x="311760" y="2936880"/>
-            <a:ext cx="8520120" cy="1629360"/>
+            <a:off x="311760" y="2936520"/>
+            <a:ext cx="8519760" cy="1629000"/>
           </a:xfrm>
           <a:prstGeom prst="rect">
             <a:avLst/>
@@ -1685,10 +1585,7 @@
             <a:normAutofit/>
           </a:bodyPr>
           <a:p>
-            <a:endParaRPr b="0" lang="en-US" sz="1400" spc="-1" strike="noStrike">
-              <a:solidFill>
-                <a:srgbClr val="000000"/>
-              </a:solidFill>
+            <a:endParaRPr b="0" lang="en-US" sz="3200" spc="-1" strike="noStrike">
               <a:latin typeface="Arial"/>
             </a:endParaRPr>
           </a:p>
@@ -1718,7 +1615,7 @@
       </p:grpSpPr>
       <p:sp>
         <p:nvSpPr>
-          <p:cNvPr id="66" name="PlaceHolder 1"/>
+          <p:cNvPr id="64" name="PlaceHolder 1"/>
           <p:cNvSpPr>
             <a:spLocks noGrp="1"/>
           </p:cNvSpPr>
@@ -1728,8 +1625,8 @@
         </p:nvSpPr>
         <p:spPr>
           <a:xfrm>
-            <a:off x="311760" y="444960"/>
-            <a:ext cx="8520120" cy="572400"/>
+            <a:off x="311760" y="418320"/>
+            <a:ext cx="8519760" cy="625320"/>
           </a:xfrm>
           <a:prstGeom prst="rect">
             <a:avLst/>
@@ -1740,18 +1637,16 @@
             <a:noAutofit/>
           </a:bodyPr>
           <a:p>
-            <a:endParaRPr b="0" lang="en-US" sz="1400" spc="-1" strike="noStrike">
-              <a:solidFill>
-                <a:srgbClr val="000000"/>
-              </a:solidFill>
-              <a:latin typeface="Arial"/>
-            </a:endParaRPr>
-          </a:p>
-        </p:txBody>
-      </p:sp>
-      <p:sp>
-        <p:nvSpPr>
-          <p:cNvPr id="67" name="PlaceHolder 2"/>
+            <a:pPr algn="ctr"/>
+            <a:endParaRPr b="0" lang="en-US" sz="4400" spc="-1" strike="noStrike">
+              <a:latin typeface="Arial"/>
+            </a:endParaRPr>
+          </a:p>
+        </p:txBody>
+      </p:sp>
+      <p:sp>
+        <p:nvSpPr>
+          <p:cNvPr id="65" name="PlaceHolder 2"/>
           <p:cNvSpPr>
             <a:spLocks noGrp="1"/>
           </p:cNvSpPr>
@@ -1762,7 +1657,7 @@
         <p:spPr>
           <a:xfrm>
             <a:off x="311760" y="1152360"/>
-            <a:ext cx="4157640" cy="1629360"/>
+            <a:ext cx="4157280" cy="1629000"/>
           </a:xfrm>
           <a:prstGeom prst="rect">
             <a:avLst/>
@@ -1773,18 +1668,15 @@
             <a:normAutofit/>
           </a:bodyPr>
           <a:p>
-            <a:endParaRPr b="0" lang="en-US" sz="1400" spc="-1" strike="noStrike">
-              <a:solidFill>
-                <a:srgbClr val="000000"/>
-              </a:solidFill>
-              <a:latin typeface="Arial"/>
-            </a:endParaRPr>
-          </a:p>
-        </p:txBody>
-      </p:sp>
-      <p:sp>
-        <p:nvSpPr>
-          <p:cNvPr id="68" name="PlaceHolder 3"/>
+            <a:endParaRPr b="0" lang="en-US" sz="3200" spc="-1" strike="noStrike">
+              <a:latin typeface="Arial"/>
+            </a:endParaRPr>
+          </a:p>
+        </p:txBody>
+      </p:sp>
+      <p:sp>
+        <p:nvSpPr>
+          <p:cNvPr id="66" name="PlaceHolder 3"/>
           <p:cNvSpPr>
             <a:spLocks noGrp="1"/>
           </p:cNvSpPr>
@@ -1794,8 +1686,8 @@
         </p:nvSpPr>
         <p:spPr>
           <a:xfrm>
-            <a:off x="4677840" y="1152360"/>
-            <a:ext cx="4157640" cy="1629360"/>
+            <a:off x="4677120" y="1152360"/>
+            <a:ext cx="4157280" cy="1629000"/>
           </a:xfrm>
           <a:prstGeom prst="rect">
             <a:avLst/>
@@ -1806,18 +1698,15 @@
             <a:normAutofit/>
           </a:bodyPr>
           <a:p>
-            <a:endParaRPr b="0" lang="en-US" sz="1400" spc="-1" strike="noStrike">
-              <a:solidFill>
-                <a:srgbClr val="000000"/>
-              </a:solidFill>
-              <a:latin typeface="Arial"/>
-            </a:endParaRPr>
-          </a:p>
-        </p:txBody>
-      </p:sp>
-      <p:sp>
-        <p:nvSpPr>
-          <p:cNvPr id="69" name="PlaceHolder 4"/>
+            <a:endParaRPr b="0" lang="en-US" sz="3200" spc="-1" strike="noStrike">
+              <a:latin typeface="Arial"/>
+            </a:endParaRPr>
+          </a:p>
+        </p:txBody>
+      </p:sp>
+      <p:sp>
+        <p:nvSpPr>
+          <p:cNvPr id="67" name="PlaceHolder 4"/>
           <p:cNvSpPr>
             <a:spLocks noGrp="1"/>
           </p:cNvSpPr>
@@ -1827,8 +1716,8 @@
         </p:nvSpPr>
         <p:spPr>
           <a:xfrm>
-            <a:off x="311760" y="2936880"/>
-            <a:ext cx="4157640" cy="1629360"/>
+            <a:off x="311760" y="2936520"/>
+            <a:ext cx="4157280" cy="1629000"/>
           </a:xfrm>
           <a:prstGeom prst="rect">
             <a:avLst/>
@@ -1839,18 +1728,15 @@
             <a:normAutofit/>
           </a:bodyPr>
           <a:p>
-            <a:endParaRPr b="0" lang="en-US" sz="1400" spc="-1" strike="noStrike">
-              <a:solidFill>
-                <a:srgbClr val="000000"/>
-              </a:solidFill>
-              <a:latin typeface="Arial"/>
-            </a:endParaRPr>
-          </a:p>
-        </p:txBody>
-      </p:sp>
-      <p:sp>
-        <p:nvSpPr>
-          <p:cNvPr id="70" name="PlaceHolder 5"/>
+            <a:endParaRPr b="0" lang="en-US" sz="3200" spc="-1" strike="noStrike">
+              <a:latin typeface="Arial"/>
+            </a:endParaRPr>
+          </a:p>
+        </p:txBody>
+      </p:sp>
+      <p:sp>
+        <p:nvSpPr>
+          <p:cNvPr id="68" name="PlaceHolder 5"/>
           <p:cNvSpPr>
             <a:spLocks noGrp="1"/>
           </p:cNvSpPr>
@@ -1860,8 +1746,8 @@
         </p:nvSpPr>
         <p:spPr>
           <a:xfrm>
-            <a:off x="4677840" y="2936880"/>
-            <a:ext cx="4157640" cy="1629360"/>
+            <a:off x="4677120" y="2936520"/>
+            <a:ext cx="4157280" cy="1629000"/>
           </a:xfrm>
           <a:prstGeom prst="rect">
             <a:avLst/>
@@ -1872,10 +1758,7 @@
             <a:normAutofit/>
           </a:bodyPr>
           <a:p>
-            <a:endParaRPr b="0" lang="en-US" sz="1400" spc="-1" strike="noStrike">
-              <a:solidFill>
-                <a:srgbClr val="000000"/>
-              </a:solidFill>
+            <a:endParaRPr b="0" lang="en-US" sz="3200" spc="-1" strike="noStrike">
               <a:latin typeface="Arial"/>
             </a:endParaRPr>
           </a:p>
@@ -1905,7 +1788,7 @@
       </p:grpSpPr>
       <p:sp>
         <p:nvSpPr>
-          <p:cNvPr id="71" name="PlaceHolder 1"/>
+          <p:cNvPr id="69" name="PlaceHolder 1"/>
           <p:cNvSpPr>
             <a:spLocks noGrp="1"/>
           </p:cNvSpPr>
@@ -1915,8 +1798,8 @@
         </p:nvSpPr>
         <p:spPr>
           <a:xfrm>
-            <a:off x="311760" y="444960"/>
-            <a:ext cx="8520120" cy="572400"/>
+            <a:off x="311760" y="418320"/>
+            <a:ext cx="8519760" cy="625320"/>
           </a:xfrm>
           <a:prstGeom prst="rect">
             <a:avLst/>
@@ -1927,18 +1810,16 @@
             <a:noAutofit/>
           </a:bodyPr>
           <a:p>
-            <a:endParaRPr b="0" lang="en-US" sz="1400" spc="-1" strike="noStrike">
-              <a:solidFill>
-                <a:srgbClr val="000000"/>
-              </a:solidFill>
-              <a:latin typeface="Arial"/>
-            </a:endParaRPr>
-          </a:p>
-        </p:txBody>
-      </p:sp>
-      <p:sp>
-        <p:nvSpPr>
-          <p:cNvPr id="72" name="PlaceHolder 2"/>
+            <a:pPr algn="ctr"/>
+            <a:endParaRPr b="0" lang="en-US" sz="4400" spc="-1" strike="noStrike">
+              <a:latin typeface="Arial"/>
+            </a:endParaRPr>
+          </a:p>
+        </p:txBody>
+      </p:sp>
+      <p:sp>
+        <p:nvSpPr>
+          <p:cNvPr id="70" name="PlaceHolder 2"/>
           <p:cNvSpPr>
             <a:spLocks noGrp="1"/>
           </p:cNvSpPr>
@@ -1949,7 +1830,7 @@
         <p:spPr>
           <a:xfrm>
             <a:off x="311760" y="1152360"/>
-            <a:ext cx="2743200" cy="1629360"/>
+            <a:ext cx="2743200" cy="1629000"/>
           </a:xfrm>
           <a:prstGeom prst="rect">
             <a:avLst/>
@@ -1960,18 +1841,15 @@
             <a:normAutofit/>
           </a:bodyPr>
           <a:p>
-            <a:endParaRPr b="0" lang="en-US" sz="1400" spc="-1" strike="noStrike">
-              <a:solidFill>
-                <a:srgbClr val="000000"/>
-              </a:solidFill>
-              <a:latin typeface="Arial"/>
-            </a:endParaRPr>
-          </a:p>
-        </p:txBody>
-      </p:sp>
-      <p:sp>
-        <p:nvSpPr>
-          <p:cNvPr id="73" name="PlaceHolder 3"/>
+            <a:endParaRPr b="0" lang="en-US" sz="3200" spc="-1" strike="noStrike">
+              <a:latin typeface="Arial"/>
+            </a:endParaRPr>
+          </a:p>
+        </p:txBody>
+      </p:sp>
+      <p:sp>
+        <p:nvSpPr>
+          <p:cNvPr id="71" name="PlaceHolder 3"/>
           <p:cNvSpPr>
             <a:spLocks noGrp="1"/>
           </p:cNvSpPr>
@@ -1982,7 +1860,7 @@
         <p:spPr>
           <a:xfrm>
             <a:off x="3192480" y="1152360"/>
-            <a:ext cx="2743200" cy="1629360"/>
+            <a:ext cx="2743200" cy="1629000"/>
           </a:xfrm>
           <a:prstGeom prst="rect">
             <a:avLst/>
@@ -1993,18 +1871,15 @@
             <a:normAutofit/>
           </a:bodyPr>
           <a:p>
-            <a:endParaRPr b="0" lang="en-US" sz="1400" spc="-1" strike="noStrike">
-              <a:solidFill>
-                <a:srgbClr val="000000"/>
-              </a:solidFill>
-              <a:latin typeface="Arial"/>
-            </a:endParaRPr>
-          </a:p>
-        </p:txBody>
-      </p:sp>
-      <p:sp>
-        <p:nvSpPr>
-          <p:cNvPr id="74" name="PlaceHolder 4"/>
+            <a:endParaRPr b="0" lang="en-US" sz="3200" spc="-1" strike="noStrike">
+              <a:latin typeface="Arial"/>
+            </a:endParaRPr>
+          </a:p>
+        </p:txBody>
+      </p:sp>
+      <p:sp>
+        <p:nvSpPr>
+          <p:cNvPr id="72" name="PlaceHolder 4"/>
           <p:cNvSpPr>
             <a:spLocks noGrp="1"/>
           </p:cNvSpPr>
@@ -2015,7 +1890,7 @@
         <p:spPr>
           <a:xfrm>
             <a:off x="6073200" y="1152360"/>
-            <a:ext cx="2743200" cy="1629360"/>
+            <a:ext cx="2743200" cy="1629000"/>
           </a:xfrm>
           <a:prstGeom prst="rect">
             <a:avLst/>
@@ -2026,18 +1901,15 @@
             <a:normAutofit/>
           </a:bodyPr>
           <a:p>
-            <a:endParaRPr b="0" lang="en-US" sz="1400" spc="-1" strike="noStrike">
-              <a:solidFill>
-                <a:srgbClr val="000000"/>
-              </a:solidFill>
-              <a:latin typeface="Arial"/>
-            </a:endParaRPr>
-          </a:p>
-        </p:txBody>
-      </p:sp>
-      <p:sp>
-        <p:nvSpPr>
-          <p:cNvPr id="75" name="PlaceHolder 5"/>
+            <a:endParaRPr b="0" lang="en-US" sz="3200" spc="-1" strike="noStrike">
+              <a:latin typeface="Arial"/>
+            </a:endParaRPr>
+          </a:p>
+        </p:txBody>
+      </p:sp>
+      <p:sp>
+        <p:nvSpPr>
+          <p:cNvPr id="73" name="PlaceHolder 5"/>
           <p:cNvSpPr>
             <a:spLocks noGrp="1"/>
           </p:cNvSpPr>
@@ -2047,8 +1919,8 @@
         </p:nvSpPr>
         <p:spPr>
           <a:xfrm>
-            <a:off x="311760" y="2936880"/>
-            <a:ext cx="2743200" cy="1629360"/>
+            <a:off x="311760" y="2936520"/>
+            <a:ext cx="2743200" cy="1629000"/>
           </a:xfrm>
           <a:prstGeom prst="rect">
             <a:avLst/>
@@ -2059,18 +1931,15 @@
             <a:normAutofit/>
           </a:bodyPr>
           <a:p>
-            <a:endParaRPr b="0" lang="en-US" sz="1400" spc="-1" strike="noStrike">
-              <a:solidFill>
-                <a:srgbClr val="000000"/>
-              </a:solidFill>
-              <a:latin typeface="Arial"/>
-            </a:endParaRPr>
-          </a:p>
-        </p:txBody>
-      </p:sp>
-      <p:sp>
-        <p:nvSpPr>
-          <p:cNvPr id="76" name="PlaceHolder 6"/>
+            <a:endParaRPr b="0" lang="en-US" sz="3200" spc="-1" strike="noStrike">
+              <a:latin typeface="Arial"/>
+            </a:endParaRPr>
+          </a:p>
+        </p:txBody>
+      </p:sp>
+      <p:sp>
+        <p:nvSpPr>
+          <p:cNvPr id="74" name="PlaceHolder 6"/>
           <p:cNvSpPr>
             <a:spLocks noGrp="1"/>
           </p:cNvSpPr>
@@ -2080,8 +1949,8 @@
         </p:nvSpPr>
         <p:spPr>
           <a:xfrm>
-            <a:off x="3192480" y="2936880"/>
-            <a:ext cx="2743200" cy="1629360"/>
+            <a:off x="3192480" y="2936520"/>
+            <a:ext cx="2743200" cy="1629000"/>
           </a:xfrm>
           <a:prstGeom prst="rect">
             <a:avLst/>
@@ -2092,18 +1961,15 @@
             <a:normAutofit/>
           </a:bodyPr>
           <a:p>
-            <a:endParaRPr b="0" lang="en-US" sz="1400" spc="-1" strike="noStrike">
-              <a:solidFill>
-                <a:srgbClr val="000000"/>
-              </a:solidFill>
-              <a:latin typeface="Arial"/>
-            </a:endParaRPr>
-          </a:p>
-        </p:txBody>
-      </p:sp>
-      <p:sp>
-        <p:nvSpPr>
-          <p:cNvPr id="77" name="PlaceHolder 7"/>
+            <a:endParaRPr b="0" lang="en-US" sz="3200" spc="-1" strike="noStrike">
+              <a:latin typeface="Arial"/>
+            </a:endParaRPr>
+          </a:p>
+        </p:txBody>
+      </p:sp>
+      <p:sp>
+        <p:nvSpPr>
+          <p:cNvPr id="75" name="PlaceHolder 7"/>
           <p:cNvSpPr>
             <a:spLocks noGrp="1"/>
           </p:cNvSpPr>
@@ -2113,8 +1979,8 @@
         </p:nvSpPr>
         <p:spPr>
           <a:xfrm>
-            <a:off x="6073200" y="2936880"/>
-            <a:ext cx="2743200" cy="1629360"/>
+            <a:off x="6073200" y="2936520"/>
+            <a:ext cx="2743200" cy="1629000"/>
           </a:xfrm>
           <a:prstGeom prst="rect">
             <a:avLst/>
@@ -2125,10 +1991,7 @@
             <a:normAutofit/>
           </a:bodyPr>
           <a:p>
-            <a:endParaRPr b="0" lang="en-US" sz="1400" spc="-1" strike="noStrike">
-              <a:solidFill>
-                <a:srgbClr val="000000"/>
-              </a:solidFill>
+            <a:endParaRPr b="0" lang="en-US" sz="3200" spc="-1" strike="noStrike">
               <a:latin typeface="Arial"/>
             </a:endParaRPr>
           </a:p>
@@ -2158,7 +2021,7 @@
       </p:grpSpPr>
       <p:sp>
         <p:nvSpPr>
-          <p:cNvPr id="5" name="PlaceHolder 1"/>
+          <p:cNvPr id="4" name="PlaceHolder 1"/>
           <p:cNvSpPr>
             <a:spLocks noGrp="1"/>
           </p:cNvSpPr>
@@ -2168,8 +2031,8 @@
         </p:nvSpPr>
         <p:spPr>
           <a:xfrm>
-            <a:off x="311760" y="444960"/>
-            <a:ext cx="8520120" cy="572400"/>
+            <a:off x="311760" y="418320"/>
+            <a:ext cx="8519760" cy="625320"/>
           </a:xfrm>
           <a:prstGeom prst="rect">
             <a:avLst/>
@@ -2180,18 +2043,16 @@
             <a:noAutofit/>
           </a:bodyPr>
           <a:p>
-            <a:endParaRPr b="0" lang="en-US" sz="1400" spc="-1" strike="noStrike">
-              <a:solidFill>
-                <a:srgbClr val="000000"/>
-              </a:solidFill>
-              <a:latin typeface="Arial"/>
-            </a:endParaRPr>
-          </a:p>
-        </p:txBody>
-      </p:sp>
-      <p:sp>
-        <p:nvSpPr>
-          <p:cNvPr id="6" name="PlaceHolder 2"/>
+            <a:pPr algn="ctr"/>
+            <a:endParaRPr b="0" lang="en-US" sz="4400" spc="-1" strike="noStrike">
+              <a:latin typeface="Arial"/>
+            </a:endParaRPr>
+          </a:p>
+        </p:txBody>
+      </p:sp>
+      <p:sp>
+        <p:nvSpPr>
+          <p:cNvPr id="5" name="PlaceHolder 2"/>
           <p:cNvSpPr>
             <a:spLocks noGrp="1"/>
           </p:cNvSpPr>
@@ -2202,7 +2063,7 @@
         <p:spPr>
           <a:xfrm>
             <a:off x="311760" y="1152360"/>
-            <a:ext cx="8520120" cy="3416040"/>
+            <a:ext cx="8519760" cy="3415680"/>
           </a:xfrm>
           <a:prstGeom prst="rect">
             <a:avLst/>
@@ -2213,10 +2074,7 @@
             <a:normAutofit/>
           </a:bodyPr>
           <a:p>
-            <a:endParaRPr b="0" lang="en-US" sz="1400" spc="-1" strike="noStrike">
-              <a:solidFill>
-                <a:srgbClr val="000000"/>
-              </a:solidFill>
+            <a:endParaRPr b="0" lang="en-US" sz="3200" spc="-1" strike="noStrike">
               <a:latin typeface="Arial"/>
             </a:endParaRPr>
           </a:p>
@@ -2246,7 +2104,7 @@
       </p:grpSpPr>
       <p:sp>
         <p:nvSpPr>
-          <p:cNvPr id="7" name="PlaceHolder 1"/>
+          <p:cNvPr id="6" name="PlaceHolder 1"/>
           <p:cNvSpPr>
             <a:spLocks noGrp="1"/>
           </p:cNvSpPr>
@@ -2256,8 +2114,8 @@
         </p:nvSpPr>
         <p:spPr>
           <a:xfrm>
-            <a:off x="311760" y="444960"/>
-            <a:ext cx="8520120" cy="572400"/>
+            <a:off x="311760" y="418320"/>
+            <a:ext cx="8519760" cy="625320"/>
           </a:xfrm>
           <a:prstGeom prst="rect">
             <a:avLst/>
@@ -2268,18 +2126,16 @@
             <a:noAutofit/>
           </a:bodyPr>
           <a:p>
-            <a:endParaRPr b="0" lang="en-US" sz="1400" spc="-1" strike="noStrike">
-              <a:solidFill>
-                <a:srgbClr val="000000"/>
-              </a:solidFill>
-              <a:latin typeface="Arial"/>
-            </a:endParaRPr>
-          </a:p>
-        </p:txBody>
-      </p:sp>
-      <p:sp>
-        <p:nvSpPr>
-          <p:cNvPr id="8" name="PlaceHolder 2"/>
+            <a:pPr algn="ctr"/>
+            <a:endParaRPr b="0" lang="en-US" sz="4400" spc="-1" strike="noStrike">
+              <a:latin typeface="Arial"/>
+            </a:endParaRPr>
+          </a:p>
+        </p:txBody>
+      </p:sp>
+      <p:sp>
+        <p:nvSpPr>
+          <p:cNvPr id="7" name="PlaceHolder 2"/>
           <p:cNvSpPr>
             <a:spLocks noGrp="1"/>
           </p:cNvSpPr>
@@ -2290,7 +2146,7 @@
         <p:spPr>
           <a:xfrm>
             <a:off x="311760" y="1152360"/>
-            <a:ext cx="4157640" cy="3416040"/>
+            <a:ext cx="4157280" cy="3415680"/>
           </a:xfrm>
           <a:prstGeom prst="rect">
             <a:avLst/>
@@ -2301,18 +2157,15 @@
             <a:normAutofit/>
           </a:bodyPr>
           <a:p>
-            <a:endParaRPr b="0" lang="en-US" sz="1400" spc="-1" strike="noStrike">
-              <a:solidFill>
-                <a:srgbClr val="000000"/>
-              </a:solidFill>
-              <a:latin typeface="Arial"/>
-            </a:endParaRPr>
-          </a:p>
-        </p:txBody>
-      </p:sp>
-      <p:sp>
-        <p:nvSpPr>
-          <p:cNvPr id="9" name="PlaceHolder 3"/>
+            <a:endParaRPr b="0" lang="en-US" sz="3200" spc="-1" strike="noStrike">
+              <a:latin typeface="Arial"/>
+            </a:endParaRPr>
+          </a:p>
+        </p:txBody>
+      </p:sp>
+      <p:sp>
+        <p:nvSpPr>
+          <p:cNvPr id="8" name="PlaceHolder 3"/>
           <p:cNvSpPr>
             <a:spLocks noGrp="1"/>
           </p:cNvSpPr>
@@ -2322,8 +2175,8 @@
         </p:nvSpPr>
         <p:spPr>
           <a:xfrm>
-            <a:off x="4677840" y="1152360"/>
-            <a:ext cx="4157640" cy="3416040"/>
+            <a:off x="4677120" y="1152360"/>
+            <a:ext cx="4157280" cy="3415680"/>
           </a:xfrm>
           <a:prstGeom prst="rect">
             <a:avLst/>
@@ -2334,10 +2187,7 @@
             <a:normAutofit/>
           </a:bodyPr>
           <a:p>
-            <a:endParaRPr b="0" lang="en-US" sz="1400" spc="-1" strike="noStrike">
-              <a:solidFill>
-                <a:srgbClr val="000000"/>
-              </a:solidFill>
+            <a:endParaRPr b="0" lang="en-US" sz="3200" spc="-1" strike="noStrike">
               <a:latin typeface="Arial"/>
             </a:endParaRPr>
           </a:p>
@@ -2367,7 +2217,7 @@
       </p:grpSpPr>
       <p:sp>
         <p:nvSpPr>
-          <p:cNvPr id="10" name="PlaceHolder 1"/>
+          <p:cNvPr id="9" name="PlaceHolder 1"/>
           <p:cNvSpPr>
             <a:spLocks noGrp="1"/>
           </p:cNvSpPr>
@@ -2377,8 +2227,8 @@
         </p:nvSpPr>
         <p:spPr>
           <a:xfrm>
-            <a:off x="311760" y="444960"/>
-            <a:ext cx="8520120" cy="572400"/>
+            <a:off x="311760" y="418320"/>
+            <a:ext cx="8519760" cy="625320"/>
           </a:xfrm>
           <a:prstGeom prst="rect">
             <a:avLst/>
@@ -2389,10 +2239,8 @@
             <a:noAutofit/>
           </a:bodyPr>
           <a:p>
-            <a:endParaRPr b="0" lang="en-US" sz="1400" spc="-1" strike="noStrike">
-              <a:solidFill>
-                <a:srgbClr val="000000"/>
-              </a:solidFill>
+            <a:pPr algn="ctr"/>
+            <a:endParaRPr b="0" lang="en-US" sz="4400" spc="-1" strike="noStrike">
               <a:latin typeface="Arial"/>
             </a:endParaRPr>
           </a:p>
@@ -2422,7 +2270,7 @@
       </p:grpSpPr>
       <p:sp>
         <p:nvSpPr>
-          <p:cNvPr id="11" name="PlaceHolder 1"/>
+          <p:cNvPr id="10" name="PlaceHolder 1"/>
           <p:cNvSpPr>
             <a:spLocks noGrp="1"/>
           </p:cNvSpPr>
@@ -2433,7 +2281,7 @@
         <p:spPr>
           <a:xfrm>
             <a:off x="311760" y="444960"/>
-            <a:ext cx="8520120" cy="2654640"/>
+            <a:ext cx="8519760" cy="2652840"/>
           </a:xfrm>
           <a:prstGeom prst="rect">
             <a:avLst/>
@@ -2475,7 +2323,7 @@
       </p:grpSpPr>
       <p:sp>
         <p:nvSpPr>
-          <p:cNvPr id="12" name="PlaceHolder 1"/>
+          <p:cNvPr id="11" name="PlaceHolder 1"/>
           <p:cNvSpPr>
             <a:spLocks noGrp="1"/>
           </p:cNvSpPr>
@@ -2485,8 +2333,8 @@
         </p:nvSpPr>
         <p:spPr>
           <a:xfrm>
-            <a:off x="311760" y="444960"/>
-            <a:ext cx="8520120" cy="572400"/>
+            <a:off x="311760" y="418320"/>
+            <a:ext cx="8519760" cy="625320"/>
           </a:xfrm>
           <a:prstGeom prst="rect">
             <a:avLst/>
@@ -2497,18 +2345,16 @@
             <a:noAutofit/>
           </a:bodyPr>
           <a:p>
-            <a:endParaRPr b="0" lang="en-US" sz="1400" spc="-1" strike="noStrike">
-              <a:solidFill>
-                <a:srgbClr val="000000"/>
-              </a:solidFill>
-              <a:latin typeface="Arial"/>
-            </a:endParaRPr>
-          </a:p>
-        </p:txBody>
-      </p:sp>
-      <p:sp>
-        <p:nvSpPr>
-          <p:cNvPr id="13" name="PlaceHolder 2"/>
+            <a:pPr algn="ctr"/>
+            <a:endParaRPr b="0" lang="en-US" sz="4400" spc="-1" strike="noStrike">
+              <a:latin typeface="Arial"/>
+            </a:endParaRPr>
+          </a:p>
+        </p:txBody>
+      </p:sp>
+      <p:sp>
+        <p:nvSpPr>
+          <p:cNvPr id="12" name="PlaceHolder 2"/>
           <p:cNvSpPr>
             <a:spLocks noGrp="1"/>
           </p:cNvSpPr>
@@ -2519,7 +2365,7 @@
         <p:spPr>
           <a:xfrm>
             <a:off x="311760" y="1152360"/>
-            <a:ext cx="4157640" cy="1629360"/>
+            <a:ext cx="4157280" cy="1629000"/>
           </a:xfrm>
           <a:prstGeom prst="rect">
             <a:avLst/>
@@ -2530,18 +2376,15 @@
             <a:normAutofit/>
           </a:bodyPr>
           <a:p>
-            <a:endParaRPr b="0" lang="en-US" sz="1400" spc="-1" strike="noStrike">
-              <a:solidFill>
-                <a:srgbClr val="000000"/>
-              </a:solidFill>
-              <a:latin typeface="Arial"/>
-            </a:endParaRPr>
-          </a:p>
-        </p:txBody>
-      </p:sp>
-      <p:sp>
-        <p:nvSpPr>
-          <p:cNvPr id="14" name="PlaceHolder 3"/>
+            <a:endParaRPr b="0" lang="en-US" sz="3200" spc="-1" strike="noStrike">
+              <a:latin typeface="Arial"/>
+            </a:endParaRPr>
+          </a:p>
+        </p:txBody>
+      </p:sp>
+      <p:sp>
+        <p:nvSpPr>
+          <p:cNvPr id="13" name="PlaceHolder 3"/>
           <p:cNvSpPr>
             <a:spLocks noGrp="1"/>
           </p:cNvSpPr>
@@ -2551,8 +2394,8 @@
         </p:nvSpPr>
         <p:spPr>
           <a:xfrm>
-            <a:off x="4677840" y="1152360"/>
-            <a:ext cx="4157640" cy="3416040"/>
+            <a:off x="4677120" y="1152360"/>
+            <a:ext cx="4157280" cy="3415680"/>
           </a:xfrm>
           <a:prstGeom prst="rect">
             <a:avLst/>
@@ -2563,18 +2406,15 @@
             <a:normAutofit/>
           </a:bodyPr>
           <a:p>
-            <a:endParaRPr b="0" lang="en-US" sz="1400" spc="-1" strike="noStrike">
-              <a:solidFill>
-                <a:srgbClr val="000000"/>
-              </a:solidFill>
-              <a:latin typeface="Arial"/>
-            </a:endParaRPr>
-          </a:p>
-        </p:txBody>
-      </p:sp>
-      <p:sp>
-        <p:nvSpPr>
-          <p:cNvPr id="15" name="PlaceHolder 4"/>
+            <a:endParaRPr b="0" lang="en-US" sz="3200" spc="-1" strike="noStrike">
+              <a:latin typeface="Arial"/>
+            </a:endParaRPr>
+          </a:p>
+        </p:txBody>
+      </p:sp>
+      <p:sp>
+        <p:nvSpPr>
+          <p:cNvPr id="14" name="PlaceHolder 4"/>
           <p:cNvSpPr>
             <a:spLocks noGrp="1"/>
           </p:cNvSpPr>
@@ -2584,8 +2424,8 @@
         </p:nvSpPr>
         <p:spPr>
           <a:xfrm>
-            <a:off x="311760" y="2936880"/>
-            <a:ext cx="4157640" cy="1629360"/>
+            <a:off x="311760" y="2936520"/>
+            <a:ext cx="4157280" cy="1629000"/>
           </a:xfrm>
           <a:prstGeom prst="rect">
             <a:avLst/>
@@ -2596,10 +2436,7 @@
             <a:normAutofit/>
           </a:bodyPr>
           <a:p>
-            <a:endParaRPr b="0" lang="en-US" sz="1400" spc="-1" strike="noStrike">
-              <a:solidFill>
-                <a:srgbClr val="000000"/>
-              </a:solidFill>
+            <a:endParaRPr b="0" lang="en-US" sz="3200" spc="-1" strike="noStrike">
               <a:latin typeface="Arial"/>
             </a:endParaRPr>
           </a:p>
@@ -2629,7 +2466,7 @@
       </p:grpSpPr>
       <p:sp>
         <p:nvSpPr>
-          <p:cNvPr id="16" name="PlaceHolder 1"/>
+          <p:cNvPr id="15" name="PlaceHolder 1"/>
           <p:cNvSpPr>
             <a:spLocks noGrp="1"/>
           </p:cNvSpPr>
@@ -2639,8 +2476,8 @@
         </p:nvSpPr>
         <p:spPr>
           <a:xfrm>
-            <a:off x="311760" y="444960"/>
-            <a:ext cx="8520120" cy="572400"/>
+            <a:off x="311760" y="418320"/>
+            <a:ext cx="8519760" cy="625320"/>
           </a:xfrm>
           <a:prstGeom prst="rect">
             <a:avLst/>
@@ -2651,18 +2488,16 @@
             <a:noAutofit/>
           </a:bodyPr>
           <a:p>
-            <a:endParaRPr b="0" lang="en-US" sz="1400" spc="-1" strike="noStrike">
-              <a:solidFill>
-                <a:srgbClr val="000000"/>
-              </a:solidFill>
-              <a:latin typeface="Arial"/>
-            </a:endParaRPr>
-          </a:p>
-        </p:txBody>
-      </p:sp>
-      <p:sp>
-        <p:nvSpPr>
-          <p:cNvPr id="17" name="PlaceHolder 2"/>
+            <a:pPr algn="ctr"/>
+            <a:endParaRPr b="0" lang="en-US" sz="4400" spc="-1" strike="noStrike">
+              <a:latin typeface="Arial"/>
+            </a:endParaRPr>
+          </a:p>
+        </p:txBody>
+      </p:sp>
+      <p:sp>
+        <p:nvSpPr>
+          <p:cNvPr id="16" name="PlaceHolder 2"/>
           <p:cNvSpPr>
             <a:spLocks noGrp="1"/>
           </p:cNvSpPr>
@@ -2673,7 +2508,7 @@
         <p:spPr>
           <a:xfrm>
             <a:off x="311760" y="1152360"/>
-            <a:ext cx="4157640" cy="3416040"/>
+            <a:ext cx="4157280" cy="3415680"/>
           </a:xfrm>
           <a:prstGeom prst="rect">
             <a:avLst/>
@@ -2684,18 +2519,15 @@
             <a:normAutofit/>
           </a:bodyPr>
           <a:p>
-            <a:endParaRPr b="0" lang="en-US" sz="1400" spc="-1" strike="noStrike">
-              <a:solidFill>
-                <a:srgbClr val="000000"/>
-              </a:solidFill>
-              <a:latin typeface="Arial"/>
-            </a:endParaRPr>
-          </a:p>
-        </p:txBody>
-      </p:sp>
-      <p:sp>
-        <p:nvSpPr>
-          <p:cNvPr id="18" name="PlaceHolder 3"/>
+            <a:endParaRPr b="0" lang="en-US" sz="3200" spc="-1" strike="noStrike">
+              <a:latin typeface="Arial"/>
+            </a:endParaRPr>
+          </a:p>
+        </p:txBody>
+      </p:sp>
+      <p:sp>
+        <p:nvSpPr>
+          <p:cNvPr id="17" name="PlaceHolder 3"/>
           <p:cNvSpPr>
             <a:spLocks noGrp="1"/>
           </p:cNvSpPr>
@@ -2705,8 +2537,8 @@
         </p:nvSpPr>
         <p:spPr>
           <a:xfrm>
-            <a:off x="4677840" y="1152360"/>
-            <a:ext cx="4157640" cy="1629360"/>
+            <a:off x="4677120" y="1152360"/>
+            <a:ext cx="4157280" cy="1629000"/>
           </a:xfrm>
           <a:prstGeom prst="rect">
             <a:avLst/>
@@ -2717,18 +2549,15 @@
             <a:normAutofit/>
           </a:bodyPr>
           <a:p>
-            <a:endParaRPr b="0" lang="en-US" sz="1400" spc="-1" strike="noStrike">
-              <a:solidFill>
-                <a:srgbClr val="000000"/>
-              </a:solidFill>
-              <a:latin typeface="Arial"/>
-            </a:endParaRPr>
-          </a:p>
-        </p:txBody>
-      </p:sp>
-      <p:sp>
-        <p:nvSpPr>
-          <p:cNvPr id="19" name="PlaceHolder 4"/>
+            <a:endParaRPr b="0" lang="en-US" sz="3200" spc="-1" strike="noStrike">
+              <a:latin typeface="Arial"/>
+            </a:endParaRPr>
+          </a:p>
+        </p:txBody>
+      </p:sp>
+      <p:sp>
+        <p:nvSpPr>
+          <p:cNvPr id="18" name="PlaceHolder 4"/>
           <p:cNvSpPr>
             <a:spLocks noGrp="1"/>
           </p:cNvSpPr>
@@ -2738,8 +2567,8 @@
         </p:nvSpPr>
         <p:spPr>
           <a:xfrm>
-            <a:off x="4677840" y="2936880"/>
-            <a:ext cx="4157640" cy="1629360"/>
+            <a:off x="4677120" y="2936520"/>
+            <a:ext cx="4157280" cy="1629000"/>
           </a:xfrm>
           <a:prstGeom prst="rect">
             <a:avLst/>
@@ -2750,10 +2579,7 @@
             <a:normAutofit/>
           </a:bodyPr>
           <a:p>
-            <a:endParaRPr b="0" lang="en-US" sz="1400" spc="-1" strike="noStrike">
-              <a:solidFill>
-                <a:srgbClr val="000000"/>
-              </a:solidFill>
+            <a:endParaRPr b="0" lang="en-US" sz="3200" spc="-1" strike="noStrike">
               <a:latin typeface="Arial"/>
             </a:endParaRPr>
           </a:p>
@@ -2783,7 +2609,7 @@
       </p:grpSpPr>
       <p:sp>
         <p:nvSpPr>
-          <p:cNvPr id="20" name="PlaceHolder 1"/>
+          <p:cNvPr id="19" name="PlaceHolder 1"/>
           <p:cNvSpPr>
             <a:spLocks noGrp="1"/>
           </p:cNvSpPr>
@@ -2793,8 +2619,8 @@
         </p:nvSpPr>
         <p:spPr>
           <a:xfrm>
-            <a:off x="311760" y="444960"/>
-            <a:ext cx="8520120" cy="572400"/>
+            <a:off x="311760" y="418320"/>
+            <a:ext cx="8519760" cy="625320"/>
           </a:xfrm>
           <a:prstGeom prst="rect">
             <a:avLst/>
@@ -2805,18 +2631,16 @@
             <a:noAutofit/>
           </a:bodyPr>
           <a:p>
-            <a:endParaRPr b="0" lang="en-US" sz="1400" spc="-1" strike="noStrike">
-              <a:solidFill>
-                <a:srgbClr val="000000"/>
-              </a:solidFill>
-              <a:latin typeface="Arial"/>
-            </a:endParaRPr>
-          </a:p>
-        </p:txBody>
-      </p:sp>
-      <p:sp>
-        <p:nvSpPr>
-          <p:cNvPr id="21" name="PlaceHolder 2"/>
+            <a:pPr algn="ctr"/>
+            <a:endParaRPr b="0" lang="en-US" sz="4400" spc="-1" strike="noStrike">
+              <a:latin typeface="Arial"/>
+            </a:endParaRPr>
+          </a:p>
+        </p:txBody>
+      </p:sp>
+      <p:sp>
+        <p:nvSpPr>
+          <p:cNvPr id="20" name="PlaceHolder 2"/>
           <p:cNvSpPr>
             <a:spLocks noGrp="1"/>
           </p:cNvSpPr>
@@ -2827,7 +2651,7 @@
         <p:spPr>
           <a:xfrm>
             <a:off x="311760" y="1152360"/>
-            <a:ext cx="4157640" cy="1629360"/>
+            <a:ext cx="4157280" cy="1629000"/>
           </a:xfrm>
           <a:prstGeom prst="rect">
             <a:avLst/>
@@ -2838,18 +2662,15 @@
             <a:normAutofit/>
           </a:bodyPr>
           <a:p>
-            <a:endParaRPr b="0" lang="en-US" sz="1400" spc="-1" strike="noStrike">
-              <a:solidFill>
-                <a:srgbClr val="000000"/>
-              </a:solidFill>
-              <a:latin typeface="Arial"/>
-            </a:endParaRPr>
-          </a:p>
-        </p:txBody>
-      </p:sp>
-      <p:sp>
-        <p:nvSpPr>
-          <p:cNvPr id="22" name="PlaceHolder 3"/>
+            <a:endParaRPr b="0" lang="en-US" sz="3200" spc="-1" strike="noStrike">
+              <a:latin typeface="Arial"/>
+            </a:endParaRPr>
+          </a:p>
+        </p:txBody>
+      </p:sp>
+      <p:sp>
+        <p:nvSpPr>
+          <p:cNvPr id="21" name="PlaceHolder 3"/>
           <p:cNvSpPr>
             <a:spLocks noGrp="1"/>
           </p:cNvSpPr>
@@ -2859,8 +2680,8 @@
         </p:nvSpPr>
         <p:spPr>
           <a:xfrm>
-            <a:off x="4677840" y="1152360"/>
-            <a:ext cx="4157640" cy="1629360"/>
+            <a:off x="4677120" y="1152360"/>
+            <a:ext cx="4157280" cy="1629000"/>
           </a:xfrm>
           <a:prstGeom prst="rect">
             <a:avLst/>
@@ -2871,18 +2692,15 @@
             <a:normAutofit/>
           </a:bodyPr>
           <a:p>
-            <a:endParaRPr b="0" lang="en-US" sz="1400" spc="-1" strike="noStrike">
-              <a:solidFill>
-                <a:srgbClr val="000000"/>
-              </a:solidFill>
-              <a:latin typeface="Arial"/>
-            </a:endParaRPr>
-          </a:p>
-        </p:txBody>
-      </p:sp>
-      <p:sp>
-        <p:nvSpPr>
-          <p:cNvPr id="23" name="PlaceHolder 4"/>
+            <a:endParaRPr b="0" lang="en-US" sz="3200" spc="-1" strike="noStrike">
+              <a:latin typeface="Arial"/>
+            </a:endParaRPr>
+          </a:p>
+        </p:txBody>
+      </p:sp>
+      <p:sp>
+        <p:nvSpPr>
+          <p:cNvPr id="22" name="PlaceHolder 4"/>
           <p:cNvSpPr>
             <a:spLocks noGrp="1"/>
           </p:cNvSpPr>
@@ -2892,8 +2710,8 @@
         </p:nvSpPr>
         <p:spPr>
           <a:xfrm>
-            <a:off x="311760" y="2936880"/>
-            <a:ext cx="8520120" cy="1629360"/>
+            <a:off x="311760" y="2936520"/>
+            <a:ext cx="8519760" cy="1629000"/>
           </a:xfrm>
           <a:prstGeom prst="rect">
             <a:avLst/>
@@ -2904,10 +2722,7 @@
             <a:normAutofit/>
           </a:bodyPr>
           <a:p>
-            <a:endParaRPr b="0" lang="en-US" sz="1400" spc="-1" strike="noStrike">
-              <a:solidFill>
-                <a:srgbClr val="000000"/>
-              </a:solidFill>
+            <a:endParaRPr b="0" lang="en-US" sz="3200" spc="-1" strike="noStrike">
               <a:latin typeface="Arial"/>
             </a:endParaRPr>
           </a:p>
@@ -2954,76 +2769,25 @@
         </p:nvSpPr>
         <p:spPr>
           <a:xfrm>
-            <a:off x="311760" y="744480"/>
-            <a:ext cx="8520120" cy="2052360"/>
-          </a:xfrm>
-          <a:prstGeom prst="rect">
-            <a:avLst/>
-          </a:prstGeom>
-        </p:spPr>
-        <p:txBody>
-          <a:bodyPr tIns="91440" bIns="91440" anchor="b">
-            <a:normAutofit/>
-          </a:bodyPr>
-          <a:p>
-            <a:r>
-              <a:rPr b="0" lang="en-US" sz="5200" spc="-1" strike="noStrike">
-                <a:solidFill>
-                  <a:srgbClr val="000000"/>
-                </a:solidFill>
-                <a:latin typeface="Arial"/>
-              </a:rPr>
-              <a:t>Click </a:t>
-            </a:r>
-            <a:r>
-              <a:rPr b="0" lang="en-US" sz="5200" spc="-1" strike="noStrike">
-                <a:solidFill>
-                  <a:srgbClr val="000000"/>
-                </a:solidFill>
-                <a:latin typeface="Arial"/>
-              </a:rPr>
-              <a:t>to edit </a:t>
-            </a:r>
-            <a:r>
-              <a:rPr b="0" lang="en-US" sz="5200" spc="-1" strike="noStrike">
-                <a:solidFill>
-                  <a:srgbClr val="000000"/>
-                </a:solidFill>
-                <a:latin typeface="Arial"/>
-              </a:rPr>
-              <a:t>the </a:t>
-            </a:r>
-            <a:r>
-              <a:rPr b="0" lang="en-US" sz="5200" spc="-1" strike="noStrike">
-                <a:solidFill>
-                  <a:srgbClr val="000000"/>
-                </a:solidFill>
-                <a:latin typeface="Arial"/>
-              </a:rPr>
-              <a:t>title </a:t>
-            </a:r>
-            <a:r>
-              <a:rPr b="0" lang="en-US" sz="5200" spc="-1" strike="noStrike">
-                <a:solidFill>
-                  <a:srgbClr val="000000"/>
-                </a:solidFill>
-                <a:latin typeface="Arial"/>
-              </a:rPr>
-              <a:t>text </a:t>
-            </a:r>
-            <a:r>
-              <a:rPr b="0" lang="en-US" sz="5200" spc="-1" strike="noStrike">
-                <a:solidFill>
-                  <a:srgbClr val="000000"/>
-                </a:solidFill>
-                <a:latin typeface="Arial"/>
-              </a:rPr>
-              <a:t>format</a:t>
-            </a:r>
-            <a:endParaRPr b="0" lang="en-US" sz="5200" spc="-1" strike="noStrike">
-              <a:solidFill>
-                <a:srgbClr val="000000"/>
-              </a:solidFill>
+            <a:off x="311760" y="444960"/>
+            <a:ext cx="8519760" cy="572040"/>
+          </a:xfrm>
+          <a:prstGeom prst="rect">
+            <a:avLst/>
+          </a:prstGeom>
+        </p:spPr>
+        <p:txBody>
+          <a:bodyPr lIns="0" rIns="0" tIns="0" bIns="0" anchor="ctr">
+            <a:noAutofit/>
+          </a:bodyPr>
+          <a:p>
+            <a:r>
+              <a:rPr b="0" lang="en-US" sz="1800" spc="-1" strike="noStrike">
+                <a:latin typeface="Arial"/>
+              </a:rPr>
+              <a:t>Click to edit the title text format</a:t>
+            </a:r>
+            <a:endParaRPr b="0" lang="en-US" sz="1800" spc="-1" strike="noStrike">
               <a:latin typeface="Arial"/>
             </a:endParaRPr>
           </a:p>
@@ -3032,54 +2796,6 @@
       <p:sp>
         <p:nvSpPr>
           <p:cNvPr id="1" name="PlaceHolder 2"/>
-          <p:cNvSpPr>
-            <a:spLocks noGrp="1"/>
-          </p:cNvSpPr>
-          <p:nvPr>
-            <p:ph type="sldNum"/>
-          </p:nvPr>
-        </p:nvSpPr>
-        <p:spPr>
-          <a:xfrm>
-            <a:off x="8472600" y="4663080"/>
-            <a:ext cx="548280" cy="393120"/>
-          </a:xfrm>
-          <a:prstGeom prst="rect">
-            <a:avLst/>
-          </a:prstGeom>
-        </p:spPr>
-        <p:txBody>
-          <a:bodyPr tIns="91440" bIns="91440" anchor="ctr">
-            <a:normAutofit/>
-          </a:bodyPr>
-          <a:p>
-            <a:pPr algn="r">
-              <a:lnSpc>
-                <a:spcPct val="100000"/>
-              </a:lnSpc>
-              <a:tabLst>
-                <a:tab algn="l" pos="0"/>
-              </a:tabLst>
-            </a:pPr>
-            <a:fld id="{57266FB1-8DBC-4222-A82C-47E44D1FC562}" type="slidenum">
-              <a:rPr b="0" lang="en" sz="1000" spc="-1" strike="noStrike">
-                <a:solidFill>
-                  <a:srgbClr val="595959"/>
-                </a:solidFill>
-                <a:latin typeface="Arial"/>
-                <a:ea typeface="Arial"/>
-              </a:rPr>
-              <a:t>&lt;number&gt;</a:t>
-            </a:fld>
-            <a:endParaRPr b="0" lang="en-US" sz="1000" spc="-1" strike="noStrike">
-              <a:latin typeface="Times New Roman"/>
-            </a:endParaRPr>
-          </a:p>
-        </p:txBody>
-      </p:sp>
-      <p:sp>
-        <p:nvSpPr>
-          <p:cNvPr id="2" name="PlaceHolder 3"/>
           <p:cNvSpPr>
             <a:spLocks noGrp="1"/>
           </p:cNvSpPr>
@@ -3113,18 +2829,12 @@
               <a:buChar char=""/>
             </a:pPr>
             <a:r>
-              <a:rPr b="0" lang="en-US" sz="1400" spc="-1" strike="noStrike">
-                <a:solidFill>
-                  <a:srgbClr val="000000"/>
-                </a:solidFill>
+              <a:rPr b="0" lang="en-US" sz="3200" spc="-1" strike="noStrike">
                 <a:latin typeface="Arial"/>
               </a:rPr>
               <a:t>Click to edit the outline text format</a:t>
             </a:r>
-            <a:endParaRPr b="0" lang="en-US" sz="1400" spc="-1" strike="noStrike">
-              <a:solidFill>
-                <a:srgbClr val="000000"/>
-              </a:solidFill>
+            <a:endParaRPr b="0" lang="en-US" sz="3200" spc="-1" strike="noStrike">
               <a:latin typeface="Arial"/>
             </a:endParaRPr>
           </a:p>
@@ -3141,18 +2851,12 @@
               <a:buChar char=""/>
             </a:pPr>
             <a:r>
-              <a:rPr b="0" lang="en-US" sz="1400" spc="-1" strike="noStrike">
-                <a:solidFill>
-                  <a:srgbClr val="000000"/>
-                </a:solidFill>
+              <a:rPr b="0" lang="en-US" sz="2800" spc="-1" strike="noStrike">
                 <a:latin typeface="Arial"/>
               </a:rPr>
               <a:t>Second Outline Level</a:t>
             </a:r>
-            <a:endParaRPr b="0" lang="en-US" sz="1400" spc="-1" strike="noStrike">
-              <a:solidFill>
-                <a:srgbClr val="000000"/>
-              </a:solidFill>
+            <a:endParaRPr b="0" lang="en-US" sz="2800" spc="-1" strike="noStrike">
               <a:latin typeface="Arial"/>
             </a:endParaRPr>
           </a:p>
@@ -3169,18 +2873,12 @@
               <a:buChar char=""/>
             </a:pPr>
             <a:r>
-              <a:rPr b="0" lang="en-US" sz="1400" spc="-1" strike="noStrike">
-                <a:solidFill>
-                  <a:srgbClr val="000000"/>
-                </a:solidFill>
+              <a:rPr b="0" lang="en-US" sz="2400" spc="-1" strike="noStrike">
                 <a:latin typeface="Arial"/>
               </a:rPr>
               <a:t>Third Outline Level</a:t>
             </a:r>
-            <a:endParaRPr b="0" lang="en-US" sz="1400" spc="-1" strike="noStrike">
-              <a:solidFill>
-                <a:srgbClr val="000000"/>
-              </a:solidFill>
+            <a:endParaRPr b="0" lang="en-US" sz="2400" spc="-1" strike="noStrike">
               <a:latin typeface="Arial"/>
             </a:endParaRPr>
           </a:p>
@@ -3197,18 +2895,12 @@
               <a:buChar char=""/>
             </a:pPr>
             <a:r>
-              <a:rPr b="0" lang="en-US" sz="1400" spc="-1" strike="noStrike">
-                <a:solidFill>
-                  <a:srgbClr val="000000"/>
-                </a:solidFill>
+              <a:rPr b="0" lang="en-US" sz="2000" spc="-1" strike="noStrike">
                 <a:latin typeface="Arial"/>
               </a:rPr>
               <a:t>Fourth Outline Level</a:t>
             </a:r>
-            <a:endParaRPr b="0" lang="en-US" sz="1400" spc="-1" strike="noStrike">
-              <a:solidFill>
-                <a:srgbClr val="000000"/>
-              </a:solidFill>
+            <a:endParaRPr b="0" lang="en-US" sz="2000" spc="-1" strike="noStrike">
               <a:latin typeface="Arial"/>
             </a:endParaRPr>
           </a:p>
@@ -3226,17 +2918,11 @@
             </a:pPr>
             <a:r>
               <a:rPr b="0" lang="en-US" sz="2000" spc="-1" strike="noStrike">
-                <a:solidFill>
-                  <a:srgbClr val="000000"/>
-                </a:solidFill>
                 <a:latin typeface="Arial"/>
               </a:rPr>
               <a:t>Fifth Outline Level</a:t>
             </a:r>
             <a:endParaRPr b="0" lang="en-US" sz="2000" spc="-1" strike="noStrike">
-              <a:solidFill>
-                <a:srgbClr val="000000"/>
-              </a:solidFill>
               <a:latin typeface="Arial"/>
             </a:endParaRPr>
           </a:p>
@@ -3254,26 +2940,11 @@
             </a:pPr>
             <a:r>
               <a:rPr b="0" lang="en-US" sz="2000" spc="-1" strike="noStrike">
-                <a:solidFill>
-                  <a:srgbClr val="000000"/>
-                </a:solidFill>
-                <a:latin typeface="Arial"/>
-              </a:rPr>
-              <a:t>Sixth Outline </a:t>
-            </a:r>
-            <a:r>
-              <a:rPr b="0" lang="en-US" sz="2000" spc="-1" strike="noStrike">
-                <a:solidFill>
-                  <a:srgbClr val="000000"/>
-                </a:solidFill>
-                <a:latin typeface="Arial"/>
-              </a:rPr>
-              <a:t>Level</a:t>
+                <a:latin typeface="Arial"/>
+              </a:rPr>
+              <a:t>Sixth Outline Level</a:t>
             </a:r>
             <a:endParaRPr b="0" lang="en-US" sz="2000" spc="-1" strike="noStrike">
-              <a:solidFill>
-                <a:srgbClr val="000000"/>
-              </a:solidFill>
               <a:latin typeface="Arial"/>
             </a:endParaRPr>
           </a:p>
@@ -3291,35 +2962,11 @@
             </a:pPr>
             <a:r>
               <a:rPr b="0" lang="en-US" sz="2000" spc="-1" strike="noStrike">
-                <a:solidFill>
-                  <a:srgbClr val="000000"/>
-                </a:solidFill>
-                <a:latin typeface="Arial"/>
-              </a:rPr>
-              <a:t>Seventh </a:t>
-            </a:r>
-            <a:r>
-              <a:rPr b="0" lang="en-US" sz="2000" spc="-1" strike="noStrike">
-                <a:solidFill>
-                  <a:srgbClr val="000000"/>
-                </a:solidFill>
-                <a:latin typeface="Arial"/>
-              </a:rPr>
-              <a:t>Outline </a:t>
-            </a:r>
-            <a:r>
-              <a:rPr b="0" lang="en-US" sz="2000" spc="-1" strike="noStrike">
-                <a:solidFill>
-                  <a:srgbClr val="000000"/>
-                </a:solidFill>
-                <a:latin typeface="Arial"/>
-              </a:rPr>
-              <a:t>Level</a:t>
+                <a:latin typeface="Arial"/>
+              </a:rPr>
+              <a:t>Seventh Outline Level</a:t>
             </a:r>
             <a:endParaRPr b="0" lang="en-US" sz="2000" spc="-1" strike="noStrike">
-              <a:solidFill>
-                <a:srgbClr val="000000"/>
-              </a:solidFill>
               <a:latin typeface="Arial"/>
             </a:endParaRPr>
           </a:p>
@@ -3371,7 +3018,7 @@
       </p:grpSpPr>
       <p:sp>
         <p:nvSpPr>
-          <p:cNvPr id="39" name="PlaceHolder 1"/>
+          <p:cNvPr id="38" name="PlaceHolder 1"/>
           <p:cNvSpPr>
             <a:spLocks noGrp="1"/>
           </p:cNvSpPr>
@@ -3382,38 +3029,32 @@
         <p:spPr>
           <a:xfrm>
             <a:off x="311760" y="444960"/>
-            <a:ext cx="8520120" cy="572400"/>
-          </a:xfrm>
-          <a:prstGeom prst="rect">
-            <a:avLst/>
-          </a:prstGeom>
-        </p:spPr>
-        <p:txBody>
-          <a:bodyPr tIns="91440" bIns="91440">
-            <a:normAutofit fontScale="97000"/>
-          </a:bodyPr>
-          <a:p>
-            <a:r>
-              <a:rPr b="0" lang="en-US" sz="2800" spc="-1" strike="noStrike">
-                <a:solidFill>
-                  <a:srgbClr val="000000"/>
-                </a:solidFill>
+            <a:ext cx="8519760" cy="572040"/>
+          </a:xfrm>
+          <a:prstGeom prst="rect">
+            <a:avLst/>
+          </a:prstGeom>
+        </p:spPr>
+        <p:txBody>
+          <a:bodyPr lIns="0" rIns="0" tIns="0" bIns="0" anchor="ctr">
+            <a:noAutofit/>
+          </a:bodyPr>
+          <a:p>
+            <a:r>
+              <a:rPr b="0" lang="en-US" sz="1800" spc="-1" strike="noStrike">
                 <a:latin typeface="Arial"/>
               </a:rPr>
               <a:t>Click to edit the title text format</a:t>
             </a:r>
-            <a:endParaRPr b="0" lang="en-US" sz="2800" spc="-1" strike="noStrike">
-              <a:solidFill>
-                <a:srgbClr val="000000"/>
-              </a:solidFill>
-              <a:latin typeface="Arial"/>
-            </a:endParaRPr>
-          </a:p>
-        </p:txBody>
-      </p:sp>
-      <p:sp>
-        <p:nvSpPr>
-          <p:cNvPr id="40" name="PlaceHolder 2"/>
+            <a:endParaRPr b="0" lang="en-US" sz="1800" spc="-1" strike="noStrike">
+              <a:latin typeface="Arial"/>
+            </a:endParaRPr>
+          </a:p>
+        </p:txBody>
+      </p:sp>
+      <p:sp>
+        <p:nvSpPr>
+          <p:cNvPr id="39" name="PlaceHolder 2"/>
           <p:cNvSpPr>
             <a:spLocks noGrp="1"/>
           </p:cNvSpPr>
@@ -3424,14 +3065,14 @@
         <p:spPr>
           <a:xfrm>
             <a:off x="311760" y="1152360"/>
-            <a:ext cx="8520120" cy="3416040"/>
-          </a:xfrm>
-          <a:prstGeom prst="rect">
-            <a:avLst/>
-          </a:prstGeom>
-        </p:spPr>
-        <p:txBody>
-          <a:bodyPr tIns="91440" bIns="91440">
+            <a:ext cx="8519760" cy="3415680"/>
+          </a:xfrm>
+          <a:prstGeom prst="rect">
+            <a:avLst/>
+          </a:prstGeom>
+        </p:spPr>
+        <p:txBody>
+          <a:bodyPr lIns="0" rIns="0" tIns="0" bIns="0">
             <a:normAutofit/>
           </a:bodyPr>
           <a:p>
@@ -3448,17 +3089,11 @@
             </a:pPr>
             <a:r>
               <a:rPr b="0" lang="en-US" sz="1800" spc="-1" strike="noStrike">
-                <a:solidFill>
-                  <a:srgbClr val="000000"/>
-                </a:solidFill>
                 <a:latin typeface="Arial"/>
               </a:rPr>
               <a:t>Click to edit the outline text format</a:t>
             </a:r>
             <a:endParaRPr b="0" lang="en-US" sz="1800" spc="-1" strike="noStrike">
-              <a:solidFill>
-                <a:srgbClr val="000000"/>
-              </a:solidFill>
               <a:latin typeface="Arial"/>
             </a:endParaRPr>
           </a:p>
@@ -3476,17 +3111,11 @@
             </a:pPr>
             <a:r>
               <a:rPr b="0" lang="en-US" sz="1800" spc="-1" strike="noStrike">
-                <a:solidFill>
-                  <a:srgbClr val="000000"/>
-                </a:solidFill>
                 <a:latin typeface="Arial"/>
               </a:rPr>
               <a:t>Second Outline Level</a:t>
             </a:r>
             <a:endParaRPr b="0" lang="en-US" sz="1800" spc="-1" strike="noStrike">
-              <a:solidFill>
-                <a:srgbClr val="000000"/>
-              </a:solidFill>
               <a:latin typeface="Arial"/>
             </a:endParaRPr>
           </a:p>
@@ -3504,17 +3133,11 @@
             </a:pPr>
             <a:r>
               <a:rPr b="0" lang="en-US" sz="1800" spc="-1" strike="noStrike">
-                <a:solidFill>
-                  <a:srgbClr val="000000"/>
-                </a:solidFill>
                 <a:latin typeface="Arial"/>
               </a:rPr>
               <a:t>Third Outline Level</a:t>
             </a:r>
             <a:endParaRPr b="0" lang="en-US" sz="1800" spc="-1" strike="noStrike">
-              <a:solidFill>
-                <a:srgbClr val="000000"/>
-              </a:solidFill>
               <a:latin typeface="Arial"/>
             </a:endParaRPr>
           </a:p>
@@ -3532,17 +3155,11 @@
             </a:pPr>
             <a:r>
               <a:rPr b="0" lang="en-US" sz="1800" spc="-1" strike="noStrike">
-                <a:solidFill>
-                  <a:srgbClr val="000000"/>
-                </a:solidFill>
                 <a:latin typeface="Arial"/>
               </a:rPr>
               <a:t>Fourth Outline Level</a:t>
             </a:r>
             <a:endParaRPr b="0" lang="en-US" sz="1800" spc="-1" strike="noStrike">
-              <a:solidFill>
-                <a:srgbClr val="000000"/>
-              </a:solidFill>
               <a:latin typeface="Arial"/>
             </a:endParaRPr>
           </a:p>
@@ -3560,17 +3177,11 @@
             </a:pPr>
             <a:r>
               <a:rPr b="0" lang="en-US" sz="1800" spc="-1" strike="noStrike">
-                <a:solidFill>
-                  <a:srgbClr val="000000"/>
-                </a:solidFill>
                 <a:latin typeface="Arial"/>
               </a:rPr>
               <a:t>Fifth Outline Level</a:t>
             </a:r>
             <a:endParaRPr b="0" lang="en-US" sz="1800" spc="-1" strike="noStrike">
-              <a:solidFill>
-                <a:srgbClr val="000000"/>
-              </a:solidFill>
               <a:latin typeface="Arial"/>
             </a:endParaRPr>
           </a:p>
@@ -3588,17 +3199,11 @@
             </a:pPr>
             <a:r>
               <a:rPr b="0" lang="en-US" sz="1800" spc="-1" strike="noStrike">
-                <a:solidFill>
-                  <a:srgbClr val="000000"/>
-                </a:solidFill>
                 <a:latin typeface="Arial"/>
               </a:rPr>
               <a:t>Sixth Outline Level</a:t>
             </a:r>
             <a:endParaRPr b="0" lang="en-US" sz="1800" spc="-1" strike="noStrike">
-              <a:solidFill>
-                <a:srgbClr val="000000"/>
-              </a:solidFill>
               <a:latin typeface="Arial"/>
             </a:endParaRPr>
           </a:p>
@@ -3616,66 +3221,12 @@
             </a:pPr>
             <a:r>
               <a:rPr b="0" lang="en-US" sz="1800" spc="-1" strike="noStrike">
-                <a:solidFill>
-                  <a:srgbClr val="000000"/>
-                </a:solidFill>
                 <a:latin typeface="Arial"/>
               </a:rPr>
               <a:t>Seventh Outline Level</a:t>
             </a:r>
             <a:endParaRPr b="0" lang="en-US" sz="1800" spc="-1" strike="noStrike">
-              <a:solidFill>
-                <a:srgbClr val="000000"/>
-              </a:solidFill>
-              <a:latin typeface="Arial"/>
-            </a:endParaRPr>
-          </a:p>
-        </p:txBody>
-      </p:sp>
-      <p:sp>
-        <p:nvSpPr>
-          <p:cNvPr id="41" name="PlaceHolder 3"/>
-          <p:cNvSpPr>
-            <a:spLocks noGrp="1"/>
-          </p:cNvSpPr>
-          <p:nvPr>
-            <p:ph type="sldNum"/>
-          </p:nvPr>
-        </p:nvSpPr>
-        <p:spPr>
-          <a:xfrm>
-            <a:off x="8472600" y="4663080"/>
-            <a:ext cx="548280" cy="393120"/>
-          </a:xfrm>
-          <a:prstGeom prst="rect">
-            <a:avLst/>
-          </a:prstGeom>
-        </p:spPr>
-        <p:txBody>
-          <a:bodyPr tIns="91440" bIns="91440" anchor="ctr">
-            <a:normAutofit/>
-          </a:bodyPr>
-          <a:p>
-            <a:pPr algn="r">
-              <a:lnSpc>
-                <a:spcPct val="100000"/>
-              </a:lnSpc>
-              <a:tabLst>
-                <a:tab algn="l" pos="0"/>
-              </a:tabLst>
-            </a:pPr>
-            <a:fld id="{B605CF53-1D3D-4E2F-8569-0239054F45CF}" type="slidenum">
-              <a:rPr b="0" lang="en" sz="1000" spc="-1" strike="noStrike">
-                <a:solidFill>
-                  <a:srgbClr val="595959"/>
-                </a:solidFill>
-                <a:latin typeface="Arial"/>
-                <a:ea typeface="Arial"/>
-              </a:rPr>
-              <a:t>&lt;number&gt;</a:t>
-            </a:fld>
-            <a:endParaRPr b="0" lang="en-US" sz="1000" spc="-1" strike="noStrike">
-              <a:latin typeface="Times New Roman"/>
+              <a:latin typeface="Arial"/>
             </a:endParaRPr>
           </a:p>
         </p:txBody>
@@ -3719,14 +3270,14 @@
       </p:grpSpPr>
       <p:sp>
         <p:nvSpPr>
-          <p:cNvPr id="78" name="TextShape 1"/>
-          <p:cNvSpPr txBox="1"/>
+          <p:cNvPr id="76" name="CustomShape 1"/>
+          <p:cNvSpPr/>
           <p:nvPr/>
         </p:nvSpPr>
         <p:spPr>
           <a:xfrm>
             <a:off x="311760" y="744480"/>
-            <a:ext cx="8520120" cy="2052360"/>
+            <a:ext cx="8519760" cy="2052000"/>
           </a:xfrm>
           <a:prstGeom prst="rect">
             <a:avLst/>
@@ -3736,8 +3287,14 @@
             <a:noFill/>
           </a:ln>
         </p:spPr>
-        <p:txBody>
-          <a:bodyPr tIns="91440" bIns="91440" anchor="b">
+        <p:style>
+          <a:lnRef idx="0"/>
+          <a:fillRef idx="0"/>
+          <a:effectRef idx="0"/>
+          <a:fontRef idx="minor"/>
+        </p:style>
+        <p:txBody>
+          <a:bodyPr lIns="90000" rIns="90000" tIns="91440" bIns="91440" anchor="b">
             <a:normAutofit/>
           </a:bodyPr>
           <a:p>
@@ -3760,24 +3317,21 @@
               <a:t>Choosing statistical methods</a:t>
             </a:r>
             <a:endParaRPr b="0" lang="en-US" sz="5200" spc="-1" strike="noStrike">
-              <a:solidFill>
-                <a:srgbClr val="000000"/>
-              </a:solidFill>
-              <a:latin typeface="Arial"/>
-            </a:endParaRPr>
-          </a:p>
-        </p:txBody>
-      </p:sp>
-      <p:sp>
-        <p:nvSpPr>
-          <p:cNvPr id="79" name="TextShape 2"/>
-          <p:cNvSpPr txBox="1"/>
+              <a:latin typeface="Arial"/>
+            </a:endParaRPr>
+          </a:p>
+        </p:txBody>
+      </p:sp>
+      <p:sp>
+        <p:nvSpPr>
+          <p:cNvPr id="77" name="CustomShape 2"/>
+          <p:cNvSpPr/>
           <p:nvPr/>
         </p:nvSpPr>
         <p:spPr>
           <a:xfrm>
             <a:off x="311760" y="2834280"/>
-            <a:ext cx="8520120" cy="792360"/>
+            <a:ext cx="8519760" cy="792000"/>
           </a:xfrm>
           <a:prstGeom prst="rect">
             <a:avLst/>
@@ -3787,8 +3341,14 @@
             <a:noFill/>
           </a:ln>
         </p:spPr>
-        <p:txBody>
-          <a:bodyPr tIns="91440" bIns="91440">
+        <p:style>
+          <a:lnRef idx="0"/>
+          <a:fillRef idx="0"/>
+          <a:effectRef idx="0"/>
+          <a:fontRef idx="minor"/>
+        </p:style>
+        <p:txBody>
+          <a:bodyPr lIns="90000" rIns="90000" tIns="91440" bIns="91440">
             <a:normAutofit/>
           </a:bodyPr>
           <a:p>
@@ -3808,271 +3368,9 @@
                 <a:latin typeface="Arial"/>
                 <a:ea typeface="Arial"/>
               </a:rPr>
-              <a:t>Final recap</a:t>
+              <a:t>Class intro</a:t>
             </a:r>
             <a:endParaRPr b="0" lang="en-US" sz="2800" spc="-1" strike="noStrike">
-              <a:latin typeface="Arial"/>
-            </a:endParaRPr>
-          </a:p>
-        </p:txBody>
-      </p:sp>
-    </p:spTree>
-  </p:cSld>
-  <mc:AlternateContent>
-    <mc:Choice Requires="p14">
-      <p:transition spd="slow" p14:dur="2000"/>
-    </mc:Choice>
-    <mc:Fallback>
-      <p:transition spd="slow"/>
-    </mc:Fallback>
-  </mc:AlternateContent>
-</p:sld>
-</file>
-
-<file path=ppt/slides/slide10.xml><?xml version="1.0" encoding="utf-8"?>
-<p:sld xmlns:a="http://schemas.openxmlformats.org/drawingml/2006/main" xmlns:p="http://schemas.openxmlformats.org/presentationml/2006/main" xmlns:r="http://schemas.openxmlformats.org/officeDocument/2006/relationships" xmlns:p14="http://schemas.microsoft.com/office/powerpoint/2010/main" xmlns:p15="http://schemas.microsoft.com/office/powerpoint/2012/main" xmlns:mc="http://schemas.openxmlformats.org/markup-compatibility/2006">
-  <p:cSld>
-    <p:spTree>
-      <p:nvGrpSpPr>
-        <p:cNvPr id="1" name=""/>
-        <p:cNvGrpSpPr/>
-        <p:nvPr/>
-      </p:nvGrpSpPr>
-      <p:grpSpPr>
-        <a:xfrm>
-          <a:off x="0" y="0"/>
-          <a:ext cx="0" cy="0"/>
-          <a:chOff x="0" y="0"/>
-          <a:chExt cx="0" cy="0"/>
-        </a:xfrm>
-      </p:grpSpPr>
-      <p:sp>
-        <p:nvSpPr>
-          <p:cNvPr id="114" name="TextShape 1"/>
-          <p:cNvSpPr txBox="1"/>
-          <p:nvPr/>
-        </p:nvSpPr>
-        <p:spPr>
-          <a:xfrm>
-            <a:off x="311760" y="444960"/>
-            <a:ext cx="8520120" cy="572400"/>
-          </a:xfrm>
-          <a:prstGeom prst="rect">
-            <a:avLst/>
-          </a:prstGeom>
-          <a:noFill/>
-          <a:ln>
-            <a:noFill/>
-          </a:ln>
-        </p:spPr>
-        <p:txBody>
-          <a:bodyPr tIns="91440" bIns="91440">
-            <a:normAutofit fontScale="97000"/>
-          </a:bodyPr>
-          <a:p>
-            <a:pPr>
-              <a:lnSpc>
-                <a:spcPct val="100000"/>
-              </a:lnSpc>
-              <a:tabLst>
-                <a:tab algn="l" pos="0"/>
-              </a:tabLst>
-            </a:pPr>
-            <a:r>
-              <a:rPr b="0" lang="en" sz="2800" spc="-1" strike="noStrike">
-                <a:solidFill>
-                  <a:srgbClr val="000000"/>
-                </a:solidFill>
-                <a:latin typeface="Arial"/>
-                <a:ea typeface="Arial"/>
-              </a:rPr>
-              <a:t>I hope you can:</a:t>
-            </a:r>
-            <a:endParaRPr b="0" lang="en-US" sz="2800" spc="-1" strike="noStrike">
-              <a:solidFill>
-                <a:srgbClr val="000000"/>
-              </a:solidFill>
-              <a:latin typeface="Arial"/>
-            </a:endParaRPr>
-          </a:p>
-        </p:txBody>
-      </p:sp>
-      <p:pic>
-        <p:nvPicPr>
-          <p:cNvPr id="115" name="Google Shape;127;p22" descr=""/>
-          <p:cNvPicPr/>
-          <p:nvPr/>
-        </p:nvPicPr>
-        <p:blipFill>
-          <a:blip r:embed="rId1"/>
-          <a:stretch/>
-        </p:blipFill>
-        <p:spPr>
-          <a:xfrm>
-            <a:off x="4304880" y="1229400"/>
-            <a:ext cx="4533840" cy="2829600"/>
-          </a:xfrm>
-          <a:prstGeom prst="rect">
-            <a:avLst/>
-          </a:prstGeom>
-          <a:ln>
-            <a:noFill/>
-          </a:ln>
-        </p:spPr>
-      </p:pic>
-      <p:sp>
-        <p:nvSpPr>
-          <p:cNvPr id="116" name="CustomShape 2"/>
-          <p:cNvSpPr/>
-          <p:nvPr/>
-        </p:nvSpPr>
-        <p:spPr>
-          <a:xfrm>
-            <a:off x="2002680" y="4388400"/>
-            <a:ext cx="6969240" cy="609480"/>
-          </a:xfrm>
-          <a:prstGeom prst="rect">
-            <a:avLst/>
-          </a:prstGeom>
-          <a:noFill/>
-          <a:ln>
-            <a:noFill/>
-          </a:ln>
-        </p:spPr>
-        <p:style>
-          <a:lnRef idx="0"/>
-          <a:fillRef idx="0"/>
-          <a:effectRef idx="0"/>
-          <a:fontRef idx="minor"/>
-        </p:style>
-        <p:txBody>
-          <a:bodyPr tIns="91440" bIns="91440">
-            <a:spAutoFit/>
-          </a:bodyPr>
-          <a:p>
-            <a:pPr>
-              <a:lnSpc>
-                <a:spcPct val="100000"/>
-              </a:lnSpc>
-              <a:tabLst>
-                <a:tab algn="l" pos="0"/>
-              </a:tabLst>
-            </a:pPr>
-            <a:r>
-              <a:rPr b="0" lang="en" sz="1400" spc="-1" strike="noStrike">
-                <a:solidFill>
-                  <a:srgbClr val="000000"/>
-                </a:solidFill>
-                <a:latin typeface="Arial"/>
-                <a:ea typeface="Arial"/>
-              </a:rPr>
-              <a:t>Image from the Baltimore Sun darkroom: Inner Harbor during the 1973 City Fair.</a:t>
-            </a:r>
-            <a:endParaRPr b="0" lang="en-US" sz="1400" spc="-1" strike="noStrike">
-              <a:latin typeface="Arial"/>
-            </a:endParaRPr>
-          </a:p>
-          <a:p>
-            <a:pPr>
-              <a:lnSpc>
-                <a:spcPct val="100000"/>
-              </a:lnSpc>
-              <a:tabLst>
-                <a:tab algn="l" pos="0"/>
-              </a:tabLst>
-            </a:pPr>
-            <a:r>
-              <a:rPr b="0" lang="en" sz="1400" spc="-1" strike="noStrike">
-                <a:solidFill>
-                  <a:srgbClr val="000000"/>
-                </a:solidFill>
-                <a:latin typeface="Arial"/>
-                <a:ea typeface="Arial"/>
-              </a:rPr>
-              <a:t>https://darkroom.baltimoresun.com/2016/10/a-birds-eye-view-of-baltimore-in-1973/#1</a:t>
-            </a:r>
-            <a:endParaRPr b="0" lang="en-US" sz="1400" spc="-1" strike="noStrike">
-              <a:latin typeface="Arial"/>
-            </a:endParaRPr>
-          </a:p>
-        </p:txBody>
-      </p:sp>
-      <p:sp>
-        <p:nvSpPr>
-          <p:cNvPr id="117" name="TextShape 3"/>
-          <p:cNvSpPr txBox="1"/>
-          <p:nvPr/>
-        </p:nvSpPr>
-        <p:spPr>
-          <a:xfrm>
-            <a:off x="311760" y="1152360"/>
-            <a:ext cx="3954960" cy="2906640"/>
-          </a:xfrm>
-          <a:prstGeom prst="rect">
-            <a:avLst/>
-          </a:prstGeom>
-          <a:noFill/>
-          <a:ln>
-            <a:noFill/>
-          </a:ln>
-        </p:spPr>
-        <p:txBody>
-          <a:bodyPr tIns="91440" bIns="91440">
-            <a:normAutofit/>
-          </a:bodyPr>
-          <a:p>
-            <a:pPr marL="457200" indent="-342720">
-              <a:lnSpc>
-                <a:spcPct val="115000"/>
-              </a:lnSpc>
-              <a:buClr>
-                <a:srgbClr val="000000"/>
-              </a:buClr>
-              <a:buFont typeface="Arial"/>
-              <a:buChar char="●"/>
-            </a:pPr>
-            <a:r>
-              <a:rPr b="0" lang="en" sz="1800" spc="-1" strike="noStrike">
-                <a:solidFill>
-                  <a:srgbClr val="000000"/>
-                </a:solidFill>
-                <a:latin typeface="Arial"/>
-                <a:ea typeface="Arial"/>
-              </a:rPr>
-              <a:t>Get stuff done</a:t>
-            </a:r>
-            <a:endParaRPr b="0" lang="en-US" sz="1800" spc="-1" strike="noStrike">
-              <a:solidFill>
-                <a:srgbClr val="000000"/>
-              </a:solidFill>
-              <a:latin typeface="Arial"/>
-            </a:endParaRPr>
-          </a:p>
-          <a:p>
-            <a:pPr marL="457200" indent="-342720">
-              <a:lnSpc>
-                <a:spcPct val="115000"/>
-              </a:lnSpc>
-              <a:buClr>
-                <a:srgbClr val="000000"/>
-              </a:buClr>
-              <a:buFont typeface="Arial"/>
-              <a:buChar char="●"/>
-            </a:pPr>
-            <a:r>
-              <a:rPr b="0" lang="en" sz="1800" spc="-1" strike="noStrike">
-                <a:solidFill>
-                  <a:srgbClr val="000000"/>
-                </a:solidFill>
-                <a:latin typeface="Arial"/>
-                <a:ea typeface="Arial"/>
-              </a:rPr>
-              <a:t>Take a bird’s-eye view</a:t>
-            </a:r>
-            <a:endParaRPr b="0" lang="en-US" sz="1800" spc="-1" strike="noStrike">
-              <a:solidFill>
-                <a:srgbClr val="000000"/>
-              </a:solidFill>
               <a:latin typeface="Arial"/>
             </a:endParaRPr>
           </a:p>
@@ -4110,14 +3408,14 @@
       </p:grpSpPr>
       <p:sp>
         <p:nvSpPr>
-          <p:cNvPr id="80" name="TextShape 1"/>
-          <p:cNvSpPr txBox="1"/>
+          <p:cNvPr id="78" name="CustomShape 1"/>
+          <p:cNvSpPr/>
           <p:nvPr/>
         </p:nvSpPr>
         <p:spPr>
           <a:xfrm>
             <a:off x="311760" y="444960"/>
-            <a:ext cx="8520120" cy="572400"/>
+            <a:ext cx="8519760" cy="572040"/>
           </a:xfrm>
           <a:prstGeom prst="rect">
             <a:avLst/>
@@ -4127,8 +3425,14 @@
             <a:noFill/>
           </a:ln>
         </p:spPr>
-        <p:txBody>
-          <a:bodyPr tIns="91440" bIns="91440">
+        <p:style>
+          <a:lnRef idx="0"/>
+          <a:fillRef idx="0"/>
+          <a:effectRef idx="0"/>
+          <a:fontRef idx="minor"/>
+        </p:style>
+        <p:txBody>
+          <a:bodyPr lIns="90000" rIns="90000" tIns="91440" bIns="91440">
             <a:normAutofit fontScale="97000"/>
           </a:bodyPr>
           <a:p>
@@ -4151,24 +3455,21 @@
               <a:t>You will choose statistical methods</a:t>
             </a:r>
             <a:endParaRPr b="0" lang="en-US" sz="2800" spc="-1" strike="noStrike">
-              <a:solidFill>
-                <a:srgbClr val="000000"/>
-              </a:solidFill>
-              <a:latin typeface="Arial"/>
-            </a:endParaRPr>
-          </a:p>
-        </p:txBody>
-      </p:sp>
-      <p:sp>
-        <p:nvSpPr>
-          <p:cNvPr id="81" name="TextShape 2"/>
-          <p:cNvSpPr txBox="1"/>
+              <a:latin typeface="Arial"/>
+            </a:endParaRPr>
+          </a:p>
+        </p:txBody>
+      </p:sp>
+      <p:sp>
+        <p:nvSpPr>
+          <p:cNvPr id="79" name="CustomShape 2"/>
+          <p:cNvSpPr/>
           <p:nvPr/>
         </p:nvSpPr>
         <p:spPr>
           <a:xfrm>
             <a:off x="311760" y="1152360"/>
-            <a:ext cx="8520120" cy="3416040"/>
+            <a:ext cx="8519760" cy="3415680"/>
           </a:xfrm>
           <a:prstGeom prst="rect">
             <a:avLst/>
@@ -4178,8 +3479,14 @@
             <a:noFill/>
           </a:ln>
         </p:spPr>
-        <p:txBody>
-          <a:bodyPr tIns="91440" bIns="91440">
+        <p:style>
+          <a:lnRef idx="0"/>
+          <a:fillRef idx="0"/>
+          <a:effectRef idx="0"/>
+          <a:fontRef idx="minor"/>
+        </p:style>
+        <p:txBody>
+          <a:bodyPr lIns="90000" rIns="90000" tIns="91440" bIns="91440">
             <a:normAutofit/>
           </a:bodyPr>
           <a:p>
@@ -4199,51 +3506,27 @@
                 <a:latin typeface="Arial"/>
                 <a:ea typeface="Arial"/>
               </a:rPr>
-              <a:t>Computer-driven data analysis is now important in:</a:t>
+              <a:t>... whether you want to or not! </a:t>
             </a:r>
             <a:endParaRPr b="0" lang="en-US" sz="1800" spc="-1" strike="noStrike">
-              <a:solidFill>
-                <a:srgbClr val="000000"/>
-              </a:solidFill>
-              <a:latin typeface="Arial"/>
-            </a:endParaRPr>
-          </a:p>
-          <a:p>
-            <a:pPr marL="457200" indent="-342720">
+              <a:latin typeface="Arial"/>
+            </a:endParaRPr>
+          </a:p>
+          <a:p>
+            <a:pPr>
               <a:lnSpc>
                 <a:spcPct val="115000"/>
               </a:lnSpc>
-              <a:spcBef>
-                <a:spcPts val="1199"/>
-              </a:spcBef>
-              <a:buClr>
-                <a:srgbClr val="000000"/>
-              </a:buClr>
-              <a:buFont typeface="Arial"/>
-              <a:buChar char="●"/>
               <a:tabLst>
                 <a:tab algn="l" pos="0"/>
               </a:tabLst>
             </a:pPr>
-            <a:r>
-              <a:rPr b="0" lang="en" sz="1800" spc="-1" strike="noStrike">
-                <a:solidFill>
-                  <a:srgbClr val="000000"/>
-                </a:solidFill>
-                <a:latin typeface="Arial"/>
-                <a:ea typeface="Arial"/>
-              </a:rPr>
-              <a:t>Economics &amp; political science</a:t>
-            </a:r>
             <a:endParaRPr b="0" lang="en-US" sz="1800" spc="-1" strike="noStrike">
-              <a:solidFill>
-                <a:srgbClr val="000000"/>
-              </a:solidFill>
-              <a:latin typeface="Arial"/>
-            </a:endParaRPr>
-          </a:p>
-          <a:p>
-            <a:pPr marL="457200" indent="-342720">
+              <a:latin typeface="Arial"/>
+            </a:endParaRPr>
+          </a:p>
+          <a:p>
+            <a:pPr marL="457200" indent="-342360">
               <a:lnSpc>
                 <a:spcPct val="115000"/>
               </a:lnSpc>
@@ -4264,17 +3547,14 @@
                 <a:latin typeface="Arial"/>
                 <a:ea typeface="Arial"/>
               </a:rPr>
-              <a:t>Public health</a:t>
+              <a:t>Public health &amp; medicine</a:t>
             </a:r>
             <a:endParaRPr b="0" lang="en-US" sz="1800" spc="-1" strike="noStrike">
-              <a:solidFill>
-                <a:srgbClr val="000000"/>
-              </a:solidFill>
-              <a:latin typeface="Arial"/>
-            </a:endParaRPr>
-          </a:p>
-          <a:p>
-            <a:pPr marL="457200" indent="-342720">
+              <a:latin typeface="Arial"/>
+            </a:endParaRPr>
+          </a:p>
+          <a:p>
+            <a:pPr marL="457200" indent="-342360">
               <a:lnSpc>
                 <a:spcPct val="115000"/>
               </a:lnSpc>
@@ -4298,14 +3578,11 @@
               <a:t>Molecular and cell biology</a:t>
             </a:r>
             <a:endParaRPr b="0" lang="en-US" sz="1800" spc="-1" strike="noStrike">
-              <a:solidFill>
-                <a:srgbClr val="000000"/>
-              </a:solidFill>
-              <a:latin typeface="Arial"/>
-            </a:endParaRPr>
-          </a:p>
-          <a:p>
-            <a:pPr marL="457200" indent="-342720">
+              <a:latin typeface="Arial"/>
+            </a:endParaRPr>
+          </a:p>
+          <a:p>
+            <a:pPr marL="457200" indent="-342360">
               <a:lnSpc>
                 <a:spcPct val="115000"/>
               </a:lnSpc>
@@ -4329,14 +3606,11 @@
               <a:t>Astronomy &amp; physics</a:t>
             </a:r>
             <a:endParaRPr b="0" lang="en-US" sz="1800" spc="-1" strike="noStrike">
-              <a:solidFill>
-                <a:srgbClr val="000000"/>
-              </a:solidFill>
-              <a:latin typeface="Arial"/>
-            </a:endParaRPr>
-          </a:p>
-          <a:p>
-            <a:pPr marL="457200" indent="-342720">
+              <a:latin typeface="Arial"/>
+            </a:endParaRPr>
+          </a:p>
+          <a:p>
+            <a:pPr marL="457200" indent="-342360">
               <a:lnSpc>
                 <a:spcPct val="115000"/>
               </a:lnSpc>
@@ -4357,17 +3631,14 @@
                 <a:latin typeface="Arial"/>
                 <a:ea typeface="Arial"/>
               </a:rPr>
-              <a:t>Meteorology &amp; climate science </a:t>
+              <a:t>Economics &amp; political science</a:t>
             </a:r>
             <a:endParaRPr b="0" lang="en-US" sz="1800" spc="-1" strike="noStrike">
-              <a:solidFill>
-                <a:srgbClr val="000000"/>
-              </a:solidFill>
-              <a:latin typeface="Arial"/>
-            </a:endParaRPr>
-          </a:p>
-          <a:p>
-            <a:pPr marL="457200" indent="-342720">
+              <a:latin typeface="Arial"/>
+            </a:endParaRPr>
+          </a:p>
+          <a:p>
+            <a:pPr marL="457200" indent="-342360">
               <a:lnSpc>
                 <a:spcPct val="115000"/>
               </a:lnSpc>
@@ -4388,17 +3659,14 @@
                 <a:latin typeface="Arial"/>
                 <a:ea typeface="Arial"/>
               </a:rPr>
-              <a:t>Many fields of engineering</a:t>
+              <a:t>Meteorology &amp; climate science </a:t>
             </a:r>
             <a:endParaRPr b="0" lang="en-US" sz="1800" spc="-1" strike="noStrike">
-              <a:solidFill>
-                <a:srgbClr val="000000"/>
-              </a:solidFill>
-              <a:latin typeface="Arial"/>
-            </a:endParaRPr>
-          </a:p>
-          <a:p>
-            <a:pPr marL="457200" indent="-342720">
+              <a:latin typeface="Arial"/>
+            </a:endParaRPr>
+          </a:p>
+          <a:p>
+            <a:pPr marL="457200" indent="-342360">
               <a:lnSpc>
                 <a:spcPct val="115000"/>
               </a:lnSpc>
@@ -4419,17 +3687,14 @@
                 <a:latin typeface="Arial"/>
                 <a:ea typeface="Arial"/>
               </a:rPr>
-              <a:t>Fraud detection</a:t>
+              <a:t>Many fields of engineering</a:t>
             </a:r>
             <a:endParaRPr b="0" lang="en-US" sz="1800" spc="-1" strike="noStrike">
-              <a:solidFill>
-                <a:srgbClr val="000000"/>
-              </a:solidFill>
-              <a:latin typeface="Arial"/>
-            </a:endParaRPr>
-          </a:p>
-          <a:p>
-            <a:pPr marL="457200" indent="-342720">
+              <a:latin typeface="Arial"/>
+            </a:endParaRPr>
+          </a:p>
+          <a:p>
+            <a:pPr marL="457200" indent="-342360">
               <a:lnSpc>
                 <a:spcPct val="115000"/>
               </a:lnSpc>
@@ -4450,12 +3715,37 @@
                 <a:latin typeface="Arial"/>
                 <a:ea typeface="Arial"/>
               </a:rPr>
+              <a:t>Fraud detection</a:t>
+            </a:r>
+            <a:endParaRPr b="0" lang="en-US" sz="1800" spc="-1" strike="noStrike">
+              <a:latin typeface="Arial"/>
+            </a:endParaRPr>
+          </a:p>
+          <a:p>
+            <a:pPr marL="457200" indent="-342360">
+              <a:lnSpc>
+                <a:spcPct val="115000"/>
+              </a:lnSpc>
+              <a:buClr>
+                <a:srgbClr val="000000"/>
+              </a:buClr>
+              <a:buFont typeface="Arial"/>
+              <a:buChar char="●"/>
+              <a:tabLst>
+                <a:tab algn="l" pos="0"/>
+              </a:tabLst>
+            </a:pPr>
+            <a:r>
+              <a:rPr b="0" lang="en" sz="1800" spc="-1" strike="noStrike">
+                <a:solidFill>
+                  <a:srgbClr val="000000"/>
+                </a:solidFill>
+                <a:latin typeface="Arial"/>
+                <a:ea typeface="Arial"/>
+              </a:rPr>
               <a:t>…</a:t>
             </a:r>
             <a:endParaRPr b="0" lang="en-US" sz="1800" spc="-1" strike="noStrike">
-              <a:solidFill>
-                <a:srgbClr val="000000"/>
-              </a:solidFill>
               <a:latin typeface="Arial"/>
             </a:endParaRPr>
           </a:p>
@@ -4475,9 +3765,6 @@
               </a:tabLst>
             </a:pPr>
             <a:endParaRPr b="0" lang="en-US" sz="1800" spc="-1" strike="noStrike">
-              <a:solidFill>
-                <a:srgbClr val="000000"/>
-              </a:solidFill>
               <a:latin typeface="Arial"/>
             </a:endParaRPr>
           </a:p>
@@ -4515,14 +3802,14 @@
       </p:grpSpPr>
       <p:sp>
         <p:nvSpPr>
-          <p:cNvPr id="82" name="TextShape 1"/>
-          <p:cNvSpPr txBox="1"/>
+          <p:cNvPr id="80" name="CustomShape 1"/>
+          <p:cNvSpPr/>
           <p:nvPr/>
         </p:nvSpPr>
         <p:spPr>
           <a:xfrm>
             <a:off x="311760" y="444960"/>
-            <a:ext cx="8520120" cy="572400"/>
+            <a:ext cx="8519760" cy="572040"/>
           </a:xfrm>
           <a:prstGeom prst="rect">
             <a:avLst/>
@@ -4532,8 +3819,14 @@
             <a:noFill/>
           </a:ln>
         </p:spPr>
-        <p:txBody>
-          <a:bodyPr tIns="91440" bIns="91440">
+        <p:style>
+          <a:lnRef idx="0"/>
+          <a:fillRef idx="0"/>
+          <a:effectRef idx="0"/>
+          <a:fontRef idx="minor"/>
+        </p:style>
+        <p:txBody>
+          <a:bodyPr lIns="90000" rIns="90000" tIns="91440" bIns="91440">
             <a:normAutofit fontScale="97000"/>
           </a:bodyPr>
           <a:p>
@@ -4553,97 +3846,31 @@
                 <a:latin typeface="Arial"/>
                 <a:ea typeface="Arial"/>
               </a:rPr>
-              <a:t>You’ll soon run into this:</a:t>
+              <a:t>Objectives</a:t>
             </a:r>
             <a:endParaRPr b="0" lang="en-US" sz="2800" spc="-1" strike="noStrike">
-              <a:solidFill>
-                <a:srgbClr val="000000"/>
-              </a:solidFill>
-              <a:latin typeface="Arial"/>
-            </a:endParaRPr>
-          </a:p>
-        </p:txBody>
-      </p:sp>
-      <p:pic>
-        <p:nvPicPr>
-          <p:cNvPr id="83" name="Google Shape;67;p15" descr=""/>
-          <p:cNvPicPr/>
+              <a:latin typeface="Arial"/>
+            </a:endParaRPr>
+          </a:p>
+        </p:txBody>
+      </p:sp>
+      <p:sp>
+        <p:nvSpPr>
+          <p:cNvPr id="81" name="CustomShape 2"/>
+          <p:cNvSpPr/>
           <p:nvPr/>
-        </p:nvPicPr>
-        <p:blipFill>
-          <a:blip r:embed="rId1"/>
-          <a:stretch/>
-        </p:blipFill>
-        <p:spPr>
-          <a:xfrm>
-            <a:off x="2650320" y="1064520"/>
-            <a:ext cx="3900240" cy="3900240"/>
-          </a:xfrm>
-          <a:prstGeom prst="rect">
-            <a:avLst/>
-          </a:prstGeom>
+        </p:nvSpPr>
+        <p:spPr>
+          <a:xfrm>
+            <a:off x="311760" y="1152360"/>
+            <a:ext cx="8519760" cy="3415680"/>
+          </a:xfrm>
+          <a:prstGeom prst="rect">
+            <a:avLst/>
+          </a:prstGeom>
+          <a:noFill/>
           <a:ln>
             <a:noFill/>
-          </a:ln>
-        </p:spPr>
-      </p:pic>
-      <p:pic>
-        <p:nvPicPr>
-          <p:cNvPr id="84" name="Google Shape;68;p15" descr=""/>
-          <p:cNvPicPr/>
-          <p:nvPr/>
-        </p:nvPicPr>
-        <p:blipFill>
-          <a:blip r:embed="rId2"/>
-          <a:stretch/>
-        </p:blipFill>
-        <p:spPr>
-          <a:xfrm>
-            <a:off x="542880" y="1204920"/>
-            <a:ext cx="2185560" cy="3514320"/>
-          </a:xfrm>
-          <a:prstGeom prst="rect">
-            <a:avLst/>
-          </a:prstGeom>
-          <a:ln>
-            <a:noFill/>
-          </a:ln>
-        </p:spPr>
-      </p:pic>
-      <p:sp>
-        <p:nvSpPr>
-          <p:cNvPr id="85" name="CustomShape 2"/>
-          <p:cNvSpPr/>
-          <p:nvPr/>
-        </p:nvSpPr>
-        <p:spPr>
-          <a:xfrm>
-            <a:off x="2881440" y="2962440"/>
-            <a:ext cx="778320" cy="360"/>
-          </a:xfrm>
-          <a:custGeom>
-            <a:avLst/>
-            <a:gdLst/>
-            <a:ahLst/>
-            <a:rect l="l" t="t" r="r" b="b"/>
-            <a:pathLst>
-              <a:path w="21600" h="21600">
-                <a:moveTo>
-                  <a:pt x="0" y="0"/>
-                </a:moveTo>
-                <a:lnTo>
-                  <a:pt x="21600" y="21600"/>
-                </a:lnTo>
-              </a:path>
-            </a:pathLst>
-          </a:custGeom>
-          <a:noFill/>
-          <a:ln w="28440">
-            <a:solidFill>
-              <a:schemeClr val="dk1"/>
-            </a:solidFill>
-            <a:round/>
-            <a:tailEnd len="med" type="triangle" w="med"/>
           </a:ln>
         </p:spPr>
         <p:style>
@@ -4652,73 +3879,87 @@
           <a:effectRef idx="0"/>
           <a:fontRef idx="minor"/>
         </p:style>
-      </p:sp>
-      <p:sp>
-        <p:nvSpPr>
-          <p:cNvPr id="86" name="CustomShape 3"/>
-          <p:cNvSpPr/>
-          <p:nvPr/>
-        </p:nvSpPr>
-        <p:spPr>
-          <a:xfrm>
-            <a:off x="5672160" y="2962440"/>
-            <a:ext cx="778320" cy="360"/>
-          </a:xfrm>
-          <a:custGeom>
-            <a:avLst/>
-            <a:gdLst/>
-            <a:ahLst/>
-            <a:rect l="l" t="t" r="r" b="b"/>
-            <a:pathLst>
-              <a:path w="21600" h="21600">
-                <a:moveTo>
-                  <a:pt x="0" y="0"/>
-                </a:moveTo>
-                <a:lnTo>
-                  <a:pt x="21600" y="21600"/>
-                </a:lnTo>
-              </a:path>
-            </a:pathLst>
-          </a:custGeom>
-          <a:noFill/>
-          <a:ln w="28440">
-            <a:solidFill>
-              <a:schemeClr val="dk1"/>
-            </a:solidFill>
-            <a:round/>
-            <a:tailEnd len="med" type="triangle" w="med"/>
-          </a:ln>
-        </p:spPr>
-        <p:style>
-          <a:lnRef idx="0"/>
-          <a:fillRef idx="0"/>
-          <a:effectRef idx="0"/>
-          <a:fontRef idx="minor"/>
-        </p:style>
-      </p:sp>
-      <p:pic>
-        <p:nvPicPr>
-          <p:cNvPr id="87" name="Google Shape;71;p15" descr=""/>
-          <p:cNvPicPr/>
-          <p:nvPr/>
-        </p:nvPicPr>
-        <p:blipFill>
-          <a:blip r:embed="rId3"/>
-          <a:stretch/>
-        </p:blipFill>
-        <p:spPr>
-          <a:xfrm>
-            <a:off x="6817680" y="1948680"/>
-            <a:ext cx="1904760" cy="1904760"/>
-          </a:xfrm>
-          <a:prstGeom prst="rect">
-            <a:avLst/>
-          </a:prstGeom>
-          <a:ln>
-            <a:noFill/>
-          </a:ln>
-        </p:spPr>
-      </p:pic>
+        <p:txBody>
+          <a:bodyPr lIns="90000" rIns="90000" tIns="91440" bIns="91440">
+            <a:normAutofit/>
+          </a:bodyPr>
+          <a:p>
+            <a:pPr>
+              <a:lnSpc>
+                <a:spcPct val="115000"/>
+              </a:lnSpc>
+              <a:tabLst>
+                <a:tab algn="l" pos="0"/>
+              </a:tabLst>
+            </a:pPr>
+            <a:r>
+              <a:rPr b="0" lang="en" sz="1800" spc="-1" strike="noStrike">
+                <a:solidFill>
+                  <a:srgbClr val="000000"/>
+                </a:solidFill>
+                <a:latin typeface="Arial"/>
+                <a:ea typeface="Arial"/>
+              </a:rPr>
+              <a:t>- Recognize common tradeoffs in statistics</a:t>
+            </a:r>
+            <a:endParaRPr b="0" lang="en-US" sz="1800" spc="-1" strike="noStrike">
+              <a:latin typeface="Arial"/>
+            </a:endParaRPr>
+          </a:p>
+          <a:p>
+            <a:pPr>
+              <a:lnSpc>
+                <a:spcPct val="115000"/>
+              </a:lnSpc>
+              <a:tabLst>
+                <a:tab algn="l" pos="0"/>
+              </a:tabLst>
+            </a:pPr>
+            <a:r>
+              <a:rPr b="0" lang="en" sz="1800" spc="-1" strike="noStrike">
+                <a:solidFill>
+                  <a:srgbClr val="000000"/>
+                </a:solidFill>
+                <a:latin typeface="Arial"/>
+                <a:ea typeface="Arial"/>
+              </a:rPr>
+              <a:t>- Demonstrate results via computer </a:t>
+            </a:r>
+            <a:r>
+              <a:rPr b="0" lang="en" sz="1800" spc="-1" strike="noStrike">
+                <a:solidFill>
+                  <a:srgbClr val="000000"/>
+                </a:solidFill>
+                <a:latin typeface="Arial"/>
+                <a:ea typeface="Arial"/>
+              </a:rPr>
+              <a:t>simulation</a:t>
+            </a:r>
+            <a:endParaRPr b="0" lang="en-US" sz="1800" spc="-1" strike="noStrike">
+              <a:latin typeface="Arial"/>
+            </a:endParaRPr>
+          </a:p>
+          <a:p>
+            <a:pPr>
+              <a:lnSpc>
+                <a:spcPct val="115000"/>
+              </a:lnSpc>
+              <a:spcBef>
+                <a:spcPts val="1199"/>
+              </a:spcBef>
+              <a:spcAft>
+                <a:spcPts val="1199"/>
+              </a:spcAft>
+              <a:tabLst>
+                <a:tab algn="l" pos="0"/>
+              </a:tabLst>
+            </a:pPr>
+            <a:endParaRPr b="0" lang="en-US" sz="1800" spc="-1" strike="noStrike">
+              <a:latin typeface="Arial"/>
+            </a:endParaRPr>
+          </a:p>
+        </p:txBody>
+      </p:sp>
     </p:spTree>
   </p:cSld>
   <mc:AlternateContent>
@@ -4749,16 +3990,39 @@
           <a:chExt cx="0" cy="0"/>
         </a:xfrm>
       </p:grpSpPr>
-      <p:sp>
-        <p:nvSpPr>
-          <p:cNvPr id="88" name="TextShape 1"/>
-          <p:cNvSpPr txBox="1"/>
+      <p:pic>
+        <p:nvPicPr>
+          <p:cNvPr id="82" name="" descr=""/>
+          <p:cNvPicPr/>
           <p:nvPr/>
-        </p:nvSpPr>
-        <p:spPr>
-          <a:xfrm>
-            <a:off x="311760" y="744480"/>
-            <a:ext cx="8520120" cy="2052360"/>
+        </p:nvPicPr>
+        <p:blipFill>
+          <a:blip r:embed="rId1"/>
+          <a:stretch/>
+        </p:blipFill>
+        <p:spPr>
+          <a:xfrm>
+            <a:off x="4206240" y="1280160"/>
+            <a:ext cx="3680280" cy="3680280"/>
+          </a:xfrm>
+          <a:prstGeom prst="rect">
+            <a:avLst/>
+          </a:prstGeom>
+          <a:ln>
+            <a:noFill/>
+          </a:ln>
+        </p:spPr>
+      </p:pic>
+      <p:sp>
+        <p:nvSpPr>
+          <p:cNvPr id="83" name="CustomShape 1"/>
+          <p:cNvSpPr/>
+          <p:nvPr/>
+        </p:nvSpPr>
+        <p:spPr>
+          <a:xfrm>
+            <a:off x="311760" y="444960"/>
+            <a:ext cx="8519760" cy="572040"/>
           </a:xfrm>
           <a:prstGeom prst="rect">
             <a:avLst/>
@@ -4768,12 +4032,18 @@
             <a:noFill/>
           </a:ln>
         </p:spPr>
-        <p:txBody>
-          <a:bodyPr tIns="91440" bIns="91440" anchor="b">
-            <a:normAutofit fontScale="76000"/>
-          </a:bodyPr>
-          <a:p>
-            <a:pPr algn="ctr">
+        <p:style>
+          <a:lnRef idx="0"/>
+          <a:fillRef idx="0"/>
+          <a:effectRef idx="0"/>
+          <a:fontRef idx="minor"/>
+        </p:style>
+        <p:txBody>
+          <a:bodyPr lIns="90000" rIns="90000" tIns="91440" bIns="91440">
+            <a:normAutofit fontScale="97000"/>
+          </a:bodyPr>
+          <a:p>
+            <a:pPr>
               <a:lnSpc>
                 <a:spcPct val="100000"/>
               </a:lnSpc>
@@ -4782,34 +4052,31 @@
               </a:tabLst>
             </a:pPr>
             <a:r>
-              <a:rPr b="0" lang="en" sz="5200" spc="-1" strike="noStrike">
+              <a:rPr b="0" lang="en" sz="2800" spc="-1" strike="noStrike">
                 <a:solidFill>
                   <a:srgbClr val="000000"/>
                 </a:solidFill>
                 <a:latin typeface="Arial"/>
                 <a:ea typeface="Arial"/>
               </a:rPr>
-              <a:t>Orient yourself and your colleagues by asking “Why?”</a:t>
-            </a:r>
-            <a:endParaRPr b="0" lang="en-US" sz="5200" spc="-1" strike="noStrike">
-              <a:solidFill>
-                <a:srgbClr val="000000"/>
-              </a:solidFill>
-              <a:latin typeface="Arial"/>
-            </a:endParaRPr>
-          </a:p>
-        </p:txBody>
-      </p:sp>
-      <p:sp>
-        <p:nvSpPr>
-          <p:cNvPr id="89" name="TextShape 2"/>
-          <p:cNvSpPr txBox="1"/>
+              <a:t>What we will do</a:t>
+            </a:r>
+            <a:endParaRPr b="0" lang="en-US" sz="2800" spc="-1" strike="noStrike">
+              <a:latin typeface="Arial"/>
+            </a:endParaRPr>
+          </a:p>
+        </p:txBody>
+      </p:sp>
+      <p:sp>
+        <p:nvSpPr>
+          <p:cNvPr id="84" name="CustomShape 2"/>
+          <p:cNvSpPr/>
           <p:nvPr/>
         </p:nvSpPr>
         <p:spPr>
           <a:xfrm>
-            <a:off x="311760" y="2834280"/>
-            <a:ext cx="8520120" cy="792360"/>
+            <a:off x="311760" y="1152360"/>
+            <a:ext cx="8519760" cy="3415680"/>
           </a:xfrm>
           <a:prstGeom prst="rect">
             <a:avLst/>
@@ -4819,35 +4086,85 @@
             <a:noFill/>
           </a:ln>
         </p:spPr>
-        <p:txBody>
-          <a:bodyPr tIns="91440" bIns="91440">
+        <p:style>
+          <a:lnRef idx="0"/>
+          <a:fillRef idx="0"/>
+          <a:effectRef idx="0"/>
+          <a:fontRef idx="minor"/>
+        </p:style>
+        <p:txBody>
+          <a:bodyPr lIns="90000" rIns="90000" tIns="91440" bIns="91440">
             <a:normAutofit/>
           </a:bodyPr>
           <a:p>
-            <a:pPr algn="ctr">
+            <a:pPr marL="457200" indent="-342360">
               <a:lnSpc>
-                <a:spcPct val="100000"/>
+                <a:spcPct val="115000"/>
               </a:lnSpc>
+              <a:buClr>
+                <a:srgbClr val="000000"/>
+              </a:buClr>
+              <a:buFont typeface="Arial"/>
+              <a:buChar char="●"/>
+            </a:pPr>
+            <a:r>
+              <a:rPr b="0" lang="en" sz="1800" spc="-1" strike="noStrike">
+                <a:solidFill>
+                  <a:srgbClr val="000000"/>
+                </a:solidFill>
+                <a:latin typeface="Arial"/>
+                <a:ea typeface="Arial"/>
+              </a:rPr>
+              <a:t>Programming (lesson 1) and the binomial distribution (lesson 2): fundamental tools to help design simulation studies</a:t>
+            </a:r>
+            <a:endParaRPr b="0" lang="en-US" sz="1800" spc="-1" strike="noStrike">
+              <a:latin typeface="Arial"/>
+            </a:endParaRPr>
+          </a:p>
+          <a:p>
+            <a:pPr>
+              <a:lnSpc>
+                <a:spcPct val="115000"/>
+              </a:lnSpc>
+              <a:spcBef>
+                <a:spcPts val="1199"/>
+              </a:spcBef>
+              <a:spcAft>
+                <a:spcPts val="1199"/>
+              </a:spcAft>
               <a:tabLst>
                 <a:tab algn="l" pos="0"/>
               </a:tabLst>
             </a:pPr>
-            <a:r>
-              <a:rPr b="0" lang="en" sz="2800" spc="-1" strike="noStrike">
-                <a:solidFill>
-                  <a:srgbClr val="595959"/>
-                </a:solidFill>
-                <a:latin typeface="Arial"/>
-                <a:ea typeface="Arial"/>
-              </a:rPr>
-              <a:t>And test the answers via simulation studies.</a:t>
-            </a:r>
-            <a:endParaRPr b="0" lang="en-US" sz="2800" spc="-1" strike="noStrike">
-              <a:latin typeface="Arial"/>
-            </a:endParaRPr>
-          </a:p>
-        </p:txBody>
-      </p:sp>
+            <a:endParaRPr b="0" lang="en-US" sz="1800" spc="-1" strike="noStrike">
+              <a:latin typeface="Arial"/>
+            </a:endParaRPr>
+          </a:p>
+        </p:txBody>
+      </p:sp>
+      <p:pic>
+        <p:nvPicPr>
+          <p:cNvPr id="85" name="" descr=""/>
+          <p:cNvPicPr/>
+          <p:nvPr/>
+        </p:nvPicPr>
+        <p:blipFill>
+          <a:blip r:embed="rId2"/>
+          <a:stretch/>
+        </p:blipFill>
+        <p:spPr>
+          <a:xfrm>
+            <a:off x="1653120" y="2286000"/>
+            <a:ext cx="2278800" cy="2309760"/>
+          </a:xfrm>
+          <a:prstGeom prst="rect">
+            <a:avLst/>
+          </a:prstGeom>
+          <a:ln>
+            <a:noFill/>
+          </a:ln>
+        </p:spPr>
+      </p:pic>
     </p:spTree>
   </p:cSld>
   <mc:AlternateContent>
@@ -4880,14 +4197,14 @@
       </p:grpSpPr>
       <p:sp>
         <p:nvSpPr>
-          <p:cNvPr id="90" name="TextShape 1"/>
-          <p:cNvSpPr txBox="1"/>
+          <p:cNvPr id="86" name="CustomShape 1"/>
+          <p:cNvSpPr/>
           <p:nvPr/>
         </p:nvSpPr>
         <p:spPr>
           <a:xfrm>
             <a:off x="311760" y="444960"/>
-            <a:ext cx="8520120" cy="572400"/>
+            <a:ext cx="8519760" cy="572040"/>
           </a:xfrm>
           <a:prstGeom prst="rect">
             <a:avLst/>
@@ -4897,8 +4214,14 @@
             <a:noFill/>
           </a:ln>
         </p:spPr>
-        <p:txBody>
-          <a:bodyPr tIns="91440" bIns="91440">
+        <p:style>
+          <a:lnRef idx="0"/>
+          <a:fillRef idx="0"/>
+          <a:effectRef idx="0"/>
+          <a:fontRef idx="minor"/>
+        </p:style>
+        <p:txBody>
+          <a:bodyPr lIns="90000" rIns="90000" tIns="91440" bIns="91440">
             <a:normAutofit fontScale="97000"/>
           </a:bodyPr>
           <a:p>
@@ -4918,27 +4241,24 @@
                 <a:latin typeface="Arial"/>
                 <a:ea typeface="Arial"/>
               </a:rPr>
-              <a:t>What we did</a:t>
+              <a:t>What we will do</a:t>
             </a:r>
             <a:endParaRPr b="0" lang="en-US" sz="2800" spc="-1" strike="noStrike">
-              <a:solidFill>
-                <a:srgbClr val="000000"/>
-              </a:solidFill>
-              <a:latin typeface="Arial"/>
-            </a:endParaRPr>
-          </a:p>
-        </p:txBody>
-      </p:sp>
-      <p:sp>
-        <p:nvSpPr>
-          <p:cNvPr id="91" name="TextShape 2"/>
-          <p:cNvSpPr txBox="1"/>
+              <a:latin typeface="Arial"/>
+            </a:endParaRPr>
+          </a:p>
+        </p:txBody>
+      </p:sp>
+      <p:sp>
+        <p:nvSpPr>
+          <p:cNvPr id="87" name="CustomShape 2"/>
+          <p:cNvSpPr/>
           <p:nvPr/>
         </p:nvSpPr>
         <p:spPr>
           <a:xfrm>
             <a:off x="311760" y="1152360"/>
-            <a:ext cx="8520120" cy="3416040"/>
+            <a:ext cx="4046040" cy="2152080"/>
           </a:xfrm>
           <a:prstGeom prst="rect">
             <a:avLst/>
@@ -4948,12 +4268,18 @@
             <a:noFill/>
           </a:ln>
         </p:spPr>
-        <p:txBody>
-          <a:bodyPr tIns="91440" bIns="91440">
+        <p:style>
+          <a:lnRef idx="0"/>
+          <a:fillRef idx="0"/>
+          <a:effectRef idx="0"/>
+          <a:fontRef idx="minor"/>
+        </p:style>
+        <p:txBody>
+          <a:bodyPr lIns="90000" rIns="90000" tIns="91440" bIns="91440">
             <a:normAutofit/>
           </a:bodyPr>
           <a:p>
-            <a:pPr marL="457200" indent="-342720">
+            <a:pPr marL="457200" indent="-342360">
               <a:lnSpc>
                 <a:spcPct val="115000"/>
               </a:lnSpc>
@@ -4971,39 +4297,106 @@
                 <a:latin typeface="Arial"/>
                 <a:ea typeface="Arial"/>
               </a:rPr>
-              <a:t>Programming (lesson 1) and the binomial distribution (lesson 2): fundamental tools to help design simulation studies</a:t>
+              <a:t>Efficiency (lesson 3) and robustness against mistaken assumptions (lesson 4).</a:t>
             </a:r>
             <a:endParaRPr b="0" lang="en-US" sz="1800" spc="-1" strike="noStrike">
-              <a:solidFill>
-                <a:srgbClr val="000000"/>
-              </a:solidFill>
-              <a:latin typeface="Arial"/>
-            </a:endParaRPr>
-          </a:p>
-          <a:p>
-            <a:pPr>
-              <a:lnSpc>
-                <a:spcPct val="115000"/>
-              </a:lnSpc>
-              <a:spcBef>
-                <a:spcPts val="1199"/>
-              </a:spcBef>
-              <a:spcAft>
-                <a:spcPts val="1199"/>
-              </a:spcAft>
-              <a:tabLst>
-                <a:tab algn="l" pos="0"/>
-              </a:tabLst>
-            </a:pPr>
-            <a:endParaRPr b="0" lang="en-US" sz="1800" spc="-1" strike="noStrike">
-              <a:solidFill>
-                <a:srgbClr val="000000"/>
-              </a:solidFill>
-              <a:latin typeface="Arial"/>
-            </a:endParaRPr>
-          </a:p>
-        </p:txBody>
-      </p:sp>
+              <a:latin typeface="Arial"/>
+            </a:endParaRPr>
+          </a:p>
+        </p:txBody>
+      </p:sp>
+      <p:pic>
+        <p:nvPicPr>
+          <p:cNvPr id="88" name="Google Shape;90;p18" descr=""/>
+          <p:cNvPicPr/>
+          <p:nvPr/>
+        </p:nvPicPr>
+        <p:blipFill>
+          <a:blip r:embed="rId1"/>
+          <a:stretch/>
+        </p:blipFill>
+        <p:spPr>
+          <a:xfrm>
+            <a:off x="4457880" y="2587680"/>
+            <a:ext cx="2375640" cy="2451960"/>
+          </a:xfrm>
+          <a:prstGeom prst="rect">
+            <a:avLst/>
+          </a:prstGeom>
+          <a:ln>
+            <a:noFill/>
+          </a:ln>
+        </p:spPr>
+      </p:pic>
+      <p:pic>
+        <p:nvPicPr>
+          <p:cNvPr id="89" name="Google Shape;91;p18" descr=""/>
+          <p:cNvPicPr/>
+          <p:nvPr/>
+        </p:nvPicPr>
+        <p:blipFill>
+          <a:blip r:embed="rId2"/>
+          <a:stretch/>
+        </p:blipFill>
+        <p:spPr>
+          <a:xfrm>
+            <a:off x="4457880" y="119160"/>
+            <a:ext cx="2375640" cy="2451960"/>
+          </a:xfrm>
+          <a:prstGeom prst="rect">
+            <a:avLst/>
+          </a:prstGeom>
+          <a:ln>
+            <a:noFill/>
+          </a:ln>
+        </p:spPr>
+      </p:pic>
+      <p:pic>
+        <p:nvPicPr>
+          <p:cNvPr id="90" name="Google Shape;92;p18" descr=""/>
+          <p:cNvPicPr/>
+          <p:nvPr/>
+        </p:nvPicPr>
+        <p:blipFill>
+          <a:blip r:embed="rId3"/>
+          <a:stretch/>
+        </p:blipFill>
+        <p:spPr>
+          <a:xfrm>
+            <a:off x="6869880" y="2587680"/>
+            <a:ext cx="2239560" cy="2318040"/>
+          </a:xfrm>
+          <a:prstGeom prst="rect">
+            <a:avLst/>
+          </a:prstGeom>
+          <a:ln>
+            <a:noFill/>
+          </a:ln>
+        </p:spPr>
+      </p:pic>
+      <p:pic>
+        <p:nvPicPr>
+          <p:cNvPr id="91" name="Google Shape;93;p18" descr=""/>
+          <p:cNvPicPr/>
+          <p:nvPr/>
+        </p:nvPicPr>
+        <p:blipFill>
+          <a:blip r:embed="rId4"/>
+          <a:stretch/>
+        </p:blipFill>
+        <p:spPr>
+          <a:xfrm>
+            <a:off x="6869880" y="266400"/>
+            <a:ext cx="2238120" cy="2309760"/>
+          </a:xfrm>
+          <a:prstGeom prst="rect">
+            <a:avLst/>
+          </a:prstGeom>
+          <a:ln>
+            <a:noFill/>
+          </a:ln>
+        </p:spPr>
+      </p:pic>
     </p:spTree>
   </p:cSld>
   <mc:AlternateContent>
@@ -5036,14 +4429,14 @@
       </p:grpSpPr>
       <p:sp>
         <p:nvSpPr>
-          <p:cNvPr id="92" name="TextShape 1"/>
-          <p:cNvSpPr txBox="1"/>
+          <p:cNvPr id="92" name="CustomShape 1"/>
+          <p:cNvSpPr/>
           <p:nvPr/>
         </p:nvSpPr>
         <p:spPr>
           <a:xfrm>
             <a:off x="311760" y="444960"/>
-            <a:ext cx="8520120" cy="572400"/>
+            <a:ext cx="8519760" cy="572040"/>
           </a:xfrm>
           <a:prstGeom prst="rect">
             <a:avLst/>
@@ -5053,8 +4446,14 @@
             <a:noFill/>
           </a:ln>
         </p:spPr>
-        <p:txBody>
-          <a:bodyPr tIns="91440" bIns="91440">
+        <p:style>
+          <a:lnRef idx="0"/>
+          <a:fillRef idx="0"/>
+          <a:effectRef idx="0"/>
+          <a:fontRef idx="minor"/>
+        </p:style>
+        <p:txBody>
+          <a:bodyPr lIns="90000" rIns="90000" tIns="91440" bIns="91440">
             <a:normAutofit fontScale="97000"/>
           </a:bodyPr>
           <a:p>
@@ -5074,27 +4473,24 @@
                 <a:latin typeface="Arial"/>
                 <a:ea typeface="Arial"/>
               </a:rPr>
-              <a:t>What we did</a:t>
+              <a:t>What we will do</a:t>
             </a:r>
             <a:endParaRPr b="0" lang="en-US" sz="2800" spc="-1" strike="noStrike">
-              <a:solidFill>
-                <a:srgbClr val="000000"/>
-              </a:solidFill>
-              <a:latin typeface="Arial"/>
-            </a:endParaRPr>
-          </a:p>
-        </p:txBody>
-      </p:sp>
-      <p:sp>
-        <p:nvSpPr>
-          <p:cNvPr id="93" name="TextShape 2"/>
-          <p:cNvSpPr txBox="1"/>
+              <a:latin typeface="Arial"/>
+            </a:endParaRPr>
+          </a:p>
+        </p:txBody>
+      </p:sp>
+      <p:sp>
+        <p:nvSpPr>
+          <p:cNvPr id="93" name="CustomShape 2"/>
+          <p:cNvSpPr/>
           <p:nvPr/>
         </p:nvSpPr>
         <p:spPr>
           <a:xfrm>
             <a:off x="311760" y="1152360"/>
-            <a:ext cx="4046400" cy="2152440"/>
+            <a:ext cx="4628160" cy="3415680"/>
           </a:xfrm>
           <a:prstGeom prst="rect">
             <a:avLst/>
@@ -5104,20 +4500,24 @@
             <a:noFill/>
           </a:ln>
         </p:spPr>
-        <p:txBody>
-          <a:bodyPr tIns="91440" bIns="91440">
+        <p:style>
+          <a:lnRef idx="0"/>
+          <a:fillRef idx="0"/>
+          <a:effectRef idx="0"/>
+          <a:fontRef idx="minor"/>
+        </p:style>
+        <p:txBody>
+          <a:bodyPr lIns="90000" rIns="90000" tIns="91440" bIns="91440">
             <a:normAutofit/>
           </a:bodyPr>
           <a:p>
-            <a:pPr marL="457200" indent="-342720">
+            <a:pPr>
               <a:lnSpc>
                 <a:spcPct val="115000"/>
               </a:lnSpc>
-              <a:buClr>
-                <a:srgbClr val="000000"/>
-              </a:buClr>
-              <a:buFont typeface="Arial"/>
-              <a:buChar char="●"/>
+              <a:tabLst>
+                <a:tab algn="l" pos="0"/>
+              </a:tabLst>
             </a:pPr>
             <a:r>
               <a:rPr b="0" lang="en" sz="1800" spc="-1" strike="noStrike">
@@ -5127,12 +4527,9 @@
                 <a:latin typeface="Arial"/>
                 <a:ea typeface="Arial"/>
               </a:rPr>
-              <a:t>Efficiency (lesson 3) and robustness against mistaken assumptions (lesson 4): we used two estimation methods and outlined situations where each of them works better.</a:t>
+              <a:t>Outliers (lesson 5)</a:t>
             </a:r>
             <a:endParaRPr b="0" lang="en-US" sz="1800" spc="-1" strike="noStrike">
-              <a:solidFill>
-                <a:srgbClr val="000000"/>
-              </a:solidFill>
               <a:latin typeface="Arial"/>
             </a:endParaRPr>
           </a:p>
@@ -5140,7 +4537,7 @@
       </p:sp>
       <p:pic>
         <p:nvPicPr>
-          <p:cNvPr id="94" name="Google Shape;90;p18" descr=""/>
+          <p:cNvPr id="94" name="" descr=""/>
           <p:cNvPicPr/>
           <p:nvPr/>
         </p:nvPicPr>
@@ -5150,77 +4547,8 @@
         </p:blipFill>
         <p:spPr>
           <a:xfrm>
-            <a:off x="4457880" y="2587680"/>
-            <a:ext cx="2376000" cy="2452320"/>
-          </a:xfrm>
-          <a:prstGeom prst="rect">
-            <a:avLst/>
-          </a:prstGeom>
-          <a:ln>
-            <a:noFill/>
-          </a:ln>
-        </p:spPr>
-      </p:pic>
-      <p:pic>
-        <p:nvPicPr>
-          <p:cNvPr id="95" name="Google Shape;91;p18" descr=""/>
-          <p:cNvPicPr/>
-          <p:nvPr/>
-        </p:nvPicPr>
-        <p:blipFill>
-          <a:blip r:embed="rId2"/>
-          <a:stretch/>
-        </p:blipFill>
-        <p:spPr>
-          <a:xfrm>
-            <a:off x="4457880" y="119160"/>
-            <a:ext cx="2376000" cy="2452320"/>
-          </a:xfrm>
-          <a:prstGeom prst="rect">
-            <a:avLst/>
-          </a:prstGeom>
-          <a:ln>
-            <a:noFill/>
-          </a:ln>
-        </p:spPr>
-      </p:pic>
-      <p:pic>
-        <p:nvPicPr>
-          <p:cNvPr id="96" name="Google Shape;92;p18" descr=""/>
-          <p:cNvPicPr/>
-          <p:nvPr/>
-        </p:nvPicPr>
-        <p:blipFill>
-          <a:blip r:embed="rId3"/>
-          <a:stretch/>
-        </p:blipFill>
-        <p:spPr>
-          <a:xfrm>
-            <a:off x="6869880" y="2587680"/>
-            <a:ext cx="2239920" cy="2318400"/>
-          </a:xfrm>
-          <a:prstGeom prst="rect">
-            <a:avLst/>
-          </a:prstGeom>
-          <a:ln>
-            <a:noFill/>
-          </a:ln>
-        </p:spPr>
-      </p:pic>
-      <p:pic>
-        <p:nvPicPr>
-          <p:cNvPr id="97" name="Google Shape;93;p18" descr=""/>
-          <p:cNvPicPr/>
-          <p:nvPr/>
-        </p:nvPicPr>
-        <p:blipFill>
-          <a:blip r:embed="rId4"/>
-          <a:stretch/>
-        </p:blipFill>
-        <p:spPr>
-          <a:xfrm>
-            <a:off x="6869880" y="266400"/>
-            <a:ext cx="2238480" cy="2310120"/>
+            <a:off x="2462040" y="1097280"/>
+            <a:ext cx="6476760" cy="3742920"/>
           </a:xfrm>
           <a:prstGeom prst="rect">
             <a:avLst/>
@@ -5262,14 +4590,14 @@
       </p:grpSpPr>
       <p:sp>
         <p:nvSpPr>
-          <p:cNvPr id="98" name="TextShape 1"/>
-          <p:cNvSpPr txBox="1"/>
+          <p:cNvPr id="95" name="CustomShape 1"/>
+          <p:cNvSpPr/>
           <p:nvPr/>
         </p:nvSpPr>
         <p:spPr>
           <a:xfrm>
             <a:off x="311760" y="444960"/>
-            <a:ext cx="8520120" cy="572400"/>
+            <a:ext cx="8519760" cy="572040"/>
           </a:xfrm>
           <a:prstGeom prst="rect">
             <a:avLst/>
@@ -5279,8 +4607,14 @@
             <a:noFill/>
           </a:ln>
         </p:spPr>
-        <p:txBody>
-          <a:bodyPr tIns="91440" bIns="91440">
+        <p:style>
+          <a:lnRef idx="0"/>
+          <a:fillRef idx="0"/>
+          <a:effectRef idx="0"/>
+          <a:fontRef idx="minor"/>
+        </p:style>
+        <p:txBody>
+          <a:bodyPr lIns="90000" rIns="90000" tIns="91440" bIns="91440">
             <a:normAutofit fontScale="97000"/>
           </a:bodyPr>
           <a:p>
@@ -5300,27 +4634,24 @@
                 <a:latin typeface="Arial"/>
                 <a:ea typeface="Arial"/>
               </a:rPr>
-              <a:t>What we did</a:t>
+              <a:t>What we will do</a:t>
             </a:r>
             <a:endParaRPr b="0" lang="en-US" sz="2800" spc="-1" strike="noStrike">
-              <a:solidFill>
-                <a:srgbClr val="000000"/>
-              </a:solidFill>
-              <a:latin typeface="Arial"/>
-            </a:endParaRPr>
-          </a:p>
-        </p:txBody>
-      </p:sp>
-      <p:sp>
-        <p:nvSpPr>
-          <p:cNvPr id="99" name="TextShape 2"/>
-          <p:cNvSpPr txBox="1"/>
+              <a:latin typeface="Arial"/>
+            </a:endParaRPr>
+          </a:p>
+        </p:txBody>
+      </p:sp>
+      <p:sp>
+        <p:nvSpPr>
+          <p:cNvPr id="96" name="CustomShape 2"/>
+          <p:cNvSpPr/>
           <p:nvPr/>
         </p:nvSpPr>
         <p:spPr>
           <a:xfrm>
             <a:off x="311760" y="1152360"/>
-            <a:ext cx="4628520" cy="3416040"/>
+            <a:ext cx="4628160" cy="3415680"/>
           </a:xfrm>
           <a:prstGeom prst="rect">
             <a:avLst/>
@@ -5330,72 +4661,18 @@
             <a:noFill/>
           </a:ln>
         </p:spPr>
-        <p:txBody>
-          <a:bodyPr tIns="91440" bIns="91440">
+        <p:style>
+          <a:lnRef idx="0"/>
+          <a:fillRef idx="0"/>
+          <a:effectRef idx="0"/>
+          <a:fontRef idx="minor"/>
+        </p:style>
+        <p:txBody>
+          <a:bodyPr lIns="90000" rIns="90000" tIns="91440" bIns="91440">
             <a:normAutofit/>
           </a:bodyPr>
           <a:p>
-            <a:pPr>
-              <a:lnSpc>
-                <a:spcPct val="115000"/>
-              </a:lnSpc>
-              <a:tabLst>
-                <a:tab algn="l" pos="0"/>
-              </a:tabLst>
-            </a:pPr>
-            <a:r>
-              <a:rPr b="0" lang="en" sz="1800" spc="-1" strike="noStrike">
-                <a:solidFill>
-                  <a:srgbClr val="000000"/>
-                </a:solidFill>
-                <a:latin typeface="Arial"/>
-                <a:ea typeface="Arial"/>
-              </a:rPr>
-              <a:t>Outliers (session 5): </a:t>
-            </a:r>
-            <a:endParaRPr b="0" lang="en-US" sz="1800" spc="-1" strike="noStrike">
-              <a:solidFill>
-                <a:srgbClr val="000000"/>
-              </a:solidFill>
-              <a:latin typeface="Arial"/>
-            </a:endParaRPr>
-          </a:p>
-          <a:p>
-            <a:pPr marL="457200" indent="-342720">
-              <a:lnSpc>
-                <a:spcPct val="115000"/>
-              </a:lnSpc>
-              <a:spcBef>
-                <a:spcPts val="1199"/>
-              </a:spcBef>
-              <a:buClr>
-                <a:srgbClr val="000000"/>
-              </a:buClr>
-              <a:buFont typeface="Arial"/>
-              <a:buChar char="●"/>
-              <a:tabLst>
-                <a:tab algn="l" pos="0"/>
-              </a:tabLst>
-            </a:pPr>
-            <a:r>
-              <a:rPr b="0" lang="en" sz="1800" spc="-1" strike="noStrike">
-                <a:solidFill>
-                  <a:srgbClr val="000000"/>
-                </a:solidFill>
-                <a:latin typeface="Arial"/>
-                <a:ea typeface="Arial"/>
-              </a:rPr>
-              <a:t>We studied outlier robustness of the mean and median (“Bill Gates walks into a cafe.”)</a:t>
-            </a:r>
-            <a:endParaRPr b="0" lang="en-US" sz="1800" spc="-1" strike="noStrike">
-              <a:solidFill>
-                <a:srgbClr val="000000"/>
-              </a:solidFill>
-              <a:latin typeface="Arial"/>
-            </a:endParaRPr>
-          </a:p>
-          <a:p>
-            <a:pPr marL="457200" indent="-342720">
+            <a:pPr marL="457200" indent="-342360">
               <a:lnSpc>
                 <a:spcPct val="115000"/>
               </a:lnSpc>
@@ -5404,10 +4681,17 @@
               </a:buClr>
               <a:buFont typeface="Arial"/>
               <a:buChar char="●"/>
-              <a:tabLst>
-                <a:tab algn="l" pos="0"/>
-              </a:tabLst>
             </a:pPr>
+            <a:r>
+              <a:rPr b="0" i="1" lang="en" sz="1800" spc="-1" strike="noStrike">
+                <a:solidFill>
+                  <a:srgbClr val="000000"/>
+                </a:solidFill>
+                <a:latin typeface="Arial"/>
+                <a:ea typeface="Arial"/>
+              </a:rPr>
+              <a:t>Prediction</a:t>
+            </a:r>
             <a:r>
               <a:rPr b="0" lang="en" sz="1800" spc="-1" strike="noStrike">
                 <a:solidFill>
@@ -5416,64 +4700,51 @@
                 <a:latin typeface="Arial"/>
                 <a:ea typeface="Arial"/>
               </a:rPr>
-              <a:t>We studied a linear regression problem where the overall trend was clear, but hard to capture statistically due to outliers. </a:t>
+              <a:t> versus </a:t>
+            </a:r>
+            <a:r>
+              <a:rPr b="0" i="1" lang="en" sz="1800" spc="-1" strike="noStrike">
+                <a:solidFill>
+                  <a:srgbClr val="000000"/>
+                </a:solidFill>
+                <a:latin typeface="Arial"/>
+                <a:ea typeface="Arial"/>
+              </a:rPr>
+              <a:t>false positive control</a:t>
+            </a:r>
+            <a:r>
+              <a:rPr b="0" lang="en" sz="1800" spc="-1" strike="noStrike">
+                <a:solidFill>
+                  <a:srgbClr val="000000"/>
+                </a:solidFill>
+                <a:latin typeface="Arial"/>
+                <a:ea typeface="Arial"/>
+              </a:rPr>
+              <a:t> (lesson 6)</a:t>
             </a:r>
             <a:endParaRPr b="0" lang="en-US" sz="1800" spc="-1" strike="noStrike">
-              <a:solidFill>
-                <a:srgbClr val="000000"/>
-              </a:solidFill>
-              <a:latin typeface="Arial"/>
-            </a:endParaRPr>
-          </a:p>
-        </p:txBody>
-      </p:sp>
-      <p:pic>
-        <p:nvPicPr>
-          <p:cNvPr id="100" name="Google Shape;100;p19" descr=""/>
-          <p:cNvPicPr/>
+              <a:latin typeface="Arial"/>
+            </a:endParaRPr>
+          </a:p>
+        </p:txBody>
+      </p:sp>
+      <p:sp>
+        <p:nvSpPr>
+          <p:cNvPr id="97" name="CustomShape 3"/>
+          <p:cNvSpPr/>
           <p:nvPr/>
-        </p:nvPicPr>
-        <p:blipFill>
-          <a:blip r:embed="rId1"/>
-          <a:srcRect l="4997" t="0" r="0" b="5802"/>
-          <a:stretch/>
-        </p:blipFill>
-        <p:spPr>
-          <a:xfrm>
-            <a:off x="5119200" y="237960"/>
-            <a:ext cx="3399840" cy="3371040"/>
-          </a:xfrm>
-          <a:prstGeom prst="rect">
-            <a:avLst/>
-          </a:prstGeom>
+        </p:nvSpPr>
+        <p:spPr>
+          <a:xfrm>
+            <a:off x="5283000" y="154800"/>
+            <a:ext cx="3396600" cy="1139040"/>
+          </a:xfrm>
+          <a:prstGeom prst="rect">
+            <a:avLst/>
+          </a:prstGeom>
+          <a:noFill/>
           <a:ln>
             <a:noFill/>
-          </a:ln>
-        </p:spPr>
-      </p:pic>
-      <p:sp>
-        <p:nvSpPr>
-          <p:cNvPr id="101" name="CustomShape 3"/>
-          <p:cNvSpPr/>
-          <p:nvPr/>
-        </p:nvSpPr>
-        <p:spPr>
-          <a:xfrm flipH="1" rot="16200000">
-            <a:off x="5535360" y="2348640"/>
-            <a:ext cx="134280" cy="632520"/>
-          </a:xfrm>
-          <a:prstGeom prst="rightBrace">
-            <a:avLst>
-              <a:gd name="adj1" fmla="val 50000"/>
-              <a:gd name="adj2" fmla="val 50000"/>
-            </a:avLst>
-          </a:prstGeom>
-          <a:noFill/>
-          <a:ln w="9360">
-            <a:solidFill>
-              <a:schemeClr val="dk2"/>
-            </a:solidFill>
-            <a:round/>
           </a:ln>
         </p:spPr>
         <p:style>
@@ -5482,73 +4753,12 @@
           <a:effectRef idx="0"/>
           <a:fontRef idx="minor"/>
         </p:style>
-      </p:sp>
-      <p:sp>
-        <p:nvSpPr>
-          <p:cNvPr id="102" name="CustomShape 4"/>
-          <p:cNvSpPr/>
-          <p:nvPr/>
-        </p:nvSpPr>
-        <p:spPr>
-          <a:xfrm flipH="1" rot="16200000">
-            <a:off x="6700680" y="1488240"/>
-            <a:ext cx="134280" cy="219960"/>
-          </a:xfrm>
-          <a:prstGeom prst="rightBrace">
-            <a:avLst>
-              <a:gd name="adj1" fmla="val 50000"/>
-              <a:gd name="adj2" fmla="val 50000"/>
-            </a:avLst>
-          </a:prstGeom>
-          <a:noFill/>
-          <a:ln w="9360">
-            <a:solidFill>
-              <a:schemeClr val="dk2"/>
-            </a:solidFill>
-            <a:round/>
-          </a:ln>
-        </p:spPr>
-        <p:style>
-          <a:lnRef idx="0"/>
-          <a:fillRef idx="0"/>
-          <a:effectRef idx="0"/>
-          <a:fontRef idx="minor"/>
-        </p:style>
-      </p:sp>
-      <p:sp>
-        <p:nvSpPr>
-          <p:cNvPr id="103" name="CustomShape 5"/>
-          <p:cNvSpPr/>
-          <p:nvPr/>
-        </p:nvSpPr>
-        <p:spPr>
-          <a:xfrm>
-            <a:off x="4881240" y="4114440"/>
-            <a:ext cx="2124000" cy="609480"/>
-          </a:xfrm>
-          <a:prstGeom prst="rect">
-            <a:avLst/>
-          </a:prstGeom>
-          <a:noFill/>
-          <a:ln w="9360">
-            <a:solidFill>
-              <a:srgbClr val="000000"/>
-            </a:solidFill>
-            <a:round/>
-          </a:ln>
-        </p:spPr>
-        <p:style>
-          <a:lnRef idx="0"/>
-          <a:fillRef idx="0"/>
-          <a:effectRef idx="0"/>
-          <a:fontRef idx="minor"/>
-        </p:style>
-        <p:txBody>
-          <a:bodyPr tIns="91440" bIns="91440">
+        <p:txBody>
+          <a:bodyPr lIns="90000" rIns="90000" tIns="91440" bIns="91440">
             <a:spAutoFit/>
           </a:bodyPr>
           <a:p>
-            <a:pPr>
+            <a:pPr algn="ctr">
               <a:lnSpc>
                 <a:spcPct val="100000"/>
               </a:lnSpc>
@@ -5557,55 +4767,151 @@
               </a:tabLst>
             </a:pPr>
             <a:r>
-              <a:rPr b="0" lang="en" sz="1400" spc="-1" strike="noStrike">
+              <a:rPr b="0" lang="en" sz="2000" spc="-1" strike="noStrike">
                 <a:solidFill>
                   <a:srgbClr val="000000"/>
                 </a:solidFill>
                 <a:latin typeface="Arial"/>
                 <a:ea typeface="Arial"/>
               </a:rPr>
-              <a:t>Estimate slope locally within each “bin”</a:t>
-            </a:r>
-            <a:endParaRPr b="0" lang="en-US" sz="1400" spc="-1" strike="noStrike">
-              <a:latin typeface="Arial"/>
-            </a:endParaRPr>
-          </a:p>
-        </p:txBody>
-      </p:sp>
-      <p:sp>
-        <p:nvSpPr>
-          <p:cNvPr id="104" name="CustomShape 6"/>
-          <p:cNvSpPr/>
-          <p:nvPr/>
-        </p:nvSpPr>
-        <p:spPr>
-          <a:xfrm>
-            <a:off x="7161120" y="4112640"/>
-            <a:ext cx="1570320" cy="609480"/>
-          </a:xfrm>
-          <a:prstGeom prst="rect">
-            <a:avLst/>
-          </a:prstGeom>
-          <a:noFill/>
-          <a:ln w="9360">
-            <a:solidFill>
-              <a:srgbClr val="000000"/>
-            </a:solidFill>
-            <a:round/>
-          </a:ln>
-        </p:spPr>
-        <p:style>
-          <a:lnRef idx="0"/>
-          <a:fillRef idx="0"/>
-          <a:effectRef idx="0"/>
-          <a:fontRef idx="minor"/>
-        </p:style>
-        <p:txBody>
-          <a:bodyPr tIns="91440" bIns="91440">
-            <a:spAutoFit/>
-          </a:bodyPr>
-          <a:p>
-            <a:pPr>
+              <a:t>Y = b</a:t>
+            </a:r>
+            <a:r>
+              <a:rPr b="0" lang="en" sz="2000" spc="-1" strike="noStrike" baseline="-25000">
+                <a:solidFill>
+                  <a:srgbClr val="000000"/>
+                </a:solidFill>
+                <a:latin typeface="Arial"/>
+                <a:ea typeface="Arial"/>
+              </a:rPr>
+              <a:t>0</a:t>
+            </a:r>
+            <a:r>
+              <a:rPr b="0" lang="en" sz="2000" spc="-1" strike="noStrike">
+                <a:solidFill>
+                  <a:srgbClr val="000000"/>
+                </a:solidFill>
+                <a:latin typeface="Arial"/>
+                <a:ea typeface="Arial"/>
+              </a:rPr>
+              <a:t> + b</a:t>
+            </a:r>
+            <a:r>
+              <a:rPr b="0" lang="en" sz="2000" spc="-1" strike="noStrike" baseline="-25000">
+                <a:solidFill>
+                  <a:srgbClr val="000000"/>
+                </a:solidFill>
+                <a:latin typeface="Arial"/>
+                <a:ea typeface="Arial"/>
+              </a:rPr>
+              <a:t>1</a:t>
+            </a:r>
+            <a:r>
+              <a:rPr b="0" lang="en" sz="2000" spc="-1" strike="noStrike">
+                <a:solidFill>
+                  <a:srgbClr val="000000"/>
+                </a:solidFill>
+                <a:latin typeface="Arial"/>
+                <a:ea typeface="Arial"/>
+              </a:rPr>
+              <a:t>X</a:t>
+            </a:r>
+            <a:r>
+              <a:rPr b="0" lang="en" sz="2000" spc="-1" strike="noStrike" baseline="-25000">
+                <a:solidFill>
+                  <a:srgbClr val="000000"/>
+                </a:solidFill>
+                <a:latin typeface="Arial"/>
+                <a:ea typeface="Arial"/>
+              </a:rPr>
+              <a:t>1</a:t>
+            </a:r>
+            <a:r>
+              <a:rPr b="0" lang="en" sz="2000" spc="-1" strike="noStrike">
+                <a:solidFill>
+                  <a:srgbClr val="000000"/>
+                </a:solidFill>
+                <a:latin typeface="Arial"/>
+                <a:ea typeface="Arial"/>
+              </a:rPr>
+              <a:t> +  b</a:t>
+            </a:r>
+            <a:r>
+              <a:rPr b="0" lang="en" sz="2000" spc="-1" strike="noStrike" baseline="-25000">
+                <a:solidFill>
+                  <a:srgbClr val="000000"/>
+                </a:solidFill>
+                <a:latin typeface="Arial"/>
+                <a:ea typeface="Arial"/>
+              </a:rPr>
+              <a:t>2</a:t>
+            </a:r>
+            <a:r>
+              <a:rPr b="0" lang="en" sz="2000" spc="-1" strike="noStrike">
+                <a:solidFill>
+                  <a:srgbClr val="000000"/>
+                </a:solidFill>
+                <a:latin typeface="Arial"/>
+                <a:ea typeface="Arial"/>
+              </a:rPr>
+              <a:t>X</a:t>
+            </a:r>
+            <a:r>
+              <a:rPr b="0" lang="en" sz="2000" spc="-1" strike="noStrike" baseline="-25000">
+                <a:solidFill>
+                  <a:srgbClr val="000000"/>
+                </a:solidFill>
+                <a:latin typeface="Arial"/>
+                <a:ea typeface="Arial"/>
+              </a:rPr>
+              <a:t>2</a:t>
+            </a:r>
+            <a:r>
+              <a:rPr b="0" lang="en" sz="2000" spc="-1" strike="noStrike">
+                <a:solidFill>
+                  <a:srgbClr val="000000"/>
+                </a:solidFill>
+                <a:latin typeface="Arial"/>
+                <a:ea typeface="Arial"/>
+              </a:rPr>
+              <a:t> +  b</a:t>
+            </a:r>
+            <a:r>
+              <a:rPr b="0" lang="en" sz="2000" spc="-1" strike="noStrike" baseline="-25000">
+                <a:solidFill>
+                  <a:srgbClr val="000000"/>
+                </a:solidFill>
+                <a:latin typeface="Arial"/>
+                <a:ea typeface="Arial"/>
+              </a:rPr>
+              <a:t>3</a:t>
+            </a:r>
+            <a:r>
+              <a:rPr b="0" lang="en" sz="2000" spc="-1" strike="noStrike">
+                <a:solidFill>
+                  <a:srgbClr val="000000"/>
+                </a:solidFill>
+                <a:latin typeface="Arial"/>
+                <a:ea typeface="Arial"/>
+              </a:rPr>
+              <a:t>X</a:t>
+            </a:r>
+            <a:r>
+              <a:rPr b="0" lang="en" sz="2000" spc="-1" strike="noStrike" baseline="-25000">
+                <a:solidFill>
+                  <a:srgbClr val="000000"/>
+                </a:solidFill>
+                <a:latin typeface="Arial"/>
+                <a:ea typeface="Arial"/>
+              </a:rPr>
+              <a:t>3</a:t>
+            </a:r>
+            <a:endParaRPr b="0" lang="en-US" sz="2000" spc="-1" strike="noStrike">
+              <a:latin typeface="Arial"/>
+            </a:endParaRPr>
+          </a:p>
+          <a:p>
+            <a:pPr algn="ctr">
               <a:lnSpc>
                 <a:spcPct val="100000"/>
               </a:lnSpc>
@@ -5613,169 +4919,59 @@
                 <a:tab algn="l" pos="0"/>
               </a:tabLst>
             </a:pPr>
-            <a:r>
-              <a:rPr b="0" lang="en" sz="1400" spc="-1" strike="noStrike">
+            <a:endParaRPr b="0" lang="en-US" sz="2000" spc="-1" strike="noStrike">
+              <a:latin typeface="Arial"/>
+            </a:endParaRPr>
+          </a:p>
+          <a:p>
+            <a:pPr algn="ctr">
+              <a:lnSpc>
+                <a:spcPct val="100000"/>
+              </a:lnSpc>
+              <a:tabLst>
+                <a:tab algn="l" pos="0"/>
+              </a:tabLst>
+            </a:pPr>
+            <a:r>
+              <a:rPr b="0" lang="en" sz="2000" spc="-1" strike="noStrike">
                 <a:solidFill>
                   <a:srgbClr val="000000"/>
                 </a:solidFill>
                 <a:latin typeface="Arial"/>
                 <a:ea typeface="Arial"/>
               </a:rPr>
-              <a:t>Find</a:t>
-            </a:r>
-            <a:r>
-              <a:rPr b="0" lang="en" sz="1400" spc="-1" strike="noStrike">
-                <a:solidFill>
-                  <a:srgbClr val="ff0000"/>
-                </a:solidFill>
-                <a:latin typeface="Arial"/>
-                <a:ea typeface="Arial"/>
-              </a:rPr>
-              <a:t> median slope</a:t>
-            </a:r>
-            <a:r>
-              <a:rPr b="0" lang="en" sz="1400" spc="-1" strike="noStrike">
-                <a:solidFill>
-                  <a:srgbClr val="000000"/>
-                </a:solidFill>
-                <a:latin typeface="Arial"/>
-                <a:ea typeface="Arial"/>
-              </a:rPr>
-              <a:t> across bins</a:t>
-            </a:r>
-            <a:endParaRPr b="0" lang="en-US" sz="1400" spc="-1" strike="noStrike">
-              <a:latin typeface="Arial"/>
-            </a:endParaRPr>
-          </a:p>
-        </p:txBody>
-      </p:sp>
-      <p:sp>
-        <p:nvSpPr>
-          <p:cNvPr id="105" name="CustomShape 7"/>
-          <p:cNvSpPr/>
+              <a:t>X is given; b is unknown </a:t>
+            </a:r>
+            <a:endParaRPr b="0" lang="en-US" sz="2000" spc="-1" strike="noStrike">
+              <a:latin typeface="Arial"/>
+            </a:endParaRPr>
+          </a:p>
+        </p:txBody>
+      </p:sp>
+      <p:pic>
+        <p:nvPicPr>
+          <p:cNvPr id="98" name="Google Shape;115;p20" descr=""/>
+          <p:cNvPicPr/>
           <p:nvPr/>
-        </p:nvSpPr>
-        <p:spPr>
-          <a:xfrm flipH="1" rot="10800000">
-            <a:off x="5943600" y="1666080"/>
-            <a:ext cx="824400" cy="2448360"/>
-          </a:xfrm>
-          <a:custGeom>
-            <a:avLst/>
-            <a:gdLst/>
-            <a:ahLst/>
-            <a:rect l="l" t="t" r="r" b="b"/>
-            <a:pathLst>
-              <a:path w="21600" h="21600">
-                <a:moveTo>
-                  <a:pt x="0" y="0"/>
-                </a:moveTo>
-                <a:lnTo>
-                  <a:pt x="21600" y="21600"/>
-                </a:lnTo>
-              </a:path>
-            </a:pathLst>
-          </a:custGeom>
-          <a:noFill/>
-          <a:ln w="9360">
-            <a:solidFill>
-              <a:schemeClr val="dk2"/>
-            </a:solidFill>
-            <a:round/>
+        </p:nvPicPr>
+        <p:blipFill>
+          <a:blip r:embed="rId1"/>
+          <a:srcRect l="41258" t="0" r="0" b="0"/>
+          <a:stretch/>
+        </p:blipFill>
+        <p:spPr>
+          <a:xfrm>
+            <a:off x="5115960" y="1324800"/>
+            <a:ext cx="3798720" cy="3638160"/>
+          </a:xfrm>
+          <a:prstGeom prst="rect">
+            <a:avLst/>
+          </a:prstGeom>
+          <a:ln>
+            <a:noFill/>
           </a:ln>
         </p:spPr>
-        <p:style>
-          <a:lnRef idx="0"/>
-          <a:fillRef idx="0"/>
-          <a:effectRef idx="0"/>
-          <a:fontRef idx="minor"/>
-        </p:style>
-      </p:sp>
-      <p:sp>
-        <p:nvSpPr>
-          <p:cNvPr id="106" name="CustomShape 8"/>
-          <p:cNvSpPr/>
-          <p:nvPr/>
-        </p:nvSpPr>
-        <p:spPr>
-          <a:xfrm rot="10800000">
-            <a:off x="5603400" y="2733120"/>
-            <a:ext cx="340200" cy="1381320"/>
-          </a:xfrm>
-          <a:custGeom>
-            <a:avLst/>
-            <a:gdLst/>
-            <a:ahLst/>
-            <a:rect l="l" t="t" r="r" b="b"/>
-            <a:pathLst>
-              <a:path w="21600" h="21600">
-                <a:moveTo>
-                  <a:pt x="0" y="0"/>
-                </a:moveTo>
-                <a:lnTo>
-                  <a:pt x="21600" y="21600"/>
-                </a:lnTo>
-              </a:path>
-            </a:pathLst>
-          </a:custGeom>
-          <a:noFill/>
-          <a:ln w="9360">
-            <a:solidFill>
-              <a:schemeClr val="dk2"/>
-            </a:solidFill>
-            <a:round/>
-          </a:ln>
-        </p:spPr>
-        <p:style>
-          <a:lnRef idx="0"/>
-          <a:fillRef idx="0"/>
-          <a:effectRef idx="0"/>
-          <a:fontRef idx="minor"/>
-        </p:style>
-      </p:sp>
-      <p:sp>
-        <p:nvSpPr>
-          <p:cNvPr id="107" name="CustomShape 9"/>
-          <p:cNvSpPr/>
-          <p:nvPr/>
-        </p:nvSpPr>
-        <p:spPr>
-          <a:xfrm rot="10800000">
-            <a:off x="7822080" y="3561120"/>
-            <a:ext cx="124200" cy="551520"/>
-          </a:xfrm>
-          <a:custGeom>
-            <a:avLst/>
-            <a:gdLst/>
-            <a:ahLst/>
-            <a:rect l="l" t="t" r="r" b="b"/>
-            <a:pathLst>
-              <a:path w="21600" h="21600">
-                <a:moveTo>
-                  <a:pt x="0" y="0"/>
-                </a:moveTo>
-                <a:lnTo>
-                  <a:pt x="21600" y="21600"/>
-                </a:lnTo>
-              </a:path>
-            </a:pathLst>
-          </a:custGeom>
-          <a:noFill/>
-          <a:ln w="9360">
-            <a:solidFill>
-              <a:schemeClr val="dk2"/>
-            </a:solidFill>
-            <a:round/>
-            <a:tailEnd len="med" type="triangle" w="med"/>
-          </a:ln>
-        </p:spPr>
-        <p:style>
-          <a:lnRef idx="0"/>
-          <a:fillRef idx="0"/>
-          <a:effectRef idx="0"/>
-          <a:fontRef idx="minor"/>
-        </p:style>
-      </p:sp>
+      </p:pic>
     </p:spTree>
   </p:cSld>
   <mc:AlternateContent>
@@ -5808,14 +5004,14 @@
       </p:grpSpPr>
       <p:sp>
         <p:nvSpPr>
-          <p:cNvPr id="108" name="TextShape 1"/>
-          <p:cNvSpPr txBox="1"/>
+          <p:cNvPr id="99" name="CustomShape 1"/>
+          <p:cNvSpPr/>
           <p:nvPr/>
         </p:nvSpPr>
         <p:spPr>
           <a:xfrm>
             <a:off x="311760" y="444960"/>
-            <a:ext cx="8520120" cy="572400"/>
+            <a:ext cx="8519760" cy="572040"/>
           </a:xfrm>
           <a:prstGeom prst="rect">
             <a:avLst/>
@@ -5825,8 +5021,14 @@
             <a:noFill/>
           </a:ln>
         </p:spPr>
-        <p:txBody>
-          <a:bodyPr tIns="91440" bIns="91440">
+        <p:style>
+          <a:lnRef idx="0"/>
+          <a:fillRef idx="0"/>
+          <a:effectRef idx="0"/>
+          <a:fontRef idx="minor"/>
+        </p:style>
+        <p:txBody>
+          <a:bodyPr lIns="90000" rIns="90000" tIns="91440" bIns="91440">
             <a:normAutofit fontScale="97000"/>
           </a:bodyPr>
           <a:p>
@@ -5846,27 +5048,47 @@
                 <a:latin typeface="Arial"/>
                 <a:ea typeface="Arial"/>
               </a:rPr>
-              <a:t>What we did</a:t>
+              <a:t>I hope you can:</a:t>
             </a:r>
             <a:endParaRPr b="0" lang="en-US" sz="2800" spc="-1" strike="noStrike">
-              <a:solidFill>
-                <a:srgbClr val="000000"/>
-              </a:solidFill>
-              <a:latin typeface="Arial"/>
-            </a:endParaRPr>
-          </a:p>
-        </p:txBody>
-      </p:sp>
-      <p:sp>
-        <p:nvSpPr>
-          <p:cNvPr id="109" name="TextShape 2"/>
-          <p:cNvSpPr txBox="1"/>
+              <a:latin typeface="Arial"/>
+            </a:endParaRPr>
+          </a:p>
+        </p:txBody>
+      </p:sp>
+      <p:pic>
+        <p:nvPicPr>
+          <p:cNvPr id="100" name="Google Shape;127;p22" descr=""/>
+          <p:cNvPicPr/>
           <p:nvPr/>
-        </p:nvSpPr>
-        <p:spPr>
-          <a:xfrm>
-            <a:off x="311760" y="1152360"/>
-            <a:ext cx="4628520" cy="3416040"/>
+        </p:nvPicPr>
+        <p:blipFill>
+          <a:blip r:embed="rId1"/>
+          <a:stretch/>
+        </p:blipFill>
+        <p:spPr>
+          <a:xfrm>
+            <a:off x="4304880" y="1229400"/>
+            <a:ext cx="4533480" cy="2829240"/>
+          </a:xfrm>
+          <a:prstGeom prst="rect">
+            <a:avLst/>
+          </a:prstGeom>
+          <a:ln>
+            <a:noFill/>
+          </a:ln>
+        </p:spPr>
+      </p:pic>
+      <p:sp>
+        <p:nvSpPr>
+          <p:cNvPr id="101" name="CustomShape 2"/>
+          <p:cNvSpPr/>
+          <p:nvPr/>
+        </p:nvSpPr>
+        <p:spPr>
+          <a:xfrm>
+            <a:off x="2002680" y="4388400"/>
+            <a:ext cx="6968880" cy="609120"/>
           </a:xfrm>
           <a:prstGeom prst="rect">
             <a:avLst/>
@@ -5876,12 +5098,95 @@
             <a:noFill/>
           </a:ln>
         </p:spPr>
-        <p:txBody>
-          <a:bodyPr tIns="91440" bIns="91440">
+        <p:style>
+          <a:lnRef idx="0"/>
+          <a:fillRef idx="0"/>
+          <a:effectRef idx="0"/>
+          <a:fontRef idx="minor"/>
+        </p:style>
+        <p:txBody>
+          <a:bodyPr lIns="90000" rIns="90000" tIns="91440" bIns="91440">
+            <a:spAutoFit/>
+          </a:bodyPr>
+          <a:p>
+            <a:pPr>
+              <a:lnSpc>
+                <a:spcPct val="100000"/>
+              </a:lnSpc>
+              <a:tabLst>
+                <a:tab algn="l" pos="0"/>
+              </a:tabLst>
+            </a:pPr>
+            <a:r>
+              <a:rPr b="0" lang="en" sz="1400" spc="-1" strike="noStrike">
+                <a:solidFill>
+                  <a:srgbClr val="000000"/>
+                </a:solidFill>
+                <a:latin typeface="Arial"/>
+                <a:ea typeface="Arial"/>
+              </a:rPr>
+              <a:t>Image from the Baltimore Sun darkroom: Inner Harbor during the 1973 City Fair.</a:t>
+            </a:r>
+            <a:endParaRPr b="0" lang="en-US" sz="1400" spc="-1" strike="noStrike">
+              <a:latin typeface="Arial"/>
+            </a:endParaRPr>
+          </a:p>
+          <a:p>
+            <a:pPr>
+              <a:lnSpc>
+                <a:spcPct val="100000"/>
+              </a:lnSpc>
+              <a:tabLst>
+                <a:tab algn="l" pos="0"/>
+              </a:tabLst>
+            </a:pPr>
+            <a:r>
+              <a:rPr b="0" lang="en" sz="1400" spc="-1" strike="noStrike">
+                <a:solidFill>
+                  <a:srgbClr val="000000"/>
+                </a:solidFill>
+                <a:latin typeface="Arial"/>
+                <a:ea typeface="Arial"/>
+              </a:rPr>
+              <a:t>https://darkroom.baltimoresun.com/2016/10/a-birds-eye-view-of-baltimore-in-1973/#1</a:t>
+            </a:r>
+            <a:endParaRPr b="0" lang="en-US" sz="1400" spc="-1" strike="noStrike">
+              <a:latin typeface="Arial"/>
+            </a:endParaRPr>
+          </a:p>
+        </p:txBody>
+      </p:sp>
+      <p:sp>
+        <p:nvSpPr>
+          <p:cNvPr id="102" name="CustomShape 3"/>
+          <p:cNvSpPr/>
+          <p:nvPr/>
+        </p:nvSpPr>
+        <p:spPr>
+          <a:xfrm>
+            <a:off x="311760" y="1152360"/>
+            <a:ext cx="3954600" cy="2906280"/>
+          </a:xfrm>
+          <a:prstGeom prst="rect">
+            <a:avLst/>
+          </a:prstGeom>
+          <a:noFill/>
+          <a:ln>
+            <a:noFill/>
+          </a:ln>
+        </p:spPr>
+        <p:style>
+          <a:lnRef idx="0"/>
+          <a:fillRef idx="0"/>
+          <a:effectRef idx="0"/>
+          <a:fontRef idx="minor"/>
+        </p:style>
+        <p:txBody>
+          <a:bodyPr lIns="90000" rIns="90000" tIns="91440" bIns="91440">
             <a:normAutofit/>
           </a:bodyPr>
           <a:p>
-            <a:pPr marL="457200" indent="-342720">
+            <a:pPr marL="457200" indent="-342360">
               <a:lnSpc>
                 <a:spcPct val="115000"/>
               </a:lnSpc>
@@ -5899,17 +5204,14 @@
                 <a:latin typeface="Arial"/>
                 <a:ea typeface="Arial"/>
               </a:rPr>
-              <a:t>Model selection (lesson 6): We selected subsets of three “predictor” variables on an outcome, based on three criteria.</a:t>
+              <a:t>Get stuff done</a:t>
             </a:r>
             <a:endParaRPr b="0" lang="en-US" sz="1800" spc="-1" strike="noStrike">
-              <a:solidFill>
-                <a:srgbClr val="000000"/>
-              </a:solidFill>
-              <a:latin typeface="Arial"/>
-            </a:endParaRPr>
-          </a:p>
-          <a:p>
-            <a:pPr lvl="1" marL="914400" indent="-317160">
+              <a:latin typeface="Arial"/>
+            </a:endParaRPr>
+          </a:p>
+          <a:p>
+            <a:pPr marL="457200" indent="-342360">
               <a:lnSpc>
                 <a:spcPct val="115000"/>
               </a:lnSpc>
@@ -5917,357 +5219,24 @@
                 <a:srgbClr val="000000"/>
               </a:buClr>
               <a:buFont typeface="Arial"/>
-              <a:buChar char="○"/>
+              <a:buChar char="●"/>
             </a:pPr>
             <a:r>
-              <a:rPr b="0" lang="en" sz="1400" spc="-1" strike="noStrike">
+              <a:rPr b="0" lang="en" sz="1800" spc="-1" strike="noStrike">
                 <a:solidFill>
                   <a:srgbClr val="000000"/>
                 </a:solidFill>
                 <a:latin typeface="Arial"/>
                 <a:ea typeface="Arial"/>
               </a:rPr>
-              <a:t>“</a:t>
-            </a:r>
-            <a:r>
-              <a:rPr b="0" lang="en" sz="1400" spc="-1" strike="noStrike">
-                <a:solidFill>
-                  <a:srgbClr val="000000"/>
-                </a:solidFill>
-                <a:latin typeface="Arial"/>
-                <a:ea typeface="Arial"/>
-              </a:rPr>
-              <a:t>Best fit to the sample” always uses all predictors</a:t>
-            </a:r>
-            <a:endParaRPr b="0" lang="en-US" sz="1400" spc="-1" strike="noStrike">
-              <a:solidFill>
-                <a:srgbClr val="000000"/>
-              </a:solidFill>
-              <a:latin typeface="Arial"/>
-            </a:endParaRPr>
-          </a:p>
-          <a:p>
-            <a:pPr lvl="1" marL="914400" indent="-317160">
-              <a:lnSpc>
-                <a:spcPct val="115000"/>
-              </a:lnSpc>
-              <a:buClr>
-                <a:srgbClr val="000000"/>
-              </a:buClr>
-              <a:buFont typeface="Arial"/>
-              <a:buChar char="○"/>
-            </a:pPr>
-            <a:r>
-              <a:rPr b="0" lang="en" sz="1400" spc="-1" strike="noStrike">
-                <a:solidFill>
-                  <a:srgbClr val="000000"/>
-                </a:solidFill>
-                <a:latin typeface="Arial"/>
-                <a:ea typeface="Arial"/>
-              </a:rPr>
-              <a:t>“</a:t>
-            </a:r>
-            <a:r>
-              <a:rPr b="0" lang="en" sz="1400" spc="-1" strike="noStrike">
-                <a:solidFill>
-                  <a:srgbClr val="000000"/>
-                </a:solidFill>
-                <a:latin typeface="Arial"/>
-                <a:ea typeface="Arial"/>
-              </a:rPr>
-              <a:t>Null hypothesis testing” uses a predictor only if it clears a strict standard of evidence</a:t>
-            </a:r>
-            <a:endParaRPr b="0" lang="en-US" sz="1400" spc="-1" strike="noStrike">
-              <a:solidFill>
-                <a:srgbClr val="000000"/>
-              </a:solidFill>
-              <a:latin typeface="Arial"/>
-            </a:endParaRPr>
-          </a:p>
-          <a:p>
-            <a:pPr lvl="1" marL="914400" indent="-317160">
-              <a:lnSpc>
-                <a:spcPct val="115000"/>
-              </a:lnSpc>
-              <a:buClr>
-                <a:srgbClr val="000000"/>
-              </a:buClr>
-              <a:buFont typeface="Arial"/>
-              <a:buChar char="○"/>
-            </a:pPr>
-            <a:r>
-              <a:rPr b="0" lang="en" sz="1400" spc="-1" strike="noStrike">
-                <a:solidFill>
-                  <a:srgbClr val="000000"/>
-                </a:solidFill>
-                <a:latin typeface="Arial"/>
-                <a:ea typeface="Arial"/>
-              </a:rPr>
-              <a:t>“</a:t>
-            </a:r>
-            <a:r>
-              <a:rPr b="0" lang="en" sz="1400" spc="-1" strike="noStrike">
-                <a:solidFill>
-                  <a:srgbClr val="000000"/>
-                </a:solidFill>
-                <a:latin typeface="Arial"/>
-                <a:ea typeface="Arial"/>
-              </a:rPr>
-              <a:t>Train-test split” is in between</a:t>
-            </a:r>
-            <a:endParaRPr b="0" lang="en-US" sz="1400" spc="-1" strike="noStrike">
-              <a:solidFill>
-                <a:srgbClr val="000000"/>
-              </a:solidFill>
-              <a:latin typeface="Arial"/>
-            </a:endParaRPr>
-          </a:p>
-        </p:txBody>
-      </p:sp>
-      <p:sp>
-        <p:nvSpPr>
-          <p:cNvPr id="110" name="CustomShape 3"/>
-          <p:cNvSpPr/>
-          <p:nvPr/>
-        </p:nvSpPr>
-        <p:spPr>
-          <a:xfrm>
-            <a:off x="5283000" y="298800"/>
-            <a:ext cx="3396960" cy="1139040"/>
-          </a:xfrm>
-          <a:prstGeom prst="rect">
-            <a:avLst/>
-          </a:prstGeom>
-          <a:noFill/>
-          <a:ln>
-            <a:noFill/>
-          </a:ln>
-        </p:spPr>
-        <p:style>
-          <a:lnRef idx="0"/>
-          <a:fillRef idx="0"/>
-          <a:effectRef idx="0"/>
-          <a:fontRef idx="minor"/>
-        </p:style>
-        <p:txBody>
-          <a:bodyPr tIns="91440" bIns="91440">
-            <a:spAutoFit/>
-          </a:bodyPr>
-          <a:p>
-            <a:pPr algn="ctr">
-              <a:lnSpc>
-                <a:spcPct val="100000"/>
-              </a:lnSpc>
-              <a:tabLst>
-                <a:tab algn="l" pos="0"/>
-              </a:tabLst>
-            </a:pPr>
-            <a:r>
-              <a:rPr b="0" lang="en" sz="2000" spc="-1" strike="noStrike">
-                <a:solidFill>
-                  <a:srgbClr val="000000"/>
-                </a:solidFill>
-                <a:latin typeface="Arial"/>
-                <a:ea typeface="Arial"/>
-              </a:rPr>
-              <a:t>Y = b</a:t>
-            </a:r>
-            <a:r>
-              <a:rPr b="0" lang="en" sz="2000" spc="-1" strike="noStrike" baseline="-25000">
-                <a:solidFill>
-                  <a:srgbClr val="000000"/>
-                </a:solidFill>
-                <a:latin typeface="Arial"/>
-                <a:ea typeface="Arial"/>
-              </a:rPr>
-              <a:t>0</a:t>
-            </a:r>
-            <a:r>
-              <a:rPr b="0" lang="en" sz="2000" spc="-1" strike="noStrike">
-                <a:solidFill>
-                  <a:srgbClr val="000000"/>
-                </a:solidFill>
-                <a:latin typeface="Arial"/>
-                <a:ea typeface="Arial"/>
-              </a:rPr>
-              <a:t> + b</a:t>
-            </a:r>
-            <a:r>
-              <a:rPr b="0" lang="en" sz="2000" spc="-1" strike="noStrike" baseline="-25000">
-                <a:solidFill>
-                  <a:srgbClr val="000000"/>
-                </a:solidFill>
-                <a:latin typeface="Arial"/>
-                <a:ea typeface="Arial"/>
-              </a:rPr>
-              <a:t>1</a:t>
-            </a:r>
-            <a:r>
-              <a:rPr b="0" lang="en" sz="2000" spc="-1" strike="noStrike">
-                <a:solidFill>
-                  <a:srgbClr val="000000"/>
-                </a:solidFill>
-                <a:latin typeface="Arial"/>
-                <a:ea typeface="Arial"/>
-              </a:rPr>
-              <a:t>X</a:t>
-            </a:r>
-            <a:r>
-              <a:rPr b="0" lang="en" sz="2000" spc="-1" strike="noStrike" baseline="-25000">
-                <a:solidFill>
-                  <a:srgbClr val="000000"/>
-                </a:solidFill>
-                <a:latin typeface="Arial"/>
-                <a:ea typeface="Arial"/>
-              </a:rPr>
-              <a:t>1</a:t>
-            </a:r>
-            <a:r>
-              <a:rPr b="0" lang="en" sz="2000" spc="-1" strike="noStrike">
-                <a:solidFill>
-                  <a:srgbClr val="000000"/>
-                </a:solidFill>
-                <a:latin typeface="Arial"/>
-                <a:ea typeface="Arial"/>
-              </a:rPr>
-              <a:t> +  b</a:t>
-            </a:r>
-            <a:r>
-              <a:rPr b="0" lang="en" sz="2000" spc="-1" strike="noStrike" baseline="-25000">
-                <a:solidFill>
-                  <a:srgbClr val="000000"/>
-                </a:solidFill>
-                <a:latin typeface="Arial"/>
-                <a:ea typeface="Arial"/>
-              </a:rPr>
-              <a:t>2</a:t>
-            </a:r>
-            <a:r>
-              <a:rPr b="0" lang="en" sz="2000" spc="-1" strike="noStrike">
-                <a:solidFill>
-                  <a:srgbClr val="000000"/>
-                </a:solidFill>
-                <a:latin typeface="Arial"/>
-                <a:ea typeface="Arial"/>
-              </a:rPr>
-              <a:t>X</a:t>
-            </a:r>
-            <a:r>
-              <a:rPr b="0" lang="en" sz="2000" spc="-1" strike="noStrike" baseline="-25000">
-                <a:solidFill>
-                  <a:srgbClr val="000000"/>
-                </a:solidFill>
-                <a:latin typeface="Arial"/>
-                <a:ea typeface="Arial"/>
-              </a:rPr>
-              <a:t>2</a:t>
-            </a:r>
-            <a:r>
-              <a:rPr b="0" lang="en" sz="2000" spc="-1" strike="noStrike">
-                <a:solidFill>
-                  <a:srgbClr val="000000"/>
-                </a:solidFill>
-                <a:latin typeface="Arial"/>
-                <a:ea typeface="Arial"/>
-              </a:rPr>
-              <a:t> +  b</a:t>
-            </a:r>
-            <a:r>
-              <a:rPr b="0" lang="en" sz="2000" spc="-1" strike="noStrike" baseline="-25000">
-                <a:solidFill>
-                  <a:srgbClr val="000000"/>
-                </a:solidFill>
-                <a:latin typeface="Arial"/>
-                <a:ea typeface="Arial"/>
-              </a:rPr>
-              <a:t>3</a:t>
-            </a:r>
-            <a:r>
-              <a:rPr b="0" lang="en" sz="2000" spc="-1" strike="noStrike">
-                <a:solidFill>
-                  <a:srgbClr val="000000"/>
-                </a:solidFill>
-                <a:latin typeface="Arial"/>
-                <a:ea typeface="Arial"/>
-              </a:rPr>
-              <a:t>X</a:t>
-            </a:r>
-            <a:r>
-              <a:rPr b="0" lang="en" sz="2000" spc="-1" strike="noStrike" baseline="-25000">
-                <a:solidFill>
-                  <a:srgbClr val="000000"/>
-                </a:solidFill>
-                <a:latin typeface="Arial"/>
-                <a:ea typeface="Arial"/>
-              </a:rPr>
-              <a:t>3</a:t>
-            </a:r>
-            <a:endParaRPr b="0" lang="en-US" sz="2000" spc="-1" strike="noStrike">
-              <a:latin typeface="Arial"/>
-            </a:endParaRPr>
-          </a:p>
-          <a:p>
-            <a:pPr algn="ctr">
-              <a:lnSpc>
-                <a:spcPct val="100000"/>
-              </a:lnSpc>
-              <a:tabLst>
-                <a:tab algn="l" pos="0"/>
-              </a:tabLst>
-            </a:pPr>
-            <a:endParaRPr b="0" lang="en-US" sz="2000" spc="-1" strike="noStrike">
-              <a:latin typeface="Arial"/>
-            </a:endParaRPr>
-          </a:p>
-          <a:p>
-            <a:pPr algn="ctr">
-              <a:lnSpc>
-                <a:spcPct val="100000"/>
-              </a:lnSpc>
-              <a:tabLst>
-                <a:tab algn="l" pos="0"/>
-              </a:tabLst>
-            </a:pPr>
-            <a:r>
-              <a:rPr b="0" lang="en" sz="2000" spc="-1" strike="noStrike">
-                <a:solidFill>
-                  <a:srgbClr val="000000"/>
-                </a:solidFill>
-                <a:latin typeface="Arial"/>
-                <a:ea typeface="Arial"/>
-              </a:rPr>
-              <a:t>X given; b unknown </a:t>
-            </a:r>
-            <a:endParaRPr b="0" lang="en-US" sz="2000" spc="-1" strike="noStrike">
-              <a:latin typeface="Arial"/>
-            </a:endParaRPr>
-          </a:p>
-        </p:txBody>
-      </p:sp>
-      <p:pic>
-        <p:nvPicPr>
-          <p:cNvPr id="111" name="Google Shape;115;p20" descr=""/>
-          <p:cNvPicPr/>
-          <p:nvPr/>
-        </p:nvPicPr>
-        <p:blipFill>
-          <a:blip r:embed="rId1"/>
-          <a:srcRect l="41264" t="0" r="0" b="0"/>
-          <a:stretch/>
-        </p:blipFill>
-        <p:spPr>
-          <a:xfrm>
-            <a:off x="5115960" y="1324800"/>
-            <a:ext cx="3799080" cy="3638520"/>
-          </a:xfrm>
-          <a:prstGeom prst="rect">
-            <a:avLst/>
-          </a:prstGeom>
-          <a:ln>
-            <a:noFill/>
-          </a:ln>
-        </p:spPr>
-      </p:pic>
+              <a:t>Take a bird’s-eye view</a:t>
+            </a:r>
+            <a:endParaRPr b="0" lang="en-US" sz="1800" spc="-1" strike="noStrike">
+              <a:latin typeface="Arial"/>
+            </a:endParaRPr>
+          </a:p>
+        </p:txBody>
+      </p:sp>
     </p:spTree>
   </p:cSld>
   <mc:AlternateContent>
@@ -6300,14 +5269,14 @@
       </p:grpSpPr>
       <p:sp>
         <p:nvSpPr>
-          <p:cNvPr id="112" name="TextShape 1"/>
-          <p:cNvSpPr txBox="1"/>
+          <p:cNvPr id="103" name="CustomShape 1"/>
+          <p:cNvSpPr/>
           <p:nvPr/>
         </p:nvSpPr>
         <p:spPr>
           <a:xfrm>
             <a:off x="311760" y="444960"/>
-            <a:ext cx="8520120" cy="572400"/>
+            <a:ext cx="8519760" cy="572040"/>
           </a:xfrm>
           <a:prstGeom prst="rect">
             <a:avLst/>
@@ -6317,8 +5286,14 @@
             <a:noFill/>
           </a:ln>
         </p:spPr>
-        <p:txBody>
-          <a:bodyPr tIns="91440" bIns="91440">
+        <p:style>
+          <a:lnRef idx="0"/>
+          <a:fillRef idx="0"/>
+          <a:effectRef idx="0"/>
+          <a:fontRef idx="minor"/>
+        </p:style>
+        <p:txBody>
+          <a:bodyPr lIns="90000" rIns="90000" tIns="91440" bIns="91440">
             <a:normAutofit fontScale="97000"/>
           </a:bodyPr>
           <a:p>
@@ -6338,27 +5313,24 @@
                 <a:latin typeface="Arial"/>
                 <a:ea typeface="Arial"/>
               </a:rPr>
-              <a:t>Priorities of different fields</a:t>
+              <a:t>How the class works</a:t>
             </a:r>
             <a:endParaRPr b="0" lang="en-US" sz="2800" spc="-1" strike="noStrike">
-              <a:solidFill>
-                <a:srgbClr val="000000"/>
-              </a:solidFill>
-              <a:latin typeface="Arial"/>
-            </a:endParaRPr>
-          </a:p>
-        </p:txBody>
-      </p:sp>
-      <p:sp>
-        <p:nvSpPr>
-          <p:cNvPr id="113" name="TextShape 2"/>
-          <p:cNvSpPr txBox="1"/>
+              <a:latin typeface="Arial"/>
+            </a:endParaRPr>
+          </a:p>
+        </p:txBody>
+      </p:sp>
+      <p:sp>
+        <p:nvSpPr>
+          <p:cNvPr id="104" name="CustomShape 2"/>
+          <p:cNvSpPr/>
           <p:nvPr/>
         </p:nvSpPr>
         <p:spPr>
           <a:xfrm>
             <a:off x="311760" y="1152360"/>
-            <a:ext cx="8520120" cy="3416040"/>
+            <a:ext cx="8519760" cy="3415680"/>
           </a:xfrm>
           <a:prstGeom prst="rect">
             <a:avLst/>
@@ -6368,67 +5340,25 @@
             <a:noFill/>
           </a:ln>
         </p:spPr>
-        <p:txBody>
-          <a:bodyPr tIns="91440" bIns="91440">
+        <p:style>
+          <a:lnRef idx="0"/>
+          <a:fillRef idx="0"/>
+          <a:effectRef idx="0"/>
+          <a:fontRef idx="minor"/>
+        </p:style>
+        <p:txBody>
+          <a:bodyPr lIns="90000" rIns="90000" tIns="91440" bIns="91440">
             <a:normAutofit/>
           </a:bodyPr>
           <a:p>
-            <a:pPr marL="457200" indent="-342720">
+            <a:pPr>
               <a:lnSpc>
                 <a:spcPct val="115000"/>
               </a:lnSpc>
-              <a:buClr>
-                <a:srgbClr val="000000"/>
-              </a:buClr>
-              <a:buFont typeface="Arial"/>
-              <a:buChar char="●"/>
+              <a:tabLst>
+                <a:tab algn="l" pos="0"/>
+              </a:tabLst>
             </a:pPr>
-            <a:endParaRPr b="0" lang="en-US" sz="1400" spc="-1" strike="noStrike">
-              <a:solidFill>
-                <a:srgbClr val="000000"/>
-              </a:solidFill>
-              <a:latin typeface="Arial"/>
-            </a:endParaRPr>
-          </a:p>
-          <a:p>
-            <a:pPr marL="457200" indent="-342720">
-              <a:lnSpc>
-                <a:spcPct val="115000"/>
-              </a:lnSpc>
-              <a:buClr>
-                <a:srgbClr val="000000"/>
-              </a:buClr>
-              <a:buFont typeface="Arial"/>
-              <a:buChar char="●"/>
-            </a:pPr>
-            <a:endParaRPr b="0" lang="en-US" sz="1400" spc="-1" strike="noStrike">
-              <a:solidFill>
-                <a:srgbClr val="000000"/>
-              </a:solidFill>
-              <a:latin typeface="Arial"/>
-            </a:endParaRPr>
-          </a:p>
-          <a:p>
-            <a:pPr marL="457200" indent="-342720">
-              <a:lnSpc>
-                <a:spcPct val="115000"/>
-              </a:lnSpc>
-              <a:buClr>
-                <a:srgbClr val="000000"/>
-              </a:buClr>
-              <a:buFont typeface="Arial"/>
-              <a:buChar char="●"/>
-            </a:pPr>
-            <a:r>
-              <a:rPr b="0" lang="en" sz="1800" spc="-1" strike="noStrike">
-                <a:solidFill>
-                  <a:srgbClr val="ff0000"/>
-                </a:solidFill>
-                <a:latin typeface="Arial"/>
-                <a:ea typeface="Arial"/>
-              </a:rPr>
-              <a:t>Applied math: </a:t>
-            </a:r>
             <a:r>
               <a:rPr b="0" lang="en" sz="1800" spc="-1" strike="noStrike">
                 <a:solidFill>
@@ -6437,36 +5367,21 @@
                 <a:latin typeface="Arial"/>
                 <a:ea typeface="Arial"/>
               </a:rPr>
-              <a:t>no measurement error</a:t>
+              <a:t>- Course website: https://github.com/ekernf01/HEART_choosing_stat_methods</a:t>
             </a:r>
             <a:endParaRPr b="0" lang="en-US" sz="1800" spc="-1" strike="noStrike">
-              <a:solidFill>
-                <a:srgbClr val="000000"/>
-              </a:solidFill>
-              <a:latin typeface="Arial"/>
-            </a:endParaRPr>
-          </a:p>
-          <a:p>
-            <a:pPr marL="457200" indent="-342720">
+              <a:latin typeface="Arial"/>
+            </a:endParaRPr>
+          </a:p>
+          <a:p>
+            <a:pPr>
               <a:lnSpc>
                 <a:spcPct val="115000"/>
               </a:lnSpc>
-              <a:buClr>
-                <a:srgbClr val="000000"/>
-              </a:buClr>
-              <a:buFont typeface="Arial"/>
-              <a:buChar char="●"/>
+              <a:tabLst>
+                <a:tab algn="l" pos="0"/>
+              </a:tabLst>
             </a:pPr>
-            <a:r>
-              <a:rPr b="0" lang="en" sz="1800" spc="-1" strike="noStrike">
-                <a:solidFill>
-                  <a:srgbClr val="ff0000"/>
-                </a:solidFill>
-                <a:latin typeface="Arial"/>
-                <a:ea typeface="Arial"/>
-              </a:rPr>
-              <a:t>Most intro stats: </a:t>
-            </a:r>
             <a:r>
               <a:rPr b="0" lang="en" sz="1800" spc="-1" strike="noStrike">
                 <a:solidFill>
@@ -6475,36 +5390,21 @@
                 <a:latin typeface="Arial"/>
                 <a:ea typeface="Arial"/>
               </a:rPr>
-              <a:t>well-understood measurement error</a:t>
+              <a:t>- All admin info is in the syllabus.</a:t>
             </a:r>
             <a:endParaRPr b="0" lang="en-US" sz="1800" spc="-1" strike="noStrike">
-              <a:solidFill>
-                <a:srgbClr val="000000"/>
-              </a:solidFill>
-              <a:latin typeface="Arial"/>
-            </a:endParaRPr>
-          </a:p>
-          <a:p>
-            <a:pPr marL="457200" indent="-342720">
+              <a:latin typeface="Arial"/>
+            </a:endParaRPr>
+          </a:p>
+          <a:p>
+            <a:pPr>
               <a:lnSpc>
                 <a:spcPct val="115000"/>
               </a:lnSpc>
-              <a:buClr>
-                <a:srgbClr val="000000"/>
-              </a:buClr>
-              <a:buFont typeface="Arial"/>
-              <a:buChar char="●"/>
+              <a:tabLst>
+                <a:tab algn="l" pos="0"/>
+              </a:tabLst>
             </a:pPr>
-            <a:r>
-              <a:rPr b="0" lang="en" sz="1800" spc="-1" strike="noStrike">
-                <a:solidFill>
-                  <a:srgbClr val="ff0000"/>
-                </a:solidFill>
-                <a:latin typeface="Arial"/>
-                <a:ea typeface="Arial"/>
-              </a:rPr>
-              <a:t>Modern stats research: </a:t>
-            </a:r>
             <a:r>
               <a:rPr b="0" lang="en" sz="1800" spc="-1" strike="noStrike">
                 <a:solidFill>
@@ -6513,36 +5413,21 @@
                 <a:latin typeface="Arial"/>
                 <a:ea typeface="Arial"/>
               </a:rPr>
-              <a:t>poorly understood measurement error </a:t>
+              <a:t>- You need a computer that can access the internet. </a:t>
             </a:r>
             <a:endParaRPr b="0" lang="en-US" sz="1800" spc="-1" strike="noStrike">
-              <a:solidFill>
-                <a:srgbClr val="000000"/>
-              </a:solidFill>
-              <a:latin typeface="Arial"/>
-            </a:endParaRPr>
-          </a:p>
-          <a:p>
-            <a:pPr marL="457200" indent="-342720">
+              <a:latin typeface="Arial"/>
+            </a:endParaRPr>
+          </a:p>
+          <a:p>
+            <a:pPr>
               <a:lnSpc>
                 <a:spcPct val="115000"/>
               </a:lnSpc>
-              <a:buClr>
-                <a:srgbClr val="000000"/>
-              </a:buClr>
-              <a:buFont typeface="Arial"/>
-              <a:buChar char="●"/>
+              <a:tabLst>
+                <a:tab algn="l" pos="0"/>
+              </a:tabLst>
             </a:pPr>
-            <a:r>
-              <a:rPr b="0" lang="en" sz="1800" spc="-1" strike="noStrike">
-                <a:solidFill>
-                  <a:srgbClr val="ff0000"/>
-                </a:solidFill>
-                <a:latin typeface="Arial"/>
-                <a:ea typeface="Arial"/>
-              </a:rPr>
-              <a:t>Most modern ML: </a:t>
-            </a:r>
             <a:r>
               <a:rPr b="0" lang="en" sz="1800" spc="-1" strike="noStrike">
                 <a:solidFill>
@@ -6551,30 +5436,9 @@
                 <a:latin typeface="Arial"/>
                 <a:ea typeface="Arial"/>
               </a:rPr>
-              <a:t>“We want good predictions and we don’t care how the system we’re studying actually works.”</a:t>
+              <a:t>- Expectations: </a:t>
             </a:r>
             <a:endParaRPr b="0" lang="en-US" sz="1800" spc="-1" strike="noStrike">
-              <a:solidFill>
-                <a:srgbClr val="000000"/>
-              </a:solidFill>
-              <a:latin typeface="Arial"/>
-            </a:endParaRPr>
-          </a:p>
-          <a:p>
-            <a:pPr marL="457200" indent="-342720">
-              <a:lnSpc>
-                <a:spcPct val="115000"/>
-              </a:lnSpc>
-              <a:buClr>
-                <a:srgbClr val="000000"/>
-              </a:buClr>
-              <a:buFont typeface="Arial"/>
-              <a:buChar char="●"/>
-            </a:pPr>
-            <a:endParaRPr b="0" lang="en-US" sz="1800" spc="-1" strike="noStrike">
-              <a:solidFill>
-                <a:srgbClr val="000000"/>
-              </a:solidFill>
               <a:latin typeface="Arial"/>
             </a:endParaRPr>
           </a:p>
@@ -6583,6 +5447,9 @@
               <a:lnSpc>
                 <a:spcPct val="115000"/>
               </a:lnSpc>
+              <a:tabLst>
+                <a:tab algn="l" pos="0"/>
+              </a:tabLst>
             </a:pPr>
             <a:r>
               <a:rPr b="0" lang="en" sz="1800" spc="-1" strike="noStrike">
@@ -6590,13 +5457,120 @@
                   <a:srgbClr val="000000"/>
                 </a:solidFill>
                 <a:latin typeface="Arial"/>
-              </a:rPr>
-              <a:t>You can borrow from anyone whose priorities match your priorities. </a:t>
+                <a:ea typeface="Arial"/>
+              </a:rPr>
+              <a:t>	</a:t>
+            </a:r>
+            <a:r>
+              <a:rPr b="0" lang="en" sz="1800" spc="-1" strike="noStrike">
+                <a:solidFill>
+                  <a:srgbClr val="000000"/>
+                </a:solidFill>
+                <a:latin typeface="Arial"/>
+                <a:ea typeface="Arial"/>
+              </a:rPr>
+              <a:t>- Please do not come to class if you have respiratory symptoms.</a:t>
             </a:r>
             <a:endParaRPr b="0" lang="en-US" sz="1800" spc="-1" strike="noStrike">
-              <a:solidFill>
-                <a:srgbClr val="000000"/>
-              </a:solidFill>
+              <a:latin typeface="Arial"/>
+            </a:endParaRPr>
+          </a:p>
+          <a:p>
+            <a:pPr>
+              <a:lnSpc>
+                <a:spcPct val="115000"/>
+              </a:lnSpc>
+              <a:tabLst>
+                <a:tab algn="l" pos="0"/>
+              </a:tabLst>
+            </a:pPr>
+            <a:r>
+              <a:rPr b="0" lang="en" sz="1800" spc="-1" strike="noStrike">
+                <a:solidFill>
+                  <a:srgbClr val="000000"/>
+                </a:solidFill>
+                <a:latin typeface="Arial"/>
+                <a:ea typeface="Arial"/>
+              </a:rPr>
+              <a:t>	</a:t>
+            </a:r>
+            <a:r>
+              <a:rPr b="0" lang="en" sz="1800" spc="-1" strike="noStrike">
+                <a:solidFill>
+                  <a:srgbClr val="000000"/>
+                </a:solidFill>
+                <a:latin typeface="Arial"/>
+                <a:ea typeface="Arial"/>
+              </a:rPr>
+              <a:t>- Otherwise, p</a:t>
+            </a:r>
+            <a:r>
+              <a:rPr b="0" lang="en" sz="1800" spc="-1" strike="noStrike">
+                <a:solidFill>
+                  <a:srgbClr val="000000"/>
+                </a:solidFill>
+                <a:latin typeface="Arial"/>
+                <a:ea typeface="Arial"/>
+              </a:rPr>
+              <a:t>lease come to class in person.</a:t>
+            </a:r>
+            <a:endParaRPr b="0" lang="en-US" sz="1800" spc="-1" strike="noStrike">
+              <a:latin typeface="Arial"/>
+            </a:endParaRPr>
+          </a:p>
+          <a:p>
+            <a:pPr>
+              <a:lnSpc>
+                <a:spcPct val="115000"/>
+              </a:lnSpc>
+              <a:tabLst>
+                <a:tab algn="l" pos="0"/>
+              </a:tabLst>
+            </a:pPr>
+            <a:r>
+              <a:rPr b="0" lang="en" sz="1800" spc="-1" strike="noStrike">
+                <a:solidFill>
+                  <a:srgbClr val="000000"/>
+                </a:solidFill>
+                <a:latin typeface="Arial"/>
+                <a:ea typeface="Arial"/>
+              </a:rPr>
+              <a:t>	</a:t>
+            </a:r>
+            <a:r>
+              <a:rPr b="0" lang="en" sz="1800" spc="-1" strike="noStrike">
+                <a:solidFill>
+                  <a:srgbClr val="000000"/>
+                </a:solidFill>
+                <a:latin typeface="Arial"/>
+                <a:ea typeface="Arial"/>
+              </a:rPr>
+              <a:t>- Before each class, turn in what you are currently working on and describe your </a:t>
+            </a:r>
+            <a:r>
+              <a:rPr b="0" lang="en" sz="1800" spc="-1" strike="noStrike">
+                <a:solidFill>
+                  <a:srgbClr val="000000"/>
+                </a:solidFill>
+                <a:latin typeface="Arial"/>
+                <a:ea typeface="Arial"/>
+              </a:rPr>
+              <a:t>progress or difficulties. This is required whether you are in class or not. </a:t>
+            </a:r>
+            <a:endParaRPr b="0" lang="en-US" sz="1800" spc="-1" strike="noStrike">
+              <a:latin typeface="Arial"/>
+            </a:endParaRPr>
+          </a:p>
+          <a:p>
+            <a:pPr>
+              <a:lnSpc>
+                <a:spcPct val="115000"/>
+              </a:lnSpc>
+              <a:tabLst>
+                <a:tab algn="l" pos="0"/>
+              </a:tabLst>
+            </a:pPr>
+            <a:endParaRPr b="0" lang="en-US" sz="1800" spc="-1" strike="noStrike">
               <a:latin typeface="Arial"/>
             </a:endParaRPr>
           </a:p>

--- a/course content/Choosing statistical methods day 1.pptx
+++ b/course content/Choosing statistical methods day 1.pptx
@@ -15,6 +15,7 @@
     <p:sldId id="262" r:id="rId10"/>
     <p:sldId id="263" r:id="rId11"/>
     <p:sldId id="264" r:id="rId12"/>
+    <p:sldId id="265" r:id="rId13"/>
   </p:sldIdLst>
   <p:sldSz cx="9144000" cy="5143500"/>
   <p:notesSz cx="7772400" cy="10058400"/>
@@ -72,8 +73,8 @@
         </p:nvSpPr>
         <p:spPr>
           <a:xfrm>
-            <a:off x="311760" y="418320"/>
-            <a:ext cx="8519760" cy="625320"/>
+            <a:off x="457200" y="205200"/>
+            <a:ext cx="8229240" cy="858600"/>
           </a:xfrm>
           <a:prstGeom prst="rect">
             <a:avLst/>
@@ -103,8 +104,8 @@
         </p:nvSpPr>
         <p:spPr>
           <a:xfrm>
-            <a:off x="311760" y="1152360"/>
-            <a:ext cx="8519760" cy="1629000"/>
+            <a:off x="457200" y="1203480"/>
+            <a:ext cx="8229240" cy="1422720"/>
           </a:xfrm>
           <a:prstGeom prst="rect">
             <a:avLst/>
@@ -133,8 +134,8 @@
         </p:nvSpPr>
         <p:spPr>
           <a:xfrm>
-            <a:off x="311760" y="2936520"/>
-            <a:ext cx="8519760" cy="1629000"/>
+            <a:off x="457200" y="2761920"/>
+            <a:ext cx="8229240" cy="1422720"/>
           </a:xfrm>
           <a:prstGeom prst="rect">
             <a:avLst/>
@@ -185,8 +186,8 @@
         </p:nvSpPr>
         <p:spPr>
           <a:xfrm>
-            <a:off x="311760" y="418320"/>
-            <a:ext cx="8519760" cy="625320"/>
+            <a:off x="457200" y="205200"/>
+            <a:ext cx="8229240" cy="858600"/>
           </a:xfrm>
           <a:prstGeom prst="rect">
             <a:avLst/>
@@ -216,8 +217,8 @@
         </p:nvSpPr>
         <p:spPr>
           <a:xfrm>
-            <a:off x="311760" y="1152360"/>
-            <a:ext cx="4157280" cy="1629000"/>
+            <a:off x="457200" y="1203480"/>
+            <a:ext cx="4015800" cy="1422720"/>
           </a:xfrm>
           <a:prstGeom prst="rect">
             <a:avLst/>
@@ -246,8 +247,8 @@
         </p:nvSpPr>
         <p:spPr>
           <a:xfrm>
-            <a:off x="4677120" y="1152360"/>
-            <a:ext cx="4157280" cy="1629000"/>
+            <a:off x="4674240" y="1203480"/>
+            <a:ext cx="4015800" cy="1422720"/>
           </a:xfrm>
           <a:prstGeom prst="rect">
             <a:avLst/>
@@ -276,8 +277,8 @@
         </p:nvSpPr>
         <p:spPr>
           <a:xfrm>
-            <a:off x="311760" y="2936520"/>
-            <a:ext cx="4157280" cy="1629000"/>
+            <a:off x="457200" y="2761920"/>
+            <a:ext cx="4015800" cy="1422720"/>
           </a:xfrm>
           <a:prstGeom prst="rect">
             <a:avLst/>
@@ -306,8 +307,8 @@
         </p:nvSpPr>
         <p:spPr>
           <a:xfrm>
-            <a:off x="4677120" y="2936520"/>
-            <a:ext cx="4157280" cy="1629000"/>
+            <a:off x="4674240" y="2761920"/>
+            <a:ext cx="4015800" cy="1422720"/>
           </a:xfrm>
           <a:prstGeom prst="rect">
             <a:avLst/>
@@ -358,8 +359,8 @@
         </p:nvSpPr>
         <p:spPr>
           <a:xfrm>
-            <a:off x="311760" y="418320"/>
-            <a:ext cx="8519760" cy="625320"/>
+            <a:off x="457200" y="205200"/>
+            <a:ext cx="8229240" cy="858600"/>
           </a:xfrm>
           <a:prstGeom prst="rect">
             <a:avLst/>
@@ -389,8 +390,8 @@
         </p:nvSpPr>
         <p:spPr>
           <a:xfrm>
-            <a:off x="311760" y="1152360"/>
-            <a:ext cx="2743200" cy="1629000"/>
+            <a:off x="457200" y="1203480"/>
+            <a:ext cx="2649600" cy="1422720"/>
           </a:xfrm>
           <a:prstGeom prst="rect">
             <a:avLst/>
@@ -419,8 +420,8 @@
         </p:nvSpPr>
         <p:spPr>
           <a:xfrm>
-            <a:off x="3192480" y="1152360"/>
-            <a:ext cx="2743200" cy="1629000"/>
+            <a:off x="3239640" y="1203480"/>
+            <a:ext cx="2649600" cy="1422720"/>
           </a:xfrm>
           <a:prstGeom prst="rect">
             <a:avLst/>
@@ -449,8 +450,8 @@
         </p:nvSpPr>
         <p:spPr>
           <a:xfrm>
-            <a:off x="6073200" y="1152360"/>
-            <a:ext cx="2743200" cy="1629000"/>
+            <a:off x="6022080" y="1203480"/>
+            <a:ext cx="2649600" cy="1422720"/>
           </a:xfrm>
           <a:prstGeom prst="rect">
             <a:avLst/>
@@ -479,8 +480,8 @@
         </p:nvSpPr>
         <p:spPr>
           <a:xfrm>
-            <a:off x="311760" y="2936520"/>
-            <a:ext cx="2743200" cy="1629000"/>
+            <a:off x="457200" y="2761920"/>
+            <a:ext cx="2649600" cy="1422720"/>
           </a:xfrm>
           <a:prstGeom prst="rect">
             <a:avLst/>
@@ -509,8 +510,8 @@
         </p:nvSpPr>
         <p:spPr>
           <a:xfrm>
-            <a:off x="3192480" y="2936520"/>
-            <a:ext cx="2743200" cy="1629000"/>
+            <a:off x="3239640" y="2761920"/>
+            <a:ext cx="2649600" cy="1422720"/>
           </a:xfrm>
           <a:prstGeom prst="rect">
             <a:avLst/>
@@ -539,8 +540,8 @@
         </p:nvSpPr>
         <p:spPr>
           <a:xfrm>
-            <a:off x="6073200" y="2936520"/>
-            <a:ext cx="2743200" cy="1629000"/>
+            <a:off x="6022080" y="2761920"/>
+            <a:ext cx="2649600" cy="1422720"/>
           </a:xfrm>
           <a:prstGeom prst="rect">
             <a:avLst/>
@@ -613,8 +614,8 @@
         </p:nvSpPr>
         <p:spPr>
           <a:xfrm>
-            <a:off x="311760" y="418320"/>
-            <a:ext cx="8519760" cy="625320"/>
+            <a:off x="457200" y="205200"/>
+            <a:ext cx="8229240" cy="858600"/>
           </a:xfrm>
           <a:prstGeom prst="rect">
             <a:avLst/>
@@ -644,8 +645,8 @@
         </p:nvSpPr>
         <p:spPr>
           <a:xfrm>
-            <a:off x="311760" y="1152360"/>
-            <a:ext cx="8519760" cy="3415680"/>
+            <a:off x="457200" y="1203480"/>
+            <a:ext cx="8229240" cy="2982960"/>
           </a:xfrm>
           <a:prstGeom prst="rect">
             <a:avLst/>
@@ -697,8 +698,8 @@
         </p:nvSpPr>
         <p:spPr>
           <a:xfrm>
-            <a:off x="311760" y="418320"/>
-            <a:ext cx="8519760" cy="625320"/>
+            <a:off x="457200" y="205200"/>
+            <a:ext cx="8229240" cy="858600"/>
           </a:xfrm>
           <a:prstGeom prst="rect">
             <a:avLst/>
@@ -728,8 +729,8 @@
         </p:nvSpPr>
         <p:spPr>
           <a:xfrm>
-            <a:off x="311760" y="1152360"/>
-            <a:ext cx="8519760" cy="3415680"/>
+            <a:off x="457200" y="1203480"/>
+            <a:ext cx="8229240" cy="2982960"/>
           </a:xfrm>
           <a:prstGeom prst="rect">
             <a:avLst/>
@@ -780,8 +781,8 @@
         </p:nvSpPr>
         <p:spPr>
           <a:xfrm>
-            <a:off x="311760" y="418320"/>
-            <a:ext cx="8519760" cy="625320"/>
+            <a:off x="457200" y="205200"/>
+            <a:ext cx="8229240" cy="858600"/>
           </a:xfrm>
           <a:prstGeom prst="rect">
             <a:avLst/>
@@ -811,8 +812,8 @@
         </p:nvSpPr>
         <p:spPr>
           <a:xfrm>
-            <a:off x="311760" y="1152360"/>
-            <a:ext cx="4157280" cy="3415680"/>
+            <a:off x="457200" y="1203480"/>
+            <a:ext cx="4015800" cy="2982960"/>
           </a:xfrm>
           <a:prstGeom prst="rect">
             <a:avLst/>
@@ -841,8 +842,8 @@
         </p:nvSpPr>
         <p:spPr>
           <a:xfrm>
-            <a:off x="4677120" y="1152360"/>
-            <a:ext cx="4157280" cy="3415680"/>
+            <a:off x="4674240" y="1203480"/>
+            <a:ext cx="4015800" cy="2982960"/>
           </a:xfrm>
           <a:prstGeom prst="rect">
             <a:avLst/>
@@ -893,8 +894,8 @@
         </p:nvSpPr>
         <p:spPr>
           <a:xfrm>
-            <a:off x="311760" y="418320"/>
-            <a:ext cx="8519760" cy="625320"/>
+            <a:off x="457200" y="205200"/>
+            <a:ext cx="8229240" cy="858600"/>
           </a:xfrm>
           <a:prstGeom prst="rect">
             <a:avLst/>
@@ -946,8 +947,8 @@
         </p:nvSpPr>
         <p:spPr>
           <a:xfrm>
-            <a:off x="311760" y="444960"/>
-            <a:ext cx="8519760" cy="2652840"/>
+            <a:off x="457200" y="205200"/>
+            <a:ext cx="8229240" cy="3981240"/>
           </a:xfrm>
           <a:prstGeom prst="rect">
             <a:avLst/>
@@ -999,8 +1000,8 @@
         </p:nvSpPr>
         <p:spPr>
           <a:xfrm>
-            <a:off x="311760" y="418320"/>
-            <a:ext cx="8519760" cy="625320"/>
+            <a:off x="457200" y="205200"/>
+            <a:ext cx="8229240" cy="858600"/>
           </a:xfrm>
           <a:prstGeom prst="rect">
             <a:avLst/>
@@ -1030,8 +1031,8 @@
         </p:nvSpPr>
         <p:spPr>
           <a:xfrm>
-            <a:off x="311760" y="1152360"/>
-            <a:ext cx="4157280" cy="1629000"/>
+            <a:off x="457200" y="1203480"/>
+            <a:ext cx="4015800" cy="1422720"/>
           </a:xfrm>
           <a:prstGeom prst="rect">
             <a:avLst/>
@@ -1060,8 +1061,8 @@
         </p:nvSpPr>
         <p:spPr>
           <a:xfrm>
-            <a:off x="4677120" y="1152360"/>
-            <a:ext cx="4157280" cy="3415680"/>
+            <a:off x="4674240" y="1203480"/>
+            <a:ext cx="4015800" cy="2982960"/>
           </a:xfrm>
           <a:prstGeom prst="rect">
             <a:avLst/>
@@ -1090,8 +1091,8 @@
         </p:nvSpPr>
         <p:spPr>
           <a:xfrm>
-            <a:off x="311760" y="2936520"/>
-            <a:ext cx="4157280" cy="1629000"/>
+            <a:off x="457200" y="2761920"/>
+            <a:ext cx="4015800" cy="1422720"/>
           </a:xfrm>
           <a:prstGeom prst="rect">
             <a:avLst/>
@@ -1142,8 +1143,8 @@
         </p:nvSpPr>
         <p:spPr>
           <a:xfrm>
-            <a:off x="311760" y="418320"/>
-            <a:ext cx="8519760" cy="625320"/>
+            <a:off x="457200" y="205200"/>
+            <a:ext cx="8229240" cy="858600"/>
           </a:xfrm>
           <a:prstGeom prst="rect">
             <a:avLst/>
@@ -1173,8 +1174,8 @@
         </p:nvSpPr>
         <p:spPr>
           <a:xfrm>
-            <a:off x="311760" y="1152360"/>
-            <a:ext cx="8519760" cy="3415680"/>
+            <a:off x="457200" y="1203480"/>
+            <a:ext cx="8229240" cy="2982960"/>
           </a:xfrm>
           <a:prstGeom prst="rect">
             <a:avLst/>
@@ -1226,8 +1227,8 @@
         </p:nvSpPr>
         <p:spPr>
           <a:xfrm>
-            <a:off x="311760" y="418320"/>
-            <a:ext cx="8519760" cy="625320"/>
+            <a:off x="457200" y="205200"/>
+            <a:ext cx="8229240" cy="858600"/>
           </a:xfrm>
           <a:prstGeom prst="rect">
             <a:avLst/>
@@ -1257,8 +1258,8 @@
         </p:nvSpPr>
         <p:spPr>
           <a:xfrm>
-            <a:off x="311760" y="1152360"/>
-            <a:ext cx="4157280" cy="3415680"/>
+            <a:off x="457200" y="1203480"/>
+            <a:ext cx="4015800" cy="2982960"/>
           </a:xfrm>
           <a:prstGeom prst="rect">
             <a:avLst/>
@@ -1287,8 +1288,8 @@
         </p:nvSpPr>
         <p:spPr>
           <a:xfrm>
-            <a:off x="4677120" y="1152360"/>
-            <a:ext cx="4157280" cy="1629000"/>
+            <a:off x="4674240" y="1203480"/>
+            <a:ext cx="4015800" cy="1422720"/>
           </a:xfrm>
           <a:prstGeom prst="rect">
             <a:avLst/>
@@ -1317,8 +1318,8 @@
         </p:nvSpPr>
         <p:spPr>
           <a:xfrm>
-            <a:off x="4677120" y="2936520"/>
-            <a:ext cx="4157280" cy="1629000"/>
+            <a:off x="4674240" y="2761920"/>
+            <a:ext cx="4015800" cy="1422720"/>
           </a:xfrm>
           <a:prstGeom prst="rect">
             <a:avLst/>
@@ -1369,8 +1370,8 @@
         </p:nvSpPr>
         <p:spPr>
           <a:xfrm>
-            <a:off x="311760" y="418320"/>
-            <a:ext cx="8519760" cy="625320"/>
+            <a:off x="457200" y="205200"/>
+            <a:ext cx="8229240" cy="858600"/>
           </a:xfrm>
           <a:prstGeom prst="rect">
             <a:avLst/>
@@ -1400,8 +1401,8 @@
         </p:nvSpPr>
         <p:spPr>
           <a:xfrm>
-            <a:off x="311760" y="1152360"/>
-            <a:ext cx="4157280" cy="1629000"/>
+            <a:off x="457200" y="1203480"/>
+            <a:ext cx="4015800" cy="1422720"/>
           </a:xfrm>
           <a:prstGeom prst="rect">
             <a:avLst/>
@@ -1430,8 +1431,8 @@
         </p:nvSpPr>
         <p:spPr>
           <a:xfrm>
-            <a:off x="4677120" y="1152360"/>
-            <a:ext cx="4157280" cy="1629000"/>
+            <a:off x="4674240" y="1203480"/>
+            <a:ext cx="4015800" cy="1422720"/>
           </a:xfrm>
           <a:prstGeom prst="rect">
             <a:avLst/>
@@ -1460,8 +1461,8 @@
         </p:nvSpPr>
         <p:spPr>
           <a:xfrm>
-            <a:off x="311760" y="2936520"/>
-            <a:ext cx="8519760" cy="1629000"/>
+            <a:off x="457200" y="2761920"/>
+            <a:ext cx="8229240" cy="1422720"/>
           </a:xfrm>
           <a:prstGeom prst="rect">
             <a:avLst/>
@@ -1512,8 +1513,8 @@
         </p:nvSpPr>
         <p:spPr>
           <a:xfrm>
-            <a:off x="311760" y="418320"/>
-            <a:ext cx="8519760" cy="625320"/>
+            <a:off x="457200" y="205200"/>
+            <a:ext cx="8229240" cy="858600"/>
           </a:xfrm>
           <a:prstGeom prst="rect">
             <a:avLst/>
@@ -1543,8 +1544,8 @@
         </p:nvSpPr>
         <p:spPr>
           <a:xfrm>
-            <a:off x="311760" y="1152360"/>
-            <a:ext cx="8519760" cy="1629000"/>
+            <a:off x="457200" y="1203480"/>
+            <a:ext cx="8229240" cy="1422720"/>
           </a:xfrm>
           <a:prstGeom prst="rect">
             <a:avLst/>
@@ -1573,8 +1574,8 @@
         </p:nvSpPr>
         <p:spPr>
           <a:xfrm>
-            <a:off x="311760" y="2936520"/>
-            <a:ext cx="8519760" cy="1629000"/>
+            <a:off x="457200" y="2761920"/>
+            <a:ext cx="8229240" cy="1422720"/>
           </a:xfrm>
           <a:prstGeom prst="rect">
             <a:avLst/>
@@ -1625,8 +1626,8 @@
         </p:nvSpPr>
         <p:spPr>
           <a:xfrm>
-            <a:off x="311760" y="418320"/>
-            <a:ext cx="8519760" cy="625320"/>
+            <a:off x="457200" y="205200"/>
+            <a:ext cx="8229240" cy="858600"/>
           </a:xfrm>
           <a:prstGeom prst="rect">
             <a:avLst/>
@@ -1656,8 +1657,8 @@
         </p:nvSpPr>
         <p:spPr>
           <a:xfrm>
-            <a:off x="311760" y="1152360"/>
-            <a:ext cx="4157280" cy="1629000"/>
+            <a:off x="457200" y="1203480"/>
+            <a:ext cx="4015800" cy="1422720"/>
           </a:xfrm>
           <a:prstGeom prst="rect">
             <a:avLst/>
@@ -1686,8 +1687,8 @@
         </p:nvSpPr>
         <p:spPr>
           <a:xfrm>
-            <a:off x="4677120" y="1152360"/>
-            <a:ext cx="4157280" cy="1629000"/>
+            <a:off x="4674240" y="1203480"/>
+            <a:ext cx="4015800" cy="1422720"/>
           </a:xfrm>
           <a:prstGeom prst="rect">
             <a:avLst/>
@@ -1716,8 +1717,8 @@
         </p:nvSpPr>
         <p:spPr>
           <a:xfrm>
-            <a:off x="311760" y="2936520"/>
-            <a:ext cx="4157280" cy="1629000"/>
+            <a:off x="457200" y="2761920"/>
+            <a:ext cx="4015800" cy="1422720"/>
           </a:xfrm>
           <a:prstGeom prst="rect">
             <a:avLst/>
@@ -1746,8 +1747,8 @@
         </p:nvSpPr>
         <p:spPr>
           <a:xfrm>
-            <a:off x="4677120" y="2936520"/>
-            <a:ext cx="4157280" cy="1629000"/>
+            <a:off x="4674240" y="2761920"/>
+            <a:ext cx="4015800" cy="1422720"/>
           </a:xfrm>
           <a:prstGeom prst="rect">
             <a:avLst/>
@@ -1798,8 +1799,8 @@
         </p:nvSpPr>
         <p:spPr>
           <a:xfrm>
-            <a:off x="311760" y="418320"/>
-            <a:ext cx="8519760" cy="625320"/>
+            <a:off x="457200" y="205200"/>
+            <a:ext cx="8229240" cy="858600"/>
           </a:xfrm>
           <a:prstGeom prst="rect">
             <a:avLst/>
@@ -1829,8 +1830,8 @@
         </p:nvSpPr>
         <p:spPr>
           <a:xfrm>
-            <a:off x="311760" y="1152360"/>
-            <a:ext cx="2743200" cy="1629000"/>
+            <a:off x="457200" y="1203480"/>
+            <a:ext cx="2649600" cy="1422720"/>
           </a:xfrm>
           <a:prstGeom prst="rect">
             <a:avLst/>
@@ -1859,8 +1860,8 @@
         </p:nvSpPr>
         <p:spPr>
           <a:xfrm>
-            <a:off x="3192480" y="1152360"/>
-            <a:ext cx="2743200" cy="1629000"/>
+            <a:off x="3239640" y="1203480"/>
+            <a:ext cx="2649600" cy="1422720"/>
           </a:xfrm>
           <a:prstGeom prst="rect">
             <a:avLst/>
@@ -1889,8 +1890,8 @@
         </p:nvSpPr>
         <p:spPr>
           <a:xfrm>
-            <a:off x="6073200" y="1152360"/>
-            <a:ext cx="2743200" cy="1629000"/>
+            <a:off x="6022080" y="1203480"/>
+            <a:ext cx="2649600" cy="1422720"/>
           </a:xfrm>
           <a:prstGeom prst="rect">
             <a:avLst/>
@@ -1919,8 +1920,8 @@
         </p:nvSpPr>
         <p:spPr>
           <a:xfrm>
-            <a:off x="311760" y="2936520"/>
-            <a:ext cx="2743200" cy="1629000"/>
+            <a:off x="457200" y="2761920"/>
+            <a:ext cx="2649600" cy="1422720"/>
           </a:xfrm>
           <a:prstGeom prst="rect">
             <a:avLst/>
@@ -1949,8 +1950,8 @@
         </p:nvSpPr>
         <p:spPr>
           <a:xfrm>
-            <a:off x="3192480" y="2936520"/>
-            <a:ext cx="2743200" cy="1629000"/>
+            <a:off x="3239640" y="2761920"/>
+            <a:ext cx="2649600" cy="1422720"/>
           </a:xfrm>
           <a:prstGeom prst="rect">
             <a:avLst/>
@@ -1979,8 +1980,8 @@
         </p:nvSpPr>
         <p:spPr>
           <a:xfrm>
-            <a:off x="6073200" y="2936520"/>
-            <a:ext cx="2743200" cy="1629000"/>
+            <a:off x="6022080" y="2761920"/>
+            <a:ext cx="2649600" cy="1422720"/>
           </a:xfrm>
           <a:prstGeom prst="rect">
             <a:avLst/>
@@ -2031,8 +2032,8 @@
         </p:nvSpPr>
         <p:spPr>
           <a:xfrm>
-            <a:off x="311760" y="418320"/>
-            <a:ext cx="8519760" cy="625320"/>
+            <a:off x="457200" y="205200"/>
+            <a:ext cx="8229240" cy="858600"/>
           </a:xfrm>
           <a:prstGeom prst="rect">
             <a:avLst/>
@@ -2062,8 +2063,8 @@
         </p:nvSpPr>
         <p:spPr>
           <a:xfrm>
-            <a:off x="311760" y="1152360"/>
-            <a:ext cx="8519760" cy="3415680"/>
+            <a:off x="457200" y="1203480"/>
+            <a:ext cx="8229240" cy="2982960"/>
           </a:xfrm>
           <a:prstGeom prst="rect">
             <a:avLst/>
@@ -2114,8 +2115,8 @@
         </p:nvSpPr>
         <p:spPr>
           <a:xfrm>
-            <a:off x="311760" y="418320"/>
-            <a:ext cx="8519760" cy="625320"/>
+            <a:off x="457200" y="205200"/>
+            <a:ext cx="8229240" cy="858600"/>
           </a:xfrm>
           <a:prstGeom prst="rect">
             <a:avLst/>
@@ -2145,8 +2146,8 @@
         </p:nvSpPr>
         <p:spPr>
           <a:xfrm>
-            <a:off x="311760" y="1152360"/>
-            <a:ext cx="4157280" cy="3415680"/>
+            <a:off x="457200" y="1203480"/>
+            <a:ext cx="4015800" cy="2982960"/>
           </a:xfrm>
           <a:prstGeom prst="rect">
             <a:avLst/>
@@ -2175,8 +2176,8 @@
         </p:nvSpPr>
         <p:spPr>
           <a:xfrm>
-            <a:off x="4677120" y="1152360"/>
-            <a:ext cx="4157280" cy="3415680"/>
+            <a:off x="4674240" y="1203480"/>
+            <a:ext cx="4015800" cy="2982960"/>
           </a:xfrm>
           <a:prstGeom prst="rect">
             <a:avLst/>
@@ -2227,8 +2228,8 @@
         </p:nvSpPr>
         <p:spPr>
           <a:xfrm>
-            <a:off x="311760" y="418320"/>
-            <a:ext cx="8519760" cy="625320"/>
+            <a:off x="457200" y="205200"/>
+            <a:ext cx="8229240" cy="858600"/>
           </a:xfrm>
           <a:prstGeom prst="rect">
             <a:avLst/>
@@ -2280,8 +2281,8 @@
         </p:nvSpPr>
         <p:spPr>
           <a:xfrm>
-            <a:off x="311760" y="444960"/>
-            <a:ext cx="8519760" cy="2652840"/>
+            <a:off x="457200" y="205200"/>
+            <a:ext cx="8229240" cy="3981240"/>
           </a:xfrm>
           <a:prstGeom prst="rect">
             <a:avLst/>
@@ -2333,8 +2334,8 @@
         </p:nvSpPr>
         <p:spPr>
           <a:xfrm>
-            <a:off x="311760" y="418320"/>
-            <a:ext cx="8519760" cy="625320"/>
+            <a:off x="457200" y="205200"/>
+            <a:ext cx="8229240" cy="858600"/>
           </a:xfrm>
           <a:prstGeom prst="rect">
             <a:avLst/>
@@ -2364,8 +2365,8 @@
         </p:nvSpPr>
         <p:spPr>
           <a:xfrm>
-            <a:off x="311760" y="1152360"/>
-            <a:ext cx="4157280" cy="1629000"/>
+            <a:off x="457200" y="1203480"/>
+            <a:ext cx="4015800" cy="1422720"/>
           </a:xfrm>
           <a:prstGeom prst="rect">
             <a:avLst/>
@@ -2394,8 +2395,8 @@
         </p:nvSpPr>
         <p:spPr>
           <a:xfrm>
-            <a:off x="4677120" y="1152360"/>
-            <a:ext cx="4157280" cy="3415680"/>
+            <a:off x="4674240" y="1203480"/>
+            <a:ext cx="4015800" cy="2982960"/>
           </a:xfrm>
           <a:prstGeom prst="rect">
             <a:avLst/>
@@ -2424,8 +2425,8 @@
         </p:nvSpPr>
         <p:spPr>
           <a:xfrm>
-            <a:off x="311760" y="2936520"/>
-            <a:ext cx="4157280" cy="1629000"/>
+            <a:off x="457200" y="2761920"/>
+            <a:ext cx="4015800" cy="1422720"/>
           </a:xfrm>
           <a:prstGeom prst="rect">
             <a:avLst/>
@@ -2476,8 +2477,8 @@
         </p:nvSpPr>
         <p:spPr>
           <a:xfrm>
-            <a:off x="311760" y="418320"/>
-            <a:ext cx="8519760" cy="625320"/>
+            <a:off x="457200" y="205200"/>
+            <a:ext cx="8229240" cy="858600"/>
           </a:xfrm>
           <a:prstGeom prst="rect">
             <a:avLst/>
@@ -2507,8 +2508,8 @@
         </p:nvSpPr>
         <p:spPr>
           <a:xfrm>
-            <a:off x="311760" y="1152360"/>
-            <a:ext cx="4157280" cy="3415680"/>
+            <a:off x="457200" y="1203480"/>
+            <a:ext cx="4015800" cy="2982960"/>
           </a:xfrm>
           <a:prstGeom prst="rect">
             <a:avLst/>
@@ -2537,8 +2538,8 @@
         </p:nvSpPr>
         <p:spPr>
           <a:xfrm>
-            <a:off x="4677120" y="1152360"/>
-            <a:ext cx="4157280" cy="1629000"/>
+            <a:off x="4674240" y="1203480"/>
+            <a:ext cx="4015800" cy="1422720"/>
           </a:xfrm>
           <a:prstGeom prst="rect">
             <a:avLst/>
@@ -2567,8 +2568,8 @@
         </p:nvSpPr>
         <p:spPr>
           <a:xfrm>
-            <a:off x="4677120" y="2936520"/>
-            <a:ext cx="4157280" cy="1629000"/>
+            <a:off x="4674240" y="2761920"/>
+            <a:ext cx="4015800" cy="1422720"/>
           </a:xfrm>
           <a:prstGeom prst="rect">
             <a:avLst/>
@@ -2619,8 +2620,8 @@
         </p:nvSpPr>
         <p:spPr>
           <a:xfrm>
-            <a:off x="311760" y="418320"/>
-            <a:ext cx="8519760" cy="625320"/>
+            <a:off x="457200" y="205200"/>
+            <a:ext cx="8229240" cy="858600"/>
           </a:xfrm>
           <a:prstGeom prst="rect">
             <a:avLst/>
@@ -2650,8 +2651,8 @@
         </p:nvSpPr>
         <p:spPr>
           <a:xfrm>
-            <a:off x="311760" y="1152360"/>
-            <a:ext cx="4157280" cy="1629000"/>
+            <a:off x="457200" y="1203480"/>
+            <a:ext cx="4015800" cy="1422720"/>
           </a:xfrm>
           <a:prstGeom prst="rect">
             <a:avLst/>
@@ -2680,8 +2681,8 @@
         </p:nvSpPr>
         <p:spPr>
           <a:xfrm>
-            <a:off x="4677120" y="1152360"/>
-            <a:ext cx="4157280" cy="1629000"/>
+            <a:off x="4674240" y="1203480"/>
+            <a:ext cx="4015800" cy="1422720"/>
           </a:xfrm>
           <a:prstGeom prst="rect">
             <a:avLst/>
@@ -2710,8 +2711,8 @@
         </p:nvSpPr>
         <p:spPr>
           <a:xfrm>
-            <a:off x="311760" y="2936520"/>
-            <a:ext cx="8519760" cy="1629000"/>
+            <a:off x="457200" y="2761920"/>
+            <a:ext cx="8229240" cy="1422720"/>
           </a:xfrm>
           <a:prstGeom prst="rect">
             <a:avLst/>
@@ -2769,8 +2770,8 @@
         </p:nvSpPr>
         <p:spPr>
           <a:xfrm>
-            <a:off x="311760" y="444960"/>
-            <a:ext cx="8519760" cy="572040"/>
+            <a:off x="457200" y="205200"/>
+            <a:ext cx="8229240" cy="858600"/>
           </a:xfrm>
           <a:prstGeom prst="rect">
             <a:avLst/>
@@ -2781,13 +2782,14 @@
             <a:noAutofit/>
           </a:bodyPr>
           <a:p>
-            <a:r>
-              <a:rPr b="0" lang="en-US" sz="1800" spc="-1" strike="noStrike">
+            <a:pPr algn="ctr"/>
+            <a:r>
+              <a:rPr b="0" lang="en-US" sz="4400" spc="-1" strike="noStrike">
                 <a:latin typeface="Arial"/>
               </a:rPr>
               <a:t>Click to edit the title text format</a:t>
             </a:r>
-            <a:endParaRPr b="0" lang="en-US" sz="1800" spc="-1" strike="noStrike">
+            <a:endParaRPr b="0" lang="en-US" sz="4400" spc="-1" strike="noStrike">
               <a:latin typeface="Arial"/>
             </a:endParaRPr>
           </a:p>
@@ -3028,8 +3030,8 @@
         </p:nvSpPr>
         <p:spPr>
           <a:xfrm>
-            <a:off x="311760" y="444960"/>
-            <a:ext cx="8519760" cy="572040"/>
+            <a:off x="457200" y="205200"/>
+            <a:ext cx="8229240" cy="858600"/>
           </a:xfrm>
           <a:prstGeom prst="rect">
             <a:avLst/>
@@ -3040,13 +3042,14 @@
             <a:noAutofit/>
           </a:bodyPr>
           <a:p>
-            <a:r>
-              <a:rPr b="0" lang="en-US" sz="1800" spc="-1" strike="noStrike">
+            <a:pPr algn="ctr"/>
+            <a:r>
+              <a:rPr b="0" lang="en-US" sz="4400" spc="-1" strike="noStrike">
                 <a:latin typeface="Arial"/>
               </a:rPr>
               <a:t>Click to edit the title text format</a:t>
             </a:r>
-            <a:endParaRPr b="0" lang="en-US" sz="1800" spc="-1" strike="noStrike">
+            <a:endParaRPr b="0" lang="en-US" sz="4400" spc="-1" strike="noStrike">
               <a:latin typeface="Arial"/>
             </a:endParaRPr>
           </a:p>
@@ -3064,8 +3067,8 @@
         </p:nvSpPr>
         <p:spPr>
           <a:xfrm>
-            <a:off x="311760" y="1152360"/>
-            <a:ext cx="8519760" cy="3415680"/>
+            <a:off x="457200" y="1203480"/>
+            <a:ext cx="8229240" cy="2982960"/>
           </a:xfrm>
           <a:prstGeom prst="rect">
             <a:avLst/>
@@ -3088,12 +3091,12 @@
               <a:buChar char=""/>
             </a:pPr>
             <a:r>
-              <a:rPr b="0" lang="en-US" sz="1800" spc="-1" strike="noStrike">
+              <a:rPr b="0" lang="en-US" sz="3200" spc="-1" strike="noStrike">
                 <a:latin typeface="Arial"/>
               </a:rPr>
               <a:t>Click to edit the outline text format</a:t>
             </a:r>
-            <a:endParaRPr b="0" lang="en-US" sz="1800" spc="-1" strike="noStrike">
+            <a:endParaRPr b="0" lang="en-US" sz="3200" spc="-1" strike="noStrike">
               <a:latin typeface="Arial"/>
             </a:endParaRPr>
           </a:p>
@@ -3110,12 +3113,12 @@
               <a:buChar char=""/>
             </a:pPr>
             <a:r>
-              <a:rPr b="0" lang="en-US" sz="1800" spc="-1" strike="noStrike">
+              <a:rPr b="0" lang="en-US" sz="2800" spc="-1" strike="noStrike">
                 <a:latin typeface="Arial"/>
               </a:rPr>
               <a:t>Second Outline Level</a:t>
             </a:r>
-            <a:endParaRPr b="0" lang="en-US" sz="1800" spc="-1" strike="noStrike">
+            <a:endParaRPr b="0" lang="en-US" sz="2800" spc="-1" strike="noStrike">
               <a:latin typeface="Arial"/>
             </a:endParaRPr>
           </a:p>
@@ -3132,12 +3135,12 @@
               <a:buChar char=""/>
             </a:pPr>
             <a:r>
-              <a:rPr b="0" lang="en-US" sz="1800" spc="-1" strike="noStrike">
+              <a:rPr b="0" lang="en-US" sz="2400" spc="-1" strike="noStrike">
                 <a:latin typeface="Arial"/>
               </a:rPr>
               <a:t>Third Outline Level</a:t>
             </a:r>
-            <a:endParaRPr b="0" lang="en-US" sz="1800" spc="-1" strike="noStrike">
+            <a:endParaRPr b="0" lang="en-US" sz="2400" spc="-1" strike="noStrike">
               <a:latin typeface="Arial"/>
             </a:endParaRPr>
           </a:p>
@@ -3154,12 +3157,12 @@
               <a:buChar char=""/>
             </a:pPr>
             <a:r>
-              <a:rPr b="0" lang="en-US" sz="1800" spc="-1" strike="noStrike">
+              <a:rPr b="0" lang="en-US" sz="2000" spc="-1" strike="noStrike">
                 <a:latin typeface="Arial"/>
               </a:rPr>
               <a:t>Fourth Outline Level</a:t>
             </a:r>
-            <a:endParaRPr b="0" lang="en-US" sz="1800" spc="-1" strike="noStrike">
+            <a:endParaRPr b="0" lang="en-US" sz="2000" spc="-1" strike="noStrike">
               <a:latin typeface="Arial"/>
             </a:endParaRPr>
           </a:p>
@@ -3176,12 +3179,12 @@
               <a:buChar char=""/>
             </a:pPr>
             <a:r>
-              <a:rPr b="0" lang="en-US" sz="1800" spc="-1" strike="noStrike">
+              <a:rPr b="0" lang="en-US" sz="2000" spc="-1" strike="noStrike">
                 <a:latin typeface="Arial"/>
               </a:rPr>
               <a:t>Fifth Outline Level</a:t>
             </a:r>
-            <a:endParaRPr b="0" lang="en-US" sz="1800" spc="-1" strike="noStrike">
+            <a:endParaRPr b="0" lang="en-US" sz="2000" spc="-1" strike="noStrike">
               <a:latin typeface="Arial"/>
             </a:endParaRPr>
           </a:p>
@@ -3198,12 +3201,12 @@
               <a:buChar char=""/>
             </a:pPr>
             <a:r>
-              <a:rPr b="0" lang="en-US" sz="1800" spc="-1" strike="noStrike">
+              <a:rPr b="0" lang="en-US" sz="2000" spc="-1" strike="noStrike">
                 <a:latin typeface="Arial"/>
               </a:rPr>
               <a:t>Sixth Outline Level</a:t>
             </a:r>
-            <a:endParaRPr b="0" lang="en-US" sz="1800" spc="-1" strike="noStrike">
+            <a:endParaRPr b="0" lang="en-US" sz="2000" spc="-1" strike="noStrike">
               <a:latin typeface="Arial"/>
             </a:endParaRPr>
           </a:p>
@@ -3220,12 +3223,12 @@
               <a:buChar char=""/>
             </a:pPr>
             <a:r>
-              <a:rPr b="0" lang="en-US" sz="1800" spc="-1" strike="noStrike">
+              <a:rPr b="0" lang="en-US" sz="2000" spc="-1" strike="noStrike">
                 <a:latin typeface="Arial"/>
               </a:rPr>
               <a:t>Seventh Outline Level</a:t>
             </a:r>
-            <a:endParaRPr b="0" lang="en-US" sz="1800" spc="-1" strike="noStrike">
+            <a:endParaRPr b="0" lang="en-US" sz="2000" spc="-1" strike="noStrike">
               <a:latin typeface="Arial"/>
             </a:endParaRPr>
           </a:p>
@@ -3277,7 +3280,7 @@
         <p:spPr>
           <a:xfrm>
             <a:off x="311760" y="744480"/>
-            <a:ext cx="8519760" cy="2052000"/>
+            <a:ext cx="8519040" cy="2051280"/>
           </a:xfrm>
           <a:prstGeom prst="rect">
             <a:avLst/>
@@ -3331,7 +3334,7 @@
         <p:spPr>
           <a:xfrm>
             <a:off x="311760" y="2834280"/>
-            <a:ext cx="8519760" cy="792000"/>
+            <a:ext cx="8519040" cy="791280"/>
           </a:xfrm>
           <a:prstGeom prst="rect">
             <a:avLst/>
@@ -3371,6 +3374,371 @@
               <a:t>Class intro</a:t>
             </a:r>
             <a:endParaRPr b="0" lang="en-US" sz="2800" spc="-1" strike="noStrike">
+              <a:latin typeface="Arial"/>
+            </a:endParaRPr>
+          </a:p>
+        </p:txBody>
+      </p:sp>
+    </p:spTree>
+  </p:cSld>
+  <mc:AlternateContent>
+    <mc:Choice Requires="p14">
+      <p:transition spd="slow" p14:dur="2000"/>
+    </mc:Choice>
+    <mc:Fallback>
+      <p:transition spd="slow"/>
+    </mc:Fallback>
+  </mc:AlternateContent>
+</p:sld>
+</file>
+
+<file path=ppt/slides/slide10.xml><?xml version="1.0" encoding="utf-8"?>
+<p:sld xmlns:a="http://schemas.openxmlformats.org/drawingml/2006/main" xmlns:p="http://schemas.openxmlformats.org/presentationml/2006/main" xmlns:r="http://schemas.openxmlformats.org/officeDocument/2006/relationships" xmlns:p14="http://schemas.microsoft.com/office/powerpoint/2010/main" xmlns:p15="http://schemas.microsoft.com/office/powerpoint/2012/main" xmlns:mc="http://schemas.openxmlformats.org/markup-compatibility/2006">
+  <p:cSld>
+    <p:spTree>
+      <p:nvGrpSpPr>
+        <p:cNvPr id="1" name=""/>
+        <p:cNvGrpSpPr/>
+        <p:nvPr/>
+      </p:nvGrpSpPr>
+      <p:grpSpPr>
+        <a:xfrm>
+          <a:off x="0" y="0"/>
+          <a:ext cx="0" cy="0"/>
+          <a:chOff x="0" y="0"/>
+          <a:chExt cx="0" cy="0"/>
+        </a:xfrm>
+      </p:grpSpPr>
+      <p:sp>
+        <p:nvSpPr>
+          <p:cNvPr id="108" name="CustomShape 1"/>
+          <p:cNvSpPr/>
+          <p:nvPr/>
+        </p:nvSpPr>
+        <p:spPr>
+          <a:xfrm>
+            <a:off x="311760" y="444960"/>
+            <a:ext cx="8519040" cy="571320"/>
+          </a:xfrm>
+          <a:prstGeom prst="rect">
+            <a:avLst/>
+          </a:prstGeom>
+          <a:noFill/>
+          <a:ln>
+            <a:noFill/>
+          </a:ln>
+        </p:spPr>
+        <p:style>
+          <a:lnRef idx="0"/>
+          <a:fillRef idx="0"/>
+          <a:effectRef idx="0"/>
+          <a:fontRef idx="minor"/>
+        </p:style>
+        <p:txBody>
+          <a:bodyPr lIns="90000" rIns="90000" tIns="91440" bIns="91440">
+            <a:normAutofit fontScale="97000"/>
+          </a:bodyPr>
+          <a:p>
+            <a:pPr>
+              <a:lnSpc>
+                <a:spcPct val="100000"/>
+              </a:lnSpc>
+              <a:tabLst>
+                <a:tab algn="l" pos="0"/>
+              </a:tabLst>
+            </a:pPr>
+            <a:r>
+              <a:rPr b="0" lang="en" sz="2800" spc="-1" strike="noStrike">
+                <a:solidFill>
+                  <a:srgbClr val="000000"/>
+                </a:solidFill>
+                <a:latin typeface="Arial"/>
+                <a:ea typeface="Arial"/>
+              </a:rPr>
+              <a:t>How the class works</a:t>
+            </a:r>
+            <a:endParaRPr b="0" lang="en-US" sz="2800" spc="-1" strike="noStrike">
+              <a:latin typeface="Arial"/>
+            </a:endParaRPr>
+          </a:p>
+        </p:txBody>
+      </p:sp>
+      <p:sp>
+        <p:nvSpPr>
+          <p:cNvPr id="109" name="CustomShape 2"/>
+          <p:cNvSpPr/>
+          <p:nvPr/>
+        </p:nvSpPr>
+        <p:spPr>
+          <a:xfrm>
+            <a:off x="311760" y="1152360"/>
+            <a:ext cx="8519040" cy="3414960"/>
+          </a:xfrm>
+          <a:prstGeom prst="rect">
+            <a:avLst/>
+          </a:prstGeom>
+          <a:noFill/>
+          <a:ln>
+            <a:noFill/>
+          </a:ln>
+        </p:spPr>
+        <p:style>
+          <a:lnRef idx="0"/>
+          <a:fillRef idx="0"/>
+          <a:effectRef idx="0"/>
+          <a:fontRef idx="minor"/>
+        </p:style>
+        <p:txBody>
+          <a:bodyPr lIns="90000" rIns="90000" tIns="91440" bIns="91440">
+            <a:normAutofit/>
+          </a:bodyPr>
+          <a:p>
+            <a:pPr>
+              <a:lnSpc>
+                <a:spcPct val="115000"/>
+              </a:lnSpc>
+              <a:tabLst>
+                <a:tab algn="l" pos="0"/>
+              </a:tabLst>
+            </a:pPr>
+            <a:r>
+              <a:rPr b="0" lang="en" sz="1800" spc="-1" strike="noStrike">
+                <a:solidFill>
+                  <a:srgbClr val="000000"/>
+                </a:solidFill>
+                <a:latin typeface="Arial"/>
+                <a:ea typeface="Arial"/>
+              </a:rPr>
+              <a:t>- We only meet 10 times (750 minutes total).</a:t>
+            </a:r>
+            <a:endParaRPr b="0" lang="en-US" sz="1800" spc="-1" strike="noStrike">
+              <a:latin typeface="Arial"/>
+            </a:endParaRPr>
+          </a:p>
+          <a:p>
+            <a:pPr>
+              <a:lnSpc>
+                <a:spcPct val="115000"/>
+              </a:lnSpc>
+              <a:tabLst>
+                <a:tab algn="l" pos="0"/>
+              </a:tabLst>
+            </a:pPr>
+            <a:r>
+              <a:rPr b="0" lang="en" sz="1800" spc="-1" strike="noStrike">
+                <a:solidFill>
+                  <a:srgbClr val="000000"/>
+                </a:solidFill>
+                <a:latin typeface="Arial"/>
+                <a:ea typeface="Arial"/>
+              </a:rPr>
+              <a:t>- You need a computer that can access the internet. </a:t>
+            </a:r>
+            <a:endParaRPr b="0" lang="en-US" sz="1800" spc="-1" strike="noStrike">
+              <a:latin typeface="Arial"/>
+            </a:endParaRPr>
+          </a:p>
+          <a:p>
+            <a:pPr>
+              <a:lnSpc>
+                <a:spcPct val="115000"/>
+              </a:lnSpc>
+              <a:tabLst>
+                <a:tab algn="l" pos="0"/>
+              </a:tabLst>
+            </a:pPr>
+            <a:r>
+              <a:rPr b="0" lang="en" sz="1800" spc="-1" strike="noStrike">
+                <a:solidFill>
+                  <a:srgbClr val="000000"/>
+                </a:solidFill>
+                <a:latin typeface="Arial"/>
+                <a:ea typeface="Arial"/>
+              </a:rPr>
+              <a:t>- Course website: https://github.com/ekernf01/HEART_choosing_stat_methods</a:t>
+            </a:r>
+            <a:endParaRPr b="0" lang="en-US" sz="1800" spc="-1" strike="noStrike">
+              <a:latin typeface="Arial"/>
+            </a:endParaRPr>
+          </a:p>
+          <a:p>
+            <a:pPr>
+              <a:lnSpc>
+                <a:spcPct val="115000"/>
+              </a:lnSpc>
+              <a:tabLst>
+                <a:tab algn="l" pos="0"/>
+              </a:tabLst>
+            </a:pPr>
+            <a:r>
+              <a:rPr b="0" lang="en" sz="1800" spc="-1" strike="noStrike">
+                <a:solidFill>
+                  <a:srgbClr val="000000"/>
+                </a:solidFill>
+                <a:latin typeface="Arial"/>
+                <a:ea typeface="Arial"/>
+              </a:rPr>
+              <a:t>- All admin info is in the syllabus.</a:t>
+            </a:r>
+            <a:endParaRPr b="0" lang="en-US" sz="1800" spc="-1" strike="noStrike">
+              <a:latin typeface="Arial"/>
+            </a:endParaRPr>
+          </a:p>
+          <a:p>
+            <a:pPr>
+              <a:lnSpc>
+                <a:spcPct val="115000"/>
+              </a:lnSpc>
+              <a:tabLst>
+                <a:tab algn="l" pos="0"/>
+              </a:tabLst>
+            </a:pPr>
+            <a:r>
+              <a:rPr b="0" lang="en" sz="1800" spc="-1" strike="noStrike">
+                <a:solidFill>
+                  <a:srgbClr val="000000"/>
+                </a:solidFill>
+                <a:latin typeface="Arial"/>
+                <a:ea typeface="Arial"/>
+              </a:rPr>
+              <a:t>- Expectations: </a:t>
+            </a:r>
+            <a:endParaRPr b="0" lang="en-US" sz="1800" spc="-1" strike="noStrike">
+              <a:latin typeface="Arial"/>
+            </a:endParaRPr>
+          </a:p>
+          <a:p>
+            <a:pPr>
+              <a:lnSpc>
+                <a:spcPct val="115000"/>
+              </a:lnSpc>
+              <a:tabLst>
+                <a:tab algn="l" pos="0"/>
+              </a:tabLst>
+            </a:pPr>
+            <a:r>
+              <a:rPr b="0" lang="en" sz="1800" spc="-1" strike="noStrike">
+                <a:solidFill>
+                  <a:srgbClr val="000000"/>
+                </a:solidFill>
+                <a:latin typeface="Arial"/>
+                <a:ea typeface="Arial"/>
+              </a:rPr>
+              <a:t>	</a:t>
+            </a:r>
+            <a:r>
+              <a:rPr b="0" lang="en" sz="1800" spc="-1" strike="noStrike">
+                <a:solidFill>
+                  <a:srgbClr val="000000"/>
+                </a:solidFill>
+                <a:latin typeface="Arial"/>
+                <a:ea typeface="Arial"/>
+              </a:rPr>
+              <a:t>- Please do not come to class if you have respiratory symptoms.</a:t>
+            </a:r>
+            <a:endParaRPr b="0" lang="en-US" sz="1800" spc="-1" strike="noStrike">
+              <a:latin typeface="Arial"/>
+            </a:endParaRPr>
+          </a:p>
+          <a:p>
+            <a:pPr>
+              <a:lnSpc>
+                <a:spcPct val="115000"/>
+              </a:lnSpc>
+              <a:tabLst>
+                <a:tab algn="l" pos="0"/>
+              </a:tabLst>
+            </a:pPr>
+            <a:r>
+              <a:rPr b="0" lang="en" sz="1800" spc="-1" strike="noStrike">
+                <a:solidFill>
+                  <a:srgbClr val="000000"/>
+                </a:solidFill>
+                <a:latin typeface="Arial"/>
+                <a:ea typeface="Arial"/>
+              </a:rPr>
+              <a:t>	</a:t>
+            </a:r>
+            <a:r>
+              <a:rPr b="0" lang="en" sz="1800" spc="-1" strike="noStrike">
+                <a:solidFill>
+                  <a:srgbClr val="000000"/>
+                </a:solidFill>
+                <a:latin typeface="Arial"/>
+                <a:ea typeface="Arial"/>
+              </a:rPr>
+              <a:t>- Otherwise, please come to class in person.</a:t>
+            </a:r>
+            <a:endParaRPr b="0" lang="en-US" sz="1800" spc="-1" strike="noStrike">
+              <a:latin typeface="Arial"/>
+            </a:endParaRPr>
+          </a:p>
+          <a:p>
+            <a:pPr>
+              <a:lnSpc>
+                <a:spcPct val="115000"/>
+              </a:lnSpc>
+              <a:tabLst>
+                <a:tab algn="l" pos="0"/>
+              </a:tabLst>
+            </a:pPr>
+            <a:r>
+              <a:rPr b="0" lang="en" sz="1800" spc="-1" strike="noStrike">
+                <a:solidFill>
+                  <a:srgbClr val="000000"/>
+                </a:solidFill>
+                <a:latin typeface="Arial"/>
+                <a:ea typeface="Arial"/>
+              </a:rPr>
+              <a:t>	</a:t>
+            </a:r>
+            <a:r>
+              <a:rPr b="0" lang="en" sz="1800" spc="-1" strike="noStrike">
+                <a:solidFill>
+                  <a:srgbClr val="000000"/>
+                </a:solidFill>
+                <a:latin typeface="Arial"/>
+                <a:ea typeface="Arial"/>
+              </a:rPr>
+              <a:t>- Before each class, turn in what you are currently working on and describe your progress or difficulties. This is required whether you are in class or not.</a:t>
+            </a:r>
+            <a:endParaRPr b="0" lang="en-US" sz="1800" spc="-1" strike="noStrike">
+              <a:latin typeface="Arial"/>
+            </a:endParaRPr>
+          </a:p>
+          <a:p>
+            <a:pPr>
+              <a:lnSpc>
+                <a:spcPct val="115000"/>
+              </a:lnSpc>
+              <a:tabLst>
+                <a:tab algn="l" pos="0"/>
+              </a:tabLst>
+            </a:pPr>
+            <a:r>
+              <a:rPr b="0" lang="en" sz="1800" spc="-1" strike="noStrike">
+                <a:solidFill>
+                  <a:srgbClr val="000000"/>
+                </a:solidFill>
+                <a:latin typeface="Arial"/>
+                <a:ea typeface="Arial"/>
+              </a:rPr>
+              <a:t>- Class is via Zoom next week! </a:t>
+            </a:r>
+            <a:endParaRPr b="0" lang="en-US" sz="1800" spc="-1" strike="noStrike">
+              <a:latin typeface="Arial"/>
+            </a:endParaRPr>
+          </a:p>
+          <a:p>
+            <a:pPr>
+              <a:lnSpc>
+                <a:spcPct val="115000"/>
+              </a:lnSpc>
+              <a:tabLst>
+                <a:tab algn="l" pos="0"/>
+              </a:tabLst>
+            </a:pPr>
+            <a:endParaRPr b="0" lang="en-US" sz="1800" spc="-1" strike="noStrike">
               <a:latin typeface="Arial"/>
             </a:endParaRPr>
           </a:p>
@@ -3414,8 +3782,8 @@
         </p:nvSpPr>
         <p:spPr>
           <a:xfrm>
-            <a:off x="311760" y="444960"/>
-            <a:ext cx="8519760" cy="572040"/>
+            <a:off x="311760" y="418320"/>
+            <a:ext cx="8519040" cy="624960"/>
           </a:xfrm>
           <a:prstGeom prst="rect">
             <a:avLst/>
@@ -3432,44 +3800,60 @@
           <a:fontRef idx="minor"/>
         </p:style>
         <p:txBody>
-          <a:bodyPr lIns="90000" rIns="90000" tIns="91440" bIns="91440">
-            <a:normAutofit fontScale="97000"/>
-          </a:bodyPr>
-          <a:p>
-            <a:pPr>
+          <a:bodyPr lIns="0" rIns="0" tIns="0" bIns="0" anchor="ctr">
+            <a:noAutofit/>
+          </a:bodyPr>
+          <a:p>
+            <a:pPr algn="ctr">
               <a:lnSpc>
                 <a:spcPct val="100000"/>
               </a:lnSpc>
-              <a:tabLst>
-                <a:tab algn="l" pos="0"/>
-              </a:tabLst>
-            </a:pPr>
-            <a:r>
-              <a:rPr b="0" lang="en" sz="2800" spc="-1" strike="noStrike">
-                <a:solidFill>
-                  <a:srgbClr val="000000"/>
-                </a:solidFill>
-                <a:latin typeface="Arial"/>
-                <a:ea typeface="Arial"/>
-              </a:rPr>
-              <a:t>You will choose statistical methods</a:t>
-            </a:r>
-            <a:endParaRPr b="0" lang="en-US" sz="2800" spc="-1" strike="noStrike">
-              <a:latin typeface="Arial"/>
-            </a:endParaRPr>
-          </a:p>
-        </p:txBody>
-      </p:sp>
-      <p:sp>
-        <p:nvSpPr>
-          <p:cNvPr id="79" name="CustomShape 2"/>
+            </a:pPr>
+            <a:r>
+              <a:rPr b="0" lang="en-US" sz="4400" spc="-1" strike="noStrike">
+                <a:latin typeface="Arial"/>
+              </a:rPr>
+              <a:t>About</a:t>
+            </a:r>
+            <a:endParaRPr b="0" lang="en-US" sz="4400" spc="-1" strike="noStrike">
+              <a:latin typeface="Arial"/>
+            </a:endParaRPr>
+          </a:p>
+        </p:txBody>
+      </p:sp>
+      <p:pic>
+        <p:nvPicPr>
+          <p:cNvPr id="79" name="" descr=""/>
+          <p:cNvPicPr/>
+          <p:nvPr/>
+        </p:nvPicPr>
+        <p:blipFill>
+          <a:blip r:embed="rId1"/>
+          <a:stretch/>
+        </p:blipFill>
+        <p:spPr>
+          <a:xfrm>
+            <a:off x="3383280" y="1371600"/>
+            <a:ext cx="1941480" cy="1938600"/>
+          </a:xfrm>
+          <a:prstGeom prst="rect">
+            <a:avLst/>
+          </a:prstGeom>
+          <a:ln>
+            <a:noFill/>
+          </a:ln>
+        </p:spPr>
+      </p:pic>
+      <p:sp>
+        <p:nvSpPr>
+          <p:cNvPr id="80" name="CustomShape 2"/>
           <p:cNvSpPr/>
           <p:nvPr/>
         </p:nvSpPr>
         <p:spPr>
           <a:xfrm>
-            <a:off x="311760" y="1152360"/>
-            <a:ext cx="8519760" cy="3415680"/>
+            <a:off x="410760" y="1299960"/>
+            <a:ext cx="3337920" cy="2905920"/>
           </a:xfrm>
           <a:prstGeom prst="rect">
             <a:avLst/>
@@ -3486,17 +3870,14 @@
           <a:fontRef idx="minor"/>
         </p:style>
         <p:txBody>
-          <a:bodyPr lIns="90000" rIns="90000" tIns="91440" bIns="91440">
-            <a:normAutofit/>
+          <a:bodyPr lIns="90000" rIns="90000" tIns="45000" bIns="45000">
+            <a:noAutofit/>
           </a:bodyPr>
           <a:p>
             <a:pPr>
               <a:lnSpc>
-                <a:spcPct val="115000"/>
+                <a:spcPct val="100000"/>
               </a:lnSpc>
-              <a:tabLst>
-                <a:tab algn="l" pos="0"/>
-              </a:tabLst>
             </a:pPr>
             <a:r>
               <a:rPr b="0" lang="en" sz="1800" spc="-1" strike="noStrike">
@@ -3506,7 +3887,7 @@
                 <a:latin typeface="Arial"/>
                 <a:ea typeface="Arial"/>
               </a:rPr>
-              <a:t>... whether you want to or not! </a:t>
+              <a:t>Alexis Battle: population genetics, “junk DNA”</a:t>
             </a:r>
             <a:endParaRPr b="0" lang="en-US" sz="1800" spc="-1" strike="noStrike">
               <a:latin typeface="Arial"/>
@@ -3515,29 +3896,18 @@
           <a:p>
             <a:pPr>
               <a:lnSpc>
-                <a:spcPct val="115000"/>
+                <a:spcPct val="100000"/>
               </a:lnSpc>
-              <a:tabLst>
-                <a:tab algn="l" pos="0"/>
-              </a:tabLst>
             </a:pPr>
             <a:endParaRPr b="0" lang="en-US" sz="1800" spc="-1" strike="noStrike">
               <a:latin typeface="Arial"/>
             </a:endParaRPr>
           </a:p>
           <a:p>
-            <a:pPr marL="457200" indent="-342360">
+            <a:pPr>
               <a:lnSpc>
-                <a:spcPct val="115000"/>
+                <a:spcPct val="100000"/>
               </a:lnSpc>
-              <a:buClr>
-                <a:srgbClr val="000000"/>
-              </a:buClr>
-              <a:buFont typeface="Arial"/>
-              <a:buChar char="●"/>
-              <a:tabLst>
-                <a:tab algn="l" pos="0"/>
-              </a:tabLst>
             </a:pPr>
             <a:r>
               <a:rPr b="0" lang="en" sz="1800" spc="-1" strike="noStrike">
@@ -3547,229 +3917,37 @@
                 <a:latin typeface="Arial"/>
                 <a:ea typeface="Arial"/>
               </a:rPr>
-              <a:t>Public health &amp; medicine</a:t>
+              <a:t>Patrick Cahan: stem cell genomics  </a:t>
             </a:r>
             <a:endParaRPr b="0" lang="en-US" sz="1800" spc="-1" strike="noStrike">
               <a:latin typeface="Arial"/>
             </a:endParaRPr>
           </a:p>
-          <a:p>
-            <a:pPr marL="457200" indent="-342360">
-              <a:lnSpc>
-                <a:spcPct val="115000"/>
-              </a:lnSpc>
-              <a:buClr>
-                <a:srgbClr val="000000"/>
-              </a:buClr>
-              <a:buFont typeface="Arial"/>
-              <a:buChar char="●"/>
-              <a:tabLst>
-                <a:tab algn="l" pos="0"/>
-              </a:tabLst>
-            </a:pPr>
-            <a:r>
-              <a:rPr b="0" lang="en" sz="1800" spc="-1" strike="noStrike">
-                <a:solidFill>
-                  <a:srgbClr val="000000"/>
-                </a:solidFill>
-                <a:latin typeface="Arial"/>
-                <a:ea typeface="Arial"/>
-              </a:rPr>
-              <a:t>Molecular and cell biology</a:t>
-            </a:r>
-            <a:endParaRPr b="0" lang="en-US" sz="1800" spc="-1" strike="noStrike">
-              <a:latin typeface="Arial"/>
-            </a:endParaRPr>
-          </a:p>
-          <a:p>
-            <a:pPr marL="457200" indent="-342360">
-              <a:lnSpc>
-                <a:spcPct val="115000"/>
-              </a:lnSpc>
-              <a:buClr>
-                <a:srgbClr val="000000"/>
-              </a:buClr>
-              <a:buFont typeface="Arial"/>
-              <a:buChar char="●"/>
-              <a:tabLst>
-                <a:tab algn="l" pos="0"/>
-              </a:tabLst>
-            </a:pPr>
-            <a:r>
-              <a:rPr b="0" lang="en" sz="1800" spc="-1" strike="noStrike">
-                <a:solidFill>
-                  <a:srgbClr val="000000"/>
-                </a:solidFill>
-                <a:latin typeface="Arial"/>
-                <a:ea typeface="Arial"/>
-              </a:rPr>
-              <a:t>Astronomy &amp; physics</a:t>
-            </a:r>
-            <a:endParaRPr b="0" lang="en-US" sz="1800" spc="-1" strike="noStrike">
-              <a:latin typeface="Arial"/>
-            </a:endParaRPr>
-          </a:p>
-          <a:p>
-            <a:pPr marL="457200" indent="-342360">
-              <a:lnSpc>
-                <a:spcPct val="115000"/>
-              </a:lnSpc>
-              <a:buClr>
-                <a:srgbClr val="000000"/>
-              </a:buClr>
-              <a:buFont typeface="Arial"/>
-              <a:buChar char="●"/>
-              <a:tabLst>
-                <a:tab algn="l" pos="0"/>
-              </a:tabLst>
-            </a:pPr>
-            <a:r>
-              <a:rPr b="0" lang="en" sz="1800" spc="-1" strike="noStrike">
-                <a:solidFill>
-                  <a:srgbClr val="000000"/>
-                </a:solidFill>
-                <a:latin typeface="Arial"/>
-                <a:ea typeface="Arial"/>
-              </a:rPr>
-              <a:t>Economics &amp; political science</a:t>
-            </a:r>
-            <a:endParaRPr b="0" lang="en-US" sz="1800" spc="-1" strike="noStrike">
-              <a:latin typeface="Arial"/>
-            </a:endParaRPr>
-          </a:p>
-          <a:p>
-            <a:pPr marL="457200" indent="-342360">
-              <a:lnSpc>
-                <a:spcPct val="115000"/>
-              </a:lnSpc>
-              <a:buClr>
-                <a:srgbClr val="000000"/>
-              </a:buClr>
-              <a:buFont typeface="Arial"/>
-              <a:buChar char="●"/>
-              <a:tabLst>
-                <a:tab algn="l" pos="0"/>
-              </a:tabLst>
-            </a:pPr>
-            <a:r>
-              <a:rPr b="0" lang="en" sz="1800" spc="-1" strike="noStrike">
-                <a:solidFill>
-                  <a:srgbClr val="000000"/>
-                </a:solidFill>
-                <a:latin typeface="Arial"/>
-                <a:ea typeface="Arial"/>
-              </a:rPr>
-              <a:t>Meteorology &amp; climate science </a:t>
-            </a:r>
-            <a:endParaRPr b="0" lang="en-US" sz="1800" spc="-1" strike="noStrike">
-              <a:latin typeface="Arial"/>
-            </a:endParaRPr>
-          </a:p>
-          <a:p>
-            <a:pPr marL="457200" indent="-342360">
-              <a:lnSpc>
-                <a:spcPct val="115000"/>
-              </a:lnSpc>
-              <a:buClr>
-                <a:srgbClr val="000000"/>
-              </a:buClr>
-              <a:buFont typeface="Arial"/>
-              <a:buChar char="●"/>
-              <a:tabLst>
-                <a:tab algn="l" pos="0"/>
-              </a:tabLst>
-            </a:pPr>
-            <a:r>
-              <a:rPr b="0" lang="en" sz="1800" spc="-1" strike="noStrike">
-                <a:solidFill>
-                  <a:srgbClr val="000000"/>
-                </a:solidFill>
-                <a:latin typeface="Arial"/>
-                <a:ea typeface="Arial"/>
-              </a:rPr>
-              <a:t>Many fields of engineering</a:t>
-            </a:r>
-            <a:endParaRPr b="0" lang="en-US" sz="1800" spc="-1" strike="noStrike">
-              <a:latin typeface="Arial"/>
-            </a:endParaRPr>
-          </a:p>
-          <a:p>
-            <a:pPr marL="457200" indent="-342360">
-              <a:lnSpc>
-                <a:spcPct val="115000"/>
-              </a:lnSpc>
-              <a:buClr>
-                <a:srgbClr val="000000"/>
-              </a:buClr>
-              <a:buFont typeface="Arial"/>
-              <a:buChar char="●"/>
-              <a:tabLst>
-                <a:tab algn="l" pos="0"/>
-              </a:tabLst>
-            </a:pPr>
-            <a:r>
-              <a:rPr b="0" lang="en" sz="1800" spc="-1" strike="noStrike">
-                <a:solidFill>
-                  <a:srgbClr val="000000"/>
-                </a:solidFill>
-                <a:latin typeface="Arial"/>
-                <a:ea typeface="Arial"/>
-              </a:rPr>
-              <a:t>Fraud detection</a:t>
-            </a:r>
-            <a:endParaRPr b="0" lang="en-US" sz="1800" spc="-1" strike="noStrike">
-              <a:latin typeface="Arial"/>
-            </a:endParaRPr>
-          </a:p>
-          <a:p>
-            <a:pPr marL="457200" indent="-342360">
-              <a:lnSpc>
-                <a:spcPct val="115000"/>
-              </a:lnSpc>
-              <a:buClr>
-                <a:srgbClr val="000000"/>
-              </a:buClr>
-              <a:buFont typeface="Arial"/>
-              <a:buChar char="●"/>
-              <a:tabLst>
-                <a:tab algn="l" pos="0"/>
-              </a:tabLst>
-            </a:pPr>
-            <a:r>
-              <a:rPr b="0" lang="en" sz="1800" spc="-1" strike="noStrike">
-                <a:solidFill>
-                  <a:srgbClr val="000000"/>
-                </a:solidFill>
-                <a:latin typeface="Arial"/>
-                <a:ea typeface="Arial"/>
-              </a:rPr>
-              <a:t>…</a:t>
-            </a:r>
-            <a:endParaRPr b="0" lang="en-US" sz="1800" spc="-1" strike="noStrike">
-              <a:latin typeface="Arial"/>
-            </a:endParaRPr>
-          </a:p>
-          <a:p>
-            <a:pPr>
-              <a:lnSpc>
-                <a:spcPct val="115000"/>
-              </a:lnSpc>
-              <a:spcBef>
-                <a:spcPts val="1199"/>
-              </a:spcBef>
-              <a:spcAft>
-                <a:spcPts val="1199"/>
-              </a:spcAft>
-              <a:tabLst>
-                <a:tab algn="l" pos="0"/>
-              </a:tabLst>
-            </a:pPr>
-            <a:endParaRPr b="0" lang="en-US" sz="1800" spc="-1" strike="noStrike">
-              <a:latin typeface="Arial"/>
-            </a:endParaRPr>
-          </a:p>
-        </p:txBody>
-      </p:sp>
+        </p:txBody>
+      </p:sp>
+      <p:pic>
+        <p:nvPicPr>
+          <p:cNvPr id="81" name="" descr=""/>
+          <p:cNvPicPr/>
+          <p:nvPr/>
+        </p:nvPicPr>
+        <p:blipFill>
+          <a:blip r:embed="rId2"/>
+          <a:stretch/>
+        </p:blipFill>
+        <p:spPr>
+          <a:xfrm>
+            <a:off x="5669280" y="1371600"/>
+            <a:ext cx="2925720" cy="1946160"/>
+          </a:xfrm>
+          <a:prstGeom prst="rect">
+            <a:avLst/>
+          </a:prstGeom>
+          <a:ln>
+            <a:noFill/>
+          </a:ln>
+        </p:spPr>
+      </p:pic>
     </p:spTree>
   </p:cSld>
   <mc:AlternateContent>
@@ -3802,14 +3980,14 @@
       </p:grpSpPr>
       <p:sp>
         <p:nvSpPr>
-          <p:cNvPr id="80" name="CustomShape 1"/>
+          <p:cNvPr id="82" name="CustomShape 1"/>
           <p:cNvSpPr/>
           <p:nvPr/>
         </p:nvSpPr>
         <p:spPr>
           <a:xfrm>
             <a:off x="311760" y="444960"/>
-            <a:ext cx="8519760" cy="572040"/>
+            <a:ext cx="8519040" cy="571320"/>
           </a:xfrm>
           <a:prstGeom prst="rect">
             <a:avLst/>
@@ -3846,7 +4024,7 @@
                 <a:latin typeface="Arial"/>
                 <a:ea typeface="Arial"/>
               </a:rPr>
-              <a:t>Objectives</a:t>
+              <a:t>You will choose statistical methods</a:t>
             </a:r>
             <a:endParaRPr b="0" lang="en-US" sz="2800" spc="-1" strike="noStrike">
               <a:latin typeface="Arial"/>
@@ -3856,14 +4034,14 @@
       </p:sp>
       <p:sp>
         <p:nvSpPr>
-          <p:cNvPr id="81" name="CustomShape 2"/>
+          <p:cNvPr id="83" name="CustomShape 2"/>
           <p:cNvSpPr/>
           <p:nvPr/>
         </p:nvSpPr>
         <p:spPr>
           <a:xfrm>
             <a:off x="311760" y="1152360"/>
-            <a:ext cx="8519760" cy="3415680"/>
+            <a:ext cx="8519040" cy="3414960"/>
           </a:xfrm>
           <a:prstGeom prst="rect">
             <a:avLst/>
@@ -3900,7 +4078,7 @@
                 <a:latin typeface="Arial"/>
                 <a:ea typeface="Arial"/>
               </a:rPr>
-              <a:t>- Recognize common tradeoffs in statistics</a:t>
+              <a:t>... whether you want to or not! </a:t>
             </a:r>
             <a:endParaRPr b="0" lang="en-US" sz="1800" spc="-1" strike="noStrike">
               <a:latin typeface="Arial"/>
@@ -3915,6 +4093,24 @@
                 <a:tab algn="l" pos="0"/>
               </a:tabLst>
             </a:pPr>
+            <a:endParaRPr b="0" lang="en-US" sz="1800" spc="-1" strike="noStrike">
+              <a:latin typeface="Arial"/>
+            </a:endParaRPr>
+          </a:p>
+          <a:p>
+            <a:pPr marL="457200" indent="-341640">
+              <a:lnSpc>
+                <a:spcPct val="115000"/>
+              </a:lnSpc>
+              <a:buClr>
+                <a:srgbClr val="000000"/>
+              </a:buClr>
+              <a:buFont typeface="Arial"/>
+              <a:buChar char="●"/>
+              <a:tabLst>
+                <a:tab algn="l" pos="0"/>
+              </a:tabLst>
+            </a:pPr>
             <a:r>
               <a:rPr b="0" lang="en" sz="1800" spc="-1" strike="noStrike">
                 <a:solidFill>
@@ -3923,8 +4119,26 @@
                 <a:latin typeface="Arial"/>
                 <a:ea typeface="Arial"/>
               </a:rPr>
-              <a:t>- Demonstrate results via computer </a:t>
-            </a:r>
+              <a:t>Public health &amp; medicine</a:t>
+            </a:r>
+            <a:endParaRPr b="0" lang="en-US" sz="1800" spc="-1" strike="noStrike">
+              <a:latin typeface="Arial"/>
+            </a:endParaRPr>
+          </a:p>
+          <a:p>
+            <a:pPr marL="457200" indent="-341640">
+              <a:lnSpc>
+                <a:spcPct val="115000"/>
+              </a:lnSpc>
+              <a:buClr>
+                <a:srgbClr val="000000"/>
+              </a:buClr>
+              <a:buFont typeface="Arial"/>
+              <a:buChar char="●"/>
+              <a:tabLst>
+                <a:tab algn="l" pos="0"/>
+              </a:tabLst>
+            </a:pPr>
             <a:r>
               <a:rPr b="0" lang="en" sz="1800" spc="-1" strike="noStrike">
                 <a:solidFill>
@@ -3933,7 +4147,175 @@
                 <a:latin typeface="Arial"/>
                 <a:ea typeface="Arial"/>
               </a:rPr>
-              <a:t>simulation</a:t>
+              <a:t>Molecular and cell biology</a:t>
+            </a:r>
+            <a:endParaRPr b="0" lang="en-US" sz="1800" spc="-1" strike="noStrike">
+              <a:latin typeface="Arial"/>
+            </a:endParaRPr>
+          </a:p>
+          <a:p>
+            <a:pPr marL="457200" indent="-341640">
+              <a:lnSpc>
+                <a:spcPct val="115000"/>
+              </a:lnSpc>
+              <a:buClr>
+                <a:srgbClr val="000000"/>
+              </a:buClr>
+              <a:buFont typeface="Arial"/>
+              <a:buChar char="●"/>
+              <a:tabLst>
+                <a:tab algn="l" pos="0"/>
+              </a:tabLst>
+            </a:pPr>
+            <a:r>
+              <a:rPr b="0" lang="en" sz="1800" spc="-1" strike="noStrike">
+                <a:solidFill>
+                  <a:srgbClr val="000000"/>
+                </a:solidFill>
+                <a:latin typeface="Arial"/>
+                <a:ea typeface="Arial"/>
+              </a:rPr>
+              <a:t>Astronomy &amp; physics</a:t>
+            </a:r>
+            <a:endParaRPr b="0" lang="en-US" sz="1800" spc="-1" strike="noStrike">
+              <a:latin typeface="Arial"/>
+            </a:endParaRPr>
+          </a:p>
+          <a:p>
+            <a:pPr marL="457200" indent="-341640">
+              <a:lnSpc>
+                <a:spcPct val="115000"/>
+              </a:lnSpc>
+              <a:buClr>
+                <a:srgbClr val="000000"/>
+              </a:buClr>
+              <a:buFont typeface="Arial"/>
+              <a:buChar char="●"/>
+              <a:tabLst>
+                <a:tab algn="l" pos="0"/>
+              </a:tabLst>
+            </a:pPr>
+            <a:r>
+              <a:rPr b="0" lang="en" sz="1800" spc="-1" strike="noStrike">
+                <a:solidFill>
+                  <a:srgbClr val="000000"/>
+                </a:solidFill>
+                <a:latin typeface="Arial"/>
+                <a:ea typeface="Arial"/>
+              </a:rPr>
+              <a:t>Economics &amp; political science</a:t>
+            </a:r>
+            <a:endParaRPr b="0" lang="en-US" sz="1800" spc="-1" strike="noStrike">
+              <a:latin typeface="Arial"/>
+            </a:endParaRPr>
+          </a:p>
+          <a:p>
+            <a:pPr marL="457200" indent="-341640">
+              <a:lnSpc>
+                <a:spcPct val="115000"/>
+              </a:lnSpc>
+              <a:buClr>
+                <a:srgbClr val="000000"/>
+              </a:buClr>
+              <a:buFont typeface="Arial"/>
+              <a:buChar char="●"/>
+              <a:tabLst>
+                <a:tab algn="l" pos="0"/>
+              </a:tabLst>
+            </a:pPr>
+            <a:r>
+              <a:rPr b="0" lang="en" sz="1800" spc="-1" strike="noStrike">
+                <a:solidFill>
+                  <a:srgbClr val="000000"/>
+                </a:solidFill>
+                <a:latin typeface="Arial"/>
+                <a:ea typeface="Arial"/>
+              </a:rPr>
+              <a:t>Meteorology &amp; climate science </a:t>
+            </a:r>
+            <a:endParaRPr b="0" lang="en-US" sz="1800" spc="-1" strike="noStrike">
+              <a:latin typeface="Arial"/>
+            </a:endParaRPr>
+          </a:p>
+          <a:p>
+            <a:pPr marL="457200" indent="-341640">
+              <a:lnSpc>
+                <a:spcPct val="115000"/>
+              </a:lnSpc>
+              <a:buClr>
+                <a:srgbClr val="000000"/>
+              </a:buClr>
+              <a:buFont typeface="Arial"/>
+              <a:buChar char="●"/>
+              <a:tabLst>
+                <a:tab algn="l" pos="0"/>
+              </a:tabLst>
+            </a:pPr>
+            <a:r>
+              <a:rPr b="0" lang="en" sz="1800" spc="-1" strike="noStrike">
+                <a:solidFill>
+                  <a:srgbClr val="000000"/>
+                </a:solidFill>
+                <a:latin typeface="Arial"/>
+                <a:ea typeface="Arial"/>
+              </a:rPr>
+              <a:t>Many fields of engineering</a:t>
+            </a:r>
+            <a:endParaRPr b="0" lang="en-US" sz="1800" spc="-1" strike="noStrike">
+              <a:latin typeface="Arial"/>
+            </a:endParaRPr>
+          </a:p>
+          <a:p>
+            <a:pPr marL="457200" indent="-341640">
+              <a:lnSpc>
+                <a:spcPct val="115000"/>
+              </a:lnSpc>
+              <a:buClr>
+                <a:srgbClr val="000000"/>
+              </a:buClr>
+              <a:buFont typeface="Arial"/>
+              <a:buChar char="●"/>
+              <a:tabLst>
+                <a:tab algn="l" pos="0"/>
+              </a:tabLst>
+            </a:pPr>
+            <a:r>
+              <a:rPr b="0" lang="en" sz="1800" spc="-1" strike="noStrike">
+                <a:solidFill>
+                  <a:srgbClr val="000000"/>
+                </a:solidFill>
+                <a:latin typeface="Arial"/>
+                <a:ea typeface="Arial"/>
+              </a:rPr>
+              <a:t>Fraud detection</a:t>
+            </a:r>
+            <a:endParaRPr b="0" lang="en-US" sz="1800" spc="-1" strike="noStrike">
+              <a:latin typeface="Arial"/>
+            </a:endParaRPr>
+          </a:p>
+          <a:p>
+            <a:pPr marL="457200" indent="-341640">
+              <a:lnSpc>
+                <a:spcPct val="115000"/>
+              </a:lnSpc>
+              <a:buClr>
+                <a:srgbClr val="000000"/>
+              </a:buClr>
+              <a:buFont typeface="Arial"/>
+              <a:buChar char="●"/>
+              <a:tabLst>
+                <a:tab algn="l" pos="0"/>
+              </a:tabLst>
+            </a:pPr>
+            <a:r>
+              <a:rPr b="0" lang="en" sz="1800" spc="-1" strike="noStrike">
+                <a:solidFill>
+                  <a:srgbClr val="000000"/>
+                </a:solidFill>
+                <a:latin typeface="Arial"/>
+                <a:ea typeface="Arial"/>
+              </a:rPr>
+              <a:t>…</a:t>
             </a:r>
             <a:endParaRPr b="0" lang="en-US" sz="1800" spc="-1" strike="noStrike">
               <a:latin typeface="Arial"/>
@@ -3990,39 +4372,16 @@
           <a:chExt cx="0" cy="0"/>
         </a:xfrm>
       </p:grpSpPr>
-      <p:pic>
-        <p:nvPicPr>
-          <p:cNvPr id="82" name="" descr=""/>
-          <p:cNvPicPr/>
-          <p:nvPr/>
-        </p:nvPicPr>
-        <p:blipFill>
-          <a:blip r:embed="rId1"/>
-          <a:stretch/>
-        </p:blipFill>
-        <p:spPr>
-          <a:xfrm>
-            <a:off x="4206240" y="1280160"/>
-            <a:ext cx="3680280" cy="3680280"/>
-          </a:xfrm>
-          <a:prstGeom prst="rect">
-            <a:avLst/>
-          </a:prstGeom>
-          <a:ln>
-            <a:noFill/>
-          </a:ln>
-        </p:spPr>
-      </p:pic>
-      <p:sp>
-        <p:nvSpPr>
-          <p:cNvPr id="83" name="CustomShape 1"/>
+      <p:sp>
+        <p:nvSpPr>
+          <p:cNvPr id="84" name="CustomShape 1"/>
           <p:cNvSpPr/>
           <p:nvPr/>
         </p:nvSpPr>
         <p:spPr>
           <a:xfrm>
             <a:off x="311760" y="444960"/>
-            <a:ext cx="8519760" cy="572040"/>
+            <a:ext cx="8519040" cy="571320"/>
           </a:xfrm>
           <a:prstGeom prst="rect">
             <a:avLst/>
@@ -4059,7 +4418,7 @@
                 <a:latin typeface="Arial"/>
                 <a:ea typeface="Arial"/>
               </a:rPr>
-              <a:t>What we will do</a:t>
+              <a:t>Objectives</a:t>
             </a:r>
             <a:endParaRPr b="0" lang="en-US" sz="2800" spc="-1" strike="noStrike">
               <a:latin typeface="Arial"/>
@@ -4069,14 +4428,14 @@
       </p:sp>
       <p:sp>
         <p:nvSpPr>
-          <p:cNvPr id="84" name="CustomShape 2"/>
+          <p:cNvPr id="85" name="CustomShape 2"/>
           <p:cNvSpPr/>
           <p:nvPr/>
         </p:nvSpPr>
         <p:spPr>
           <a:xfrm>
             <a:off x="311760" y="1152360"/>
-            <a:ext cx="8519760" cy="3415680"/>
+            <a:ext cx="8519040" cy="3414960"/>
           </a:xfrm>
           <a:prstGeom prst="rect">
             <a:avLst/>
@@ -4097,15 +4456,13 @@
             <a:normAutofit/>
           </a:bodyPr>
           <a:p>
-            <a:pPr marL="457200" indent="-342360">
+            <a:pPr>
               <a:lnSpc>
                 <a:spcPct val="115000"/>
               </a:lnSpc>
-              <a:buClr>
-                <a:srgbClr val="000000"/>
-              </a:buClr>
-              <a:buFont typeface="Arial"/>
-              <a:buChar char="●"/>
+              <a:tabLst>
+                <a:tab algn="l" pos="0"/>
+              </a:tabLst>
             </a:pPr>
             <a:r>
               <a:rPr b="0" lang="en" sz="1800" spc="-1" strike="noStrike">
@@ -4115,7 +4472,30 @@
                 <a:latin typeface="Arial"/>
                 <a:ea typeface="Arial"/>
               </a:rPr>
-              <a:t>Programming (lesson 1) and the binomial distribution (lesson 2): fundamental tools to help design simulation studies</a:t>
+              <a:t>- Recognize common tradeoffs in statistics</a:t>
+            </a:r>
+            <a:endParaRPr b="0" lang="en-US" sz="1800" spc="-1" strike="noStrike">
+              <a:latin typeface="Arial"/>
+            </a:endParaRPr>
+          </a:p>
+          <a:p>
+            <a:pPr>
+              <a:lnSpc>
+                <a:spcPct val="115000"/>
+              </a:lnSpc>
+              <a:tabLst>
+                <a:tab algn="l" pos="0"/>
+              </a:tabLst>
+            </a:pPr>
+            <a:r>
+              <a:rPr b="0" lang="en" sz="1800" spc="-1" strike="noStrike">
+                <a:solidFill>
+                  <a:srgbClr val="000000"/>
+                </a:solidFill>
+                <a:latin typeface="Arial"/>
+                <a:ea typeface="Arial"/>
+              </a:rPr>
+              <a:t>- Demonstrate results via computer simulation</a:t>
             </a:r>
             <a:endParaRPr b="0" lang="en-US" sz="1800" spc="-1" strike="noStrike">
               <a:latin typeface="Arial"/>
@@ -4142,29 +4522,6 @@
           </a:p>
         </p:txBody>
       </p:sp>
-      <p:pic>
-        <p:nvPicPr>
-          <p:cNvPr id="85" name="" descr=""/>
-          <p:cNvPicPr/>
-          <p:nvPr/>
-        </p:nvPicPr>
-        <p:blipFill>
-          <a:blip r:embed="rId2"/>
-          <a:stretch/>
-        </p:blipFill>
-        <p:spPr>
-          <a:xfrm>
-            <a:off x="1653120" y="2286000"/>
-            <a:ext cx="2278800" cy="2309760"/>
-          </a:xfrm>
-          <a:prstGeom prst="rect">
-            <a:avLst/>
-          </a:prstGeom>
-          <a:ln>
-            <a:noFill/>
-          </a:ln>
-        </p:spPr>
-      </p:pic>
     </p:spTree>
   </p:cSld>
   <mc:AlternateContent>
@@ -4195,16 +4552,39 @@
           <a:chExt cx="0" cy="0"/>
         </a:xfrm>
       </p:grpSpPr>
-      <p:sp>
-        <p:nvSpPr>
-          <p:cNvPr id="86" name="CustomShape 1"/>
+      <p:pic>
+        <p:nvPicPr>
+          <p:cNvPr id="86" name="" descr=""/>
+          <p:cNvPicPr/>
+          <p:nvPr/>
+        </p:nvPicPr>
+        <p:blipFill>
+          <a:blip r:embed="rId1"/>
+          <a:stretch/>
+        </p:blipFill>
+        <p:spPr>
+          <a:xfrm>
+            <a:off x="4206240" y="1280160"/>
+            <a:ext cx="3679560" cy="3679560"/>
+          </a:xfrm>
+          <a:prstGeom prst="rect">
+            <a:avLst/>
+          </a:prstGeom>
+          <a:ln>
+            <a:noFill/>
+          </a:ln>
+        </p:spPr>
+      </p:pic>
+      <p:sp>
+        <p:nvSpPr>
+          <p:cNvPr id="87" name="CustomShape 1"/>
           <p:cNvSpPr/>
           <p:nvPr/>
         </p:nvSpPr>
         <p:spPr>
           <a:xfrm>
             <a:off x="311760" y="444960"/>
-            <a:ext cx="8519760" cy="572040"/>
+            <a:ext cx="8519040" cy="571320"/>
           </a:xfrm>
           <a:prstGeom prst="rect">
             <a:avLst/>
@@ -4251,14 +4631,14 @@
       </p:sp>
       <p:sp>
         <p:nvSpPr>
-          <p:cNvPr id="87" name="CustomShape 2"/>
+          <p:cNvPr id="88" name="CustomShape 2"/>
           <p:cNvSpPr/>
           <p:nvPr/>
         </p:nvSpPr>
         <p:spPr>
           <a:xfrm>
             <a:off x="311760" y="1152360"/>
-            <a:ext cx="4046040" cy="2152080"/>
+            <a:ext cx="8519040" cy="3414960"/>
           </a:xfrm>
           <a:prstGeom prst="rect">
             <a:avLst/>
@@ -4279,7 +4659,7 @@
             <a:normAutofit/>
           </a:bodyPr>
           <a:p>
-            <a:pPr marL="457200" indent="-342360">
+            <a:pPr marL="457200" indent="-341640">
               <a:lnSpc>
                 <a:spcPct val="115000"/>
               </a:lnSpc>
@@ -4297,8 +4677,27 @@
                 <a:latin typeface="Arial"/>
                 <a:ea typeface="Arial"/>
               </a:rPr>
-              <a:t>Efficiency (lesson 3) and robustness against mistaken assumptions (lesson 4).</a:t>
-            </a:r>
+              <a:t>Programming (lesson 1) and the binomial distribution (lesson 2): fundamental tools to help design simulation studies</a:t>
+            </a:r>
+            <a:endParaRPr b="0" lang="en-US" sz="1800" spc="-1" strike="noStrike">
+              <a:latin typeface="Arial"/>
+            </a:endParaRPr>
+          </a:p>
+          <a:p>
+            <a:pPr>
+              <a:lnSpc>
+                <a:spcPct val="115000"/>
+              </a:lnSpc>
+              <a:spcBef>
+                <a:spcPts val="1199"/>
+              </a:spcBef>
+              <a:spcAft>
+                <a:spcPts val="1199"/>
+              </a:spcAft>
+              <a:tabLst>
+                <a:tab algn="l" pos="0"/>
+              </a:tabLst>
+            </a:pPr>
             <a:endParaRPr b="0" lang="en-US" sz="1800" spc="-1" strike="noStrike">
               <a:latin typeface="Arial"/>
             </a:endParaRPr>
@@ -4307,30 +4706,7 @@
       </p:sp>
       <p:pic>
         <p:nvPicPr>
-          <p:cNvPr id="88" name="Google Shape;90;p18" descr=""/>
-          <p:cNvPicPr/>
-          <p:nvPr/>
-        </p:nvPicPr>
-        <p:blipFill>
-          <a:blip r:embed="rId1"/>
-          <a:stretch/>
-        </p:blipFill>
-        <p:spPr>
-          <a:xfrm>
-            <a:off x="4457880" y="2587680"/>
-            <a:ext cx="2375640" cy="2451960"/>
-          </a:xfrm>
-          <a:prstGeom prst="rect">
-            <a:avLst/>
-          </a:prstGeom>
-          <a:ln>
-            <a:noFill/>
-          </a:ln>
-        </p:spPr>
-      </p:pic>
-      <p:pic>
-        <p:nvPicPr>
-          <p:cNvPr id="89" name="Google Shape;91;p18" descr=""/>
+          <p:cNvPr id="89" name="" descr=""/>
           <p:cNvPicPr/>
           <p:nvPr/>
         </p:nvPicPr>
@@ -4340,54 +4716,8 @@
         </p:blipFill>
         <p:spPr>
           <a:xfrm>
-            <a:off x="4457880" y="119160"/>
-            <a:ext cx="2375640" cy="2451960"/>
-          </a:xfrm>
-          <a:prstGeom prst="rect">
-            <a:avLst/>
-          </a:prstGeom>
-          <a:ln>
-            <a:noFill/>
-          </a:ln>
-        </p:spPr>
-      </p:pic>
-      <p:pic>
-        <p:nvPicPr>
-          <p:cNvPr id="90" name="Google Shape;92;p18" descr=""/>
-          <p:cNvPicPr/>
-          <p:nvPr/>
-        </p:nvPicPr>
-        <p:blipFill>
-          <a:blip r:embed="rId3"/>
-          <a:stretch/>
-        </p:blipFill>
-        <p:spPr>
-          <a:xfrm>
-            <a:off x="6869880" y="2587680"/>
-            <a:ext cx="2239560" cy="2318040"/>
-          </a:xfrm>
-          <a:prstGeom prst="rect">
-            <a:avLst/>
-          </a:prstGeom>
-          <a:ln>
-            <a:noFill/>
-          </a:ln>
-        </p:spPr>
-      </p:pic>
-      <p:pic>
-        <p:nvPicPr>
-          <p:cNvPr id="91" name="Google Shape;93;p18" descr=""/>
-          <p:cNvPicPr/>
-          <p:nvPr/>
-        </p:nvPicPr>
-        <p:blipFill>
-          <a:blip r:embed="rId4"/>
-          <a:stretch/>
-        </p:blipFill>
-        <p:spPr>
-          <a:xfrm>
-            <a:off x="6869880" y="266400"/>
-            <a:ext cx="2238120" cy="2309760"/>
+            <a:off x="1653120" y="2286000"/>
+            <a:ext cx="2278080" cy="2309040"/>
           </a:xfrm>
           <a:prstGeom prst="rect">
             <a:avLst/>
@@ -4429,14 +4759,14 @@
       </p:grpSpPr>
       <p:sp>
         <p:nvSpPr>
-          <p:cNvPr id="92" name="CustomShape 1"/>
+          <p:cNvPr id="90" name="CustomShape 1"/>
           <p:cNvSpPr/>
           <p:nvPr/>
         </p:nvSpPr>
         <p:spPr>
           <a:xfrm>
             <a:off x="311760" y="444960"/>
-            <a:ext cx="8519760" cy="572040"/>
+            <a:ext cx="8519040" cy="571320"/>
           </a:xfrm>
           <a:prstGeom prst="rect">
             <a:avLst/>
@@ -4483,14 +4813,14 @@
       </p:sp>
       <p:sp>
         <p:nvSpPr>
-          <p:cNvPr id="93" name="CustomShape 2"/>
+          <p:cNvPr id="91" name="CustomShape 2"/>
           <p:cNvSpPr/>
           <p:nvPr/>
         </p:nvSpPr>
         <p:spPr>
           <a:xfrm>
             <a:off x="311760" y="1152360"/>
-            <a:ext cx="4628160" cy="3415680"/>
+            <a:ext cx="4045320" cy="2151360"/>
           </a:xfrm>
           <a:prstGeom prst="rect">
             <a:avLst/>
@@ -4511,13 +4841,15 @@
             <a:normAutofit/>
           </a:bodyPr>
           <a:p>
-            <a:pPr>
+            <a:pPr marL="457200" indent="-341640">
               <a:lnSpc>
                 <a:spcPct val="115000"/>
               </a:lnSpc>
-              <a:tabLst>
-                <a:tab algn="l" pos="0"/>
-              </a:tabLst>
+              <a:buClr>
+                <a:srgbClr val="000000"/>
+              </a:buClr>
+              <a:buFont typeface="Arial"/>
+              <a:buChar char="●"/>
             </a:pPr>
             <a:r>
               <a:rPr b="0" lang="en" sz="1800" spc="-1" strike="noStrike">
@@ -4527,7 +4859,7 @@
                 <a:latin typeface="Arial"/>
                 <a:ea typeface="Arial"/>
               </a:rPr>
-              <a:t>Outliers (lesson 5)</a:t>
+              <a:t>Efficiency (lesson 3) and robustness against mistaken assumptions (lesson 4).</a:t>
             </a:r>
             <a:endParaRPr b="0" lang="en-US" sz="1800" spc="-1" strike="noStrike">
               <a:latin typeface="Arial"/>
@@ -4537,7 +4869,7 @@
       </p:sp>
       <p:pic>
         <p:nvPicPr>
-          <p:cNvPr id="94" name="" descr=""/>
+          <p:cNvPr id="92" name="Google Shape;90;p18" descr=""/>
           <p:cNvPicPr/>
           <p:nvPr/>
         </p:nvPicPr>
@@ -4547,8 +4879,77 @@
         </p:blipFill>
         <p:spPr>
           <a:xfrm>
-            <a:off x="2462040" y="1097280"/>
-            <a:ext cx="6476760" cy="3742920"/>
+            <a:off x="4457880" y="2587680"/>
+            <a:ext cx="2374920" cy="2451240"/>
+          </a:xfrm>
+          <a:prstGeom prst="rect">
+            <a:avLst/>
+          </a:prstGeom>
+          <a:ln>
+            <a:noFill/>
+          </a:ln>
+        </p:spPr>
+      </p:pic>
+      <p:pic>
+        <p:nvPicPr>
+          <p:cNvPr id="93" name="Google Shape;91;p18" descr=""/>
+          <p:cNvPicPr/>
+          <p:nvPr/>
+        </p:nvPicPr>
+        <p:blipFill>
+          <a:blip r:embed="rId2"/>
+          <a:stretch/>
+        </p:blipFill>
+        <p:spPr>
+          <a:xfrm>
+            <a:off x="4457880" y="119160"/>
+            <a:ext cx="2374920" cy="2451240"/>
+          </a:xfrm>
+          <a:prstGeom prst="rect">
+            <a:avLst/>
+          </a:prstGeom>
+          <a:ln>
+            <a:noFill/>
+          </a:ln>
+        </p:spPr>
+      </p:pic>
+      <p:pic>
+        <p:nvPicPr>
+          <p:cNvPr id="94" name="Google Shape;92;p18" descr=""/>
+          <p:cNvPicPr/>
+          <p:nvPr/>
+        </p:nvPicPr>
+        <p:blipFill>
+          <a:blip r:embed="rId3"/>
+          <a:stretch/>
+        </p:blipFill>
+        <p:spPr>
+          <a:xfrm>
+            <a:off x="6869880" y="2587680"/>
+            <a:ext cx="2238840" cy="2317320"/>
+          </a:xfrm>
+          <a:prstGeom prst="rect">
+            <a:avLst/>
+          </a:prstGeom>
+          <a:ln>
+            <a:noFill/>
+          </a:ln>
+        </p:spPr>
+      </p:pic>
+      <p:pic>
+        <p:nvPicPr>
+          <p:cNvPr id="95" name="Google Shape;93;p18" descr=""/>
+          <p:cNvPicPr/>
+          <p:nvPr/>
+        </p:nvPicPr>
+        <p:blipFill>
+          <a:blip r:embed="rId4"/>
+          <a:stretch/>
+        </p:blipFill>
+        <p:spPr>
+          <a:xfrm>
+            <a:off x="6869880" y="266400"/>
+            <a:ext cx="2237400" cy="2309040"/>
           </a:xfrm>
           <a:prstGeom prst="rect">
             <a:avLst/>
@@ -4590,14 +4991,14 @@
       </p:grpSpPr>
       <p:sp>
         <p:nvSpPr>
-          <p:cNvPr id="95" name="CustomShape 1"/>
+          <p:cNvPr id="96" name="CustomShape 1"/>
           <p:cNvSpPr/>
           <p:nvPr/>
         </p:nvSpPr>
         <p:spPr>
           <a:xfrm>
             <a:off x="311760" y="444960"/>
-            <a:ext cx="8519760" cy="572040"/>
+            <a:ext cx="8519040" cy="571320"/>
           </a:xfrm>
           <a:prstGeom prst="rect">
             <a:avLst/>
@@ -4644,14 +5045,14 @@
       </p:sp>
       <p:sp>
         <p:nvSpPr>
-          <p:cNvPr id="96" name="CustomShape 2"/>
+          <p:cNvPr id="97" name="CustomShape 2"/>
           <p:cNvSpPr/>
           <p:nvPr/>
         </p:nvSpPr>
         <p:spPr>
           <a:xfrm>
             <a:off x="311760" y="1152360"/>
-            <a:ext cx="4628160" cy="3415680"/>
+            <a:ext cx="4627440" cy="3414960"/>
           </a:xfrm>
           <a:prstGeom prst="rect">
             <a:avLst/>
@@ -4672,26 +5073,14 @@
             <a:normAutofit/>
           </a:bodyPr>
           <a:p>
-            <a:pPr marL="457200" indent="-342360">
+            <a:pPr>
               <a:lnSpc>
                 <a:spcPct val="115000"/>
               </a:lnSpc>
-              <a:buClr>
-                <a:srgbClr val="000000"/>
-              </a:buClr>
-              <a:buFont typeface="Arial"/>
-              <a:buChar char="●"/>
-            </a:pPr>
-            <a:r>
-              <a:rPr b="0" i="1" lang="en" sz="1800" spc="-1" strike="noStrike">
-                <a:solidFill>
-                  <a:srgbClr val="000000"/>
-                </a:solidFill>
-                <a:latin typeface="Arial"/>
-                <a:ea typeface="Arial"/>
-              </a:rPr>
-              <a:t>Prediction</a:t>
-            </a:r>
+              <a:tabLst>
+                <a:tab algn="l" pos="0"/>
+              </a:tabLst>
+            </a:pPr>
             <a:r>
               <a:rPr b="0" lang="en" sz="1800" spc="-1" strike="noStrike">
                 <a:solidFill>
@@ -4700,249 +5089,9 @@
                 <a:latin typeface="Arial"/>
                 <a:ea typeface="Arial"/>
               </a:rPr>
-              <a:t> versus </a:t>
-            </a:r>
-            <a:r>
-              <a:rPr b="0" i="1" lang="en" sz="1800" spc="-1" strike="noStrike">
-                <a:solidFill>
-                  <a:srgbClr val="000000"/>
-                </a:solidFill>
-                <a:latin typeface="Arial"/>
-                <a:ea typeface="Arial"/>
-              </a:rPr>
-              <a:t>false positive control</a:t>
-            </a:r>
-            <a:r>
-              <a:rPr b="0" lang="en" sz="1800" spc="-1" strike="noStrike">
-                <a:solidFill>
-                  <a:srgbClr val="000000"/>
-                </a:solidFill>
-                <a:latin typeface="Arial"/>
-                <a:ea typeface="Arial"/>
-              </a:rPr>
-              <a:t> (lesson 6)</a:t>
+              <a:t>Outliers (lesson 5)</a:t>
             </a:r>
             <a:endParaRPr b="0" lang="en-US" sz="1800" spc="-1" strike="noStrike">
-              <a:latin typeface="Arial"/>
-            </a:endParaRPr>
-          </a:p>
-        </p:txBody>
-      </p:sp>
-      <p:sp>
-        <p:nvSpPr>
-          <p:cNvPr id="97" name="CustomShape 3"/>
-          <p:cNvSpPr/>
-          <p:nvPr/>
-        </p:nvSpPr>
-        <p:spPr>
-          <a:xfrm>
-            <a:off x="5283000" y="154800"/>
-            <a:ext cx="3396600" cy="1139040"/>
-          </a:xfrm>
-          <a:prstGeom prst="rect">
-            <a:avLst/>
-          </a:prstGeom>
-          <a:noFill/>
-          <a:ln>
-            <a:noFill/>
-          </a:ln>
-        </p:spPr>
-        <p:style>
-          <a:lnRef idx="0"/>
-          <a:fillRef idx="0"/>
-          <a:effectRef idx="0"/>
-          <a:fontRef idx="minor"/>
-        </p:style>
-        <p:txBody>
-          <a:bodyPr lIns="90000" rIns="90000" tIns="91440" bIns="91440">
-            <a:spAutoFit/>
-          </a:bodyPr>
-          <a:p>
-            <a:pPr algn="ctr">
-              <a:lnSpc>
-                <a:spcPct val="100000"/>
-              </a:lnSpc>
-              <a:tabLst>
-                <a:tab algn="l" pos="0"/>
-              </a:tabLst>
-            </a:pPr>
-            <a:r>
-              <a:rPr b="0" lang="en" sz="2000" spc="-1" strike="noStrike">
-                <a:solidFill>
-                  <a:srgbClr val="000000"/>
-                </a:solidFill>
-                <a:latin typeface="Arial"/>
-                <a:ea typeface="Arial"/>
-              </a:rPr>
-              <a:t>Y = b</a:t>
-            </a:r>
-            <a:r>
-              <a:rPr b="0" lang="en" sz="2000" spc="-1" strike="noStrike" baseline="-25000">
-                <a:solidFill>
-                  <a:srgbClr val="000000"/>
-                </a:solidFill>
-                <a:latin typeface="Arial"/>
-                <a:ea typeface="Arial"/>
-              </a:rPr>
-              <a:t>0</a:t>
-            </a:r>
-            <a:r>
-              <a:rPr b="0" lang="en" sz="2000" spc="-1" strike="noStrike">
-                <a:solidFill>
-                  <a:srgbClr val="000000"/>
-                </a:solidFill>
-                <a:latin typeface="Arial"/>
-                <a:ea typeface="Arial"/>
-              </a:rPr>
-              <a:t> + b</a:t>
-            </a:r>
-            <a:r>
-              <a:rPr b="0" lang="en" sz="2000" spc="-1" strike="noStrike" baseline="-25000">
-                <a:solidFill>
-                  <a:srgbClr val="000000"/>
-                </a:solidFill>
-                <a:latin typeface="Arial"/>
-                <a:ea typeface="Arial"/>
-              </a:rPr>
-              <a:t>1</a:t>
-            </a:r>
-            <a:r>
-              <a:rPr b="0" lang="en" sz="2000" spc="-1" strike="noStrike">
-                <a:solidFill>
-                  <a:srgbClr val="000000"/>
-                </a:solidFill>
-                <a:latin typeface="Arial"/>
-                <a:ea typeface="Arial"/>
-              </a:rPr>
-              <a:t>X</a:t>
-            </a:r>
-            <a:r>
-              <a:rPr b="0" lang="en" sz="2000" spc="-1" strike="noStrike" baseline="-25000">
-                <a:solidFill>
-                  <a:srgbClr val="000000"/>
-                </a:solidFill>
-                <a:latin typeface="Arial"/>
-                <a:ea typeface="Arial"/>
-              </a:rPr>
-              <a:t>1</a:t>
-            </a:r>
-            <a:r>
-              <a:rPr b="0" lang="en" sz="2000" spc="-1" strike="noStrike">
-                <a:solidFill>
-                  <a:srgbClr val="000000"/>
-                </a:solidFill>
-                <a:latin typeface="Arial"/>
-                <a:ea typeface="Arial"/>
-              </a:rPr>
-              <a:t> +  b</a:t>
-            </a:r>
-            <a:r>
-              <a:rPr b="0" lang="en" sz="2000" spc="-1" strike="noStrike" baseline="-25000">
-                <a:solidFill>
-                  <a:srgbClr val="000000"/>
-                </a:solidFill>
-                <a:latin typeface="Arial"/>
-                <a:ea typeface="Arial"/>
-              </a:rPr>
-              <a:t>2</a:t>
-            </a:r>
-            <a:r>
-              <a:rPr b="0" lang="en" sz="2000" spc="-1" strike="noStrike">
-                <a:solidFill>
-                  <a:srgbClr val="000000"/>
-                </a:solidFill>
-                <a:latin typeface="Arial"/>
-                <a:ea typeface="Arial"/>
-              </a:rPr>
-              <a:t>X</a:t>
-            </a:r>
-            <a:r>
-              <a:rPr b="0" lang="en" sz="2000" spc="-1" strike="noStrike" baseline="-25000">
-                <a:solidFill>
-                  <a:srgbClr val="000000"/>
-                </a:solidFill>
-                <a:latin typeface="Arial"/>
-                <a:ea typeface="Arial"/>
-              </a:rPr>
-              <a:t>2</a:t>
-            </a:r>
-            <a:r>
-              <a:rPr b="0" lang="en" sz="2000" spc="-1" strike="noStrike">
-                <a:solidFill>
-                  <a:srgbClr val="000000"/>
-                </a:solidFill>
-                <a:latin typeface="Arial"/>
-                <a:ea typeface="Arial"/>
-              </a:rPr>
-              <a:t> +  b</a:t>
-            </a:r>
-            <a:r>
-              <a:rPr b="0" lang="en" sz="2000" spc="-1" strike="noStrike" baseline="-25000">
-                <a:solidFill>
-                  <a:srgbClr val="000000"/>
-                </a:solidFill>
-                <a:latin typeface="Arial"/>
-                <a:ea typeface="Arial"/>
-              </a:rPr>
-              <a:t>3</a:t>
-            </a:r>
-            <a:r>
-              <a:rPr b="0" lang="en" sz="2000" spc="-1" strike="noStrike">
-                <a:solidFill>
-                  <a:srgbClr val="000000"/>
-                </a:solidFill>
-                <a:latin typeface="Arial"/>
-                <a:ea typeface="Arial"/>
-              </a:rPr>
-              <a:t>X</a:t>
-            </a:r>
-            <a:r>
-              <a:rPr b="0" lang="en" sz="2000" spc="-1" strike="noStrike" baseline="-25000">
-                <a:solidFill>
-                  <a:srgbClr val="000000"/>
-                </a:solidFill>
-                <a:latin typeface="Arial"/>
-                <a:ea typeface="Arial"/>
-              </a:rPr>
-              <a:t>3</a:t>
-            </a:r>
-            <a:endParaRPr b="0" lang="en-US" sz="2000" spc="-1" strike="noStrike">
-              <a:latin typeface="Arial"/>
-            </a:endParaRPr>
-          </a:p>
-          <a:p>
-            <a:pPr algn="ctr">
-              <a:lnSpc>
-                <a:spcPct val="100000"/>
-              </a:lnSpc>
-              <a:tabLst>
-                <a:tab algn="l" pos="0"/>
-              </a:tabLst>
-            </a:pPr>
-            <a:endParaRPr b="0" lang="en-US" sz="2000" spc="-1" strike="noStrike">
-              <a:latin typeface="Arial"/>
-            </a:endParaRPr>
-          </a:p>
-          <a:p>
-            <a:pPr algn="ctr">
-              <a:lnSpc>
-                <a:spcPct val="100000"/>
-              </a:lnSpc>
-              <a:tabLst>
-                <a:tab algn="l" pos="0"/>
-              </a:tabLst>
-            </a:pPr>
-            <a:r>
-              <a:rPr b="0" lang="en" sz="2000" spc="-1" strike="noStrike">
-                <a:solidFill>
-                  <a:srgbClr val="000000"/>
-                </a:solidFill>
-                <a:latin typeface="Arial"/>
-                <a:ea typeface="Arial"/>
-              </a:rPr>
-              <a:t>X is given; b is unknown </a:t>
-            </a:r>
-            <a:endParaRPr b="0" lang="en-US" sz="2000" spc="-1" strike="noStrike">
               <a:latin typeface="Arial"/>
             </a:endParaRPr>
           </a:p>
@@ -4950,19 +5099,18 @@
       </p:sp>
       <p:pic>
         <p:nvPicPr>
-          <p:cNvPr id="98" name="Google Shape;115;p20" descr=""/>
+          <p:cNvPr id="98" name="" descr=""/>
           <p:cNvPicPr/>
           <p:nvPr/>
         </p:nvPicPr>
         <p:blipFill>
           <a:blip r:embed="rId1"/>
-          <a:srcRect l="41258" t="0" r="0" b="0"/>
           <a:stretch/>
         </p:blipFill>
         <p:spPr>
           <a:xfrm>
-            <a:off x="5115960" y="1324800"/>
-            <a:ext cx="3798720" cy="3638160"/>
+            <a:off x="2462040" y="1097280"/>
+            <a:ext cx="6476040" cy="3742200"/>
           </a:xfrm>
           <a:prstGeom prst="rect">
             <a:avLst/>
@@ -5011,7 +5159,7 @@
         <p:spPr>
           <a:xfrm>
             <a:off x="311760" y="444960"/>
-            <a:ext cx="8519760" cy="572040"/>
+            <a:ext cx="8519040" cy="571320"/>
           </a:xfrm>
           <a:prstGeom prst="rect">
             <a:avLst/>
@@ -5048,7 +5196,7 @@
                 <a:latin typeface="Arial"/>
                 <a:ea typeface="Arial"/>
               </a:rPr>
-              <a:t>I hope you can:</a:t>
+              <a:t>What we will do</a:t>
             </a:r>
             <a:endParaRPr b="0" lang="en-US" sz="2800" spc="-1" strike="noStrike">
               <a:latin typeface="Arial"/>
@@ -5056,39 +5204,16 @@
           </a:p>
         </p:txBody>
       </p:sp>
-      <p:pic>
-        <p:nvPicPr>
-          <p:cNvPr id="100" name="Google Shape;127;p22" descr=""/>
-          <p:cNvPicPr/>
-          <p:nvPr/>
-        </p:nvPicPr>
-        <p:blipFill>
-          <a:blip r:embed="rId1"/>
-          <a:stretch/>
-        </p:blipFill>
-        <p:spPr>
-          <a:xfrm>
-            <a:off x="4304880" y="1229400"/>
-            <a:ext cx="4533480" cy="2829240"/>
-          </a:xfrm>
-          <a:prstGeom prst="rect">
-            <a:avLst/>
-          </a:prstGeom>
-          <a:ln>
-            <a:noFill/>
-          </a:ln>
-        </p:spPr>
-      </p:pic>
-      <p:sp>
-        <p:nvSpPr>
-          <p:cNvPr id="101" name="CustomShape 2"/>
+      <p:sp>
+        <p:nvSpPr>
+          <p:cNvPr id="100" name="CustomShape 2"/>
           <p:cNvSpPr/>
           <p:nvPr/>
         </p:nvSpPr>
         <p:spPr>
           <a:xfrm>
-            <a:off x="2002680" y="4388400"/>
-            <a:ext cx="6968880" cy="609120"/>
+            <a:off x="311760" y="1152360"/>
+            <a:ext cx="4627440" cy="3414960"/>
           </a:xfrm>
           <a:prstGeom prst="rect">
             <a:avLst/>
@@ -5106,87 +5231,10 @@
         </p:style>
         <p:txBody>
           <a:bodyPr lIns="90000" rIns="90000" tIns="91440" bIns="91440">
-            <a:spAutoFit/>
-          </a:bodyPr>
-          <a:p>
-            <a:pPr>
-              <a:lnSpc>
-                <a:spcPct val="100000"/>
-              </a:lnSpc>
-              <a:tabLst>
-                <a:tab algn="l" pos="0"/>
-              </a:tabLst>
-            </a:pPr>
-            <a:r>
-              <a:rPr b="0" lang="en" sz="1400" spc="-1" strike="noStrike">
-                <a:solidFill>
-                  <a:srgbClr val="000000"/>
-                </a:solidFill>
-                <a:latin typeface="Arial"/>
-                <a:ea typeface="Arial"/>
-              </a:rPr>
-              <a:t>Image from the Baltimore Sun darkroom: Inner Harbor during the 1973 City Fair.</a:t>
-            </a:r>
-            <a:endParaRPr b="0" lang="en-US" sz="1400" spc="-1" strike="noStrike">
-              <a:latin typeface="Arial"/>
-            </a:endParaRPr>
-          </a:p>
-          <a:p>
-            <a:pPr>
-              <a:lnSpc>
-                <a:spcPct val="100000"/>
-              </a:lnSpc>
-              <a:tabLst>
-                <a:tab algn="l" pos="0"/>
-              </a:tabLst>
-            </a:pPr>
-            <a:r>
-              <a:rPr b="0" lang="en" sz="1400" spc="-1" strike="noStrike">
-                <a:solidFill>
-                  <a:srgbClr val="000000"/>
-                </a:solidFill>
-                <a:latin typeface="Arial"/>
-                <a:ea typeface="Arial"/>
-              </a:rPr>
-              <a:t>https://darkroom.baltimoresun.com/2016/10/a-birds-eye-view-of-baltimore-in-1973/#1</a:t>
-            </a:r>
-            <a:endParaRPr b="0" lang="en-US" sz="1400" spc="-1" strike="noStrike">
-              <a:latin typeface="Arial"/>
-            </a:endParaRPr>
-          </a:p>
-        </p:txBody>
-      </p:sp>
-      <p:sp>
-        <p:nvSpPr>
-          <p:cNvPr id="102" name="CustomShape 3"/>
-          <p:cNvSpPr/>
-          <p:nvPr/>
-        </p:nvSpPr>
-        <p:spPr>
-          <a:xfrm>
-            <a:off x="311760" y="1152360"/>
-            <a:ext cx="3954600" cy="2906280"/>
-          </a:xfrm>
-          <a:prstGeom prst="rect">
-            <a:avLst/>
-          </a:prstGeom>
-          <a:noFill/>
-          <a:ln>
-            <a:noFill/>
-          </a:ln>
-        </p:spPr>
-        <p:style>
-          <a:lnRef idx="0"/>
-          <a:fillRef idx="0"/>
-          <a:effectRef idx="0"/>
-          <a:fontRef idx="minor"/>
-        </p:style>
-        <p:txBody>
-          <a:bodyPr lIns="90000" rIns="90000" tIns="91440" bIns="91440">
             <a:normAutofit/>
           </a:bodyPr>
           <a:p>
-            <a:pPr marL="457200" indent="-342360">
+            <a:pPr marL="457200" indent="-341640">
               <a:lnSpc>
                 <a:spcPct val="115000"/>
               </a:lnSpc>
@@ -5197,6 +5245,16 @@
               <a:buChar char="●"/>
             </a:pPr>
             <a:r>
+              <a:rPr b="0" i="1" lang="en" sz="1800" spc="-1" strike="noStrike">
+                <a:solidFill>
+                  <a:srgbClr val="000000"/>
+                </a:solidFill>
+                <a:latin typeface="Arial"/>
+                <a:ea typeface="Arial"/>
+              </a:rPr>
+              <a:t>Prediction</a:t>
+            </a:r>
+            <a:r>
               <a:rPr b="0" lang="en" sz="1800" spc="-1" strike="noStrike">
                 <a:solidFill>
                   <a:srgbClr val="000000"/>
@@ -5204,23 +5262,18 @@
                 <a:latin typeface="Arial"/>
                 <a:ea typeface="Arial"/>
               </a:rPr>
-              <a:t>Get stuff done</a:t>
-            </a:r>
-            <a:endParaRPr b="0" lang="en-US" sz="1800" spc="-1" strike="noStrike">
-              <a:latin typeface="Arial"/>
-            </a:endParaRPr>
-          </a:p>
-          <a:p>
-            <a:pPr marL="457200" indent="-342360">
-              <a:lnSpc>
-                <a:spcPct val="115000"/>
-              </a:lnSpc>
-              <a:buClr>
-                <a:srgbClr val="000000"/>
-              </a:buClr>
-              <a:buFont typeface="Arial"/>
-              <a:buChar char="●"/>
-            </a:pPr>
+              <a:t> versus </a:t>
+            </a:r>
+            <a:r>
+              <a:rPr b="0" i="1" lang="en" sz="1800" spc="-1" strike="noStrike">
+                <a:solidFill>
+                  <a:srgbClr val="000000"/>
+                </a:solidFill>
+                <a:latin typeface="Arial"/>
+                <a:ea typeface="Arial"/>
+              </a:rPr>
+              <a:t>false positive control</a:t>
+            </a:r>
             <a:r>
               <a:rPr b="0" lang="en" sz="1800" spc="-1" strike="noStrike">
                 <a:solidFill>
@@ -5229,7 +5282,7 @@
                 <a:latin typeface="Arial"/>
                 <a:ea typeface="Arial"/>
               </a:rPr>
-              <a:t>Take a bird’s-eye view</a:t>
+              <a:t> (lesson 6)</a:t>
             </a:r>
             <a:endParaRPr b="0" lang="en-US" sz="1800" spc="-1" strike="noStrike">
               <a:latin typeface="Arial"/>
@@ -5237,6 +5290,273 @@
           </a:p>
         </p:txBody>
       </p:sp>
+      <p:sp>
+        <p:nvSpPr>
+          <p:cNvPr id="101" name="CustomShape 3"/>
+          <p:cNvSpPr/>
+          <p:nvPr/>
+        </p:nvSpPr>
+        <p:spPr>
+          <a:xfrm>
+            <a:off x="5120640" y="822960"/>
+            <a:ext cx="3657600" cy="1443960"/>
+          </a:xfrm>
+          <a:prstGeom prst="rect">
+            <a:avLst/>
+          </a:prstGeom>
+          <a:noFill/>
+          <a:ln>
+            <a:noFill/>
+          </a:ln>
+        </p:spPr>
+        <p:style>
+          <a:lnRef idx="0"/>
+          <a:fillRef idx="0"/>
+          <a:effectRef idx="0"/>
+          <a:fontRef idx="minor"/>
+        </p:style>
+        <p:txBody>
+          <a:bodyPr lIns="90000" rIns="90000" tIns="91440" bIns="91440">
+            <a:spAutoFit/>
+          </a:bodyPr>
+          <a:p>
+            <a:pPr algn="ctr">
+              <a:lnSpc>
+                <a:spcPct val="100000"/>
+              </a:lnSpc>
+              <a:tabLst>
+                <a:tab algn="l" pos="0"/>
+              </a:tabLst>
+            </a:pPr>
+            <a:r>
+              <a:rPr b="0" lang="en" sz="2000" spc="-1" strike="noStrike">
+                <a:solidFill>
+                  <a:srgbClr val="000000"/>
+                </a:solidFill>
+                <a:latin typeface="Arial"/>
+                <a:ea typeface="Arial"/>
+              </a:rPr>
+              <a:t>Y = b</a:t>
+            </a:r>
+            <a:r>
+              <a:rPr b="0" lang="en" sz="2000" spc="-1" strike="noStrike" baseline="-25000">
+                <a:solidFill>
+                  <a:srgbClr val="000000"/>
+                </a:solidFill>
+                <a:latin typeface="Arial"/>
+                <a:ea typeface="Arial"/>
+              </a:rPr>
+              <a:t>0</a:t>
+            </a:r>
+            <a:r>
+              <a:rPr b="0" lang="en" sz="2000" spc="-1" strike="noStrike">
+                <a:solidFill>
+                  <a:srgbClr val="000000"/>
+                </a:solidFill>
+                <a:latin typeface="Arial"/>
+                <a:ea typeface="Arial"/>
+              </a:rPr>
+              <a:t> + b</a:t>
+            </a:r>
+            <a:r>
+              <a:rPr b="0" lang="en" sz="2000" spc="-1" strike="noStrike" baseline="-25000">
+                <a:solidFill>
+                  <a:srgbClr val="000000"/>
+                </a:solidFill>
+                <a:latin typeface="Arial"/>
+                <a:ea typeface="Arial"/>
+              </a:rPr>
+              <a:t>1</a:t>
+            </a:r>
+            <a:r>
+              <a:rPr b="0" lang="en" sz="2000" spc="-1" strike="noStrike">
+                <a:solidFill>
+                  <a:srgbClr val="000000"/>
+                </a:solidFill>
+                <a:latin typeface="Arial"/>
+                <a:ea typeface="Arial"/>
+              </a:rPr>
+              <a:t>X</a:t>
+            </a:r>
+            <a:r>
+              <a:rPr b="0" lang="en" sz="2000" spc="-1" strike="noStrike" baseline="-25000">
+                <a:solidFill>
+                  <a:srgbClr val="000000"/>
+                </a:solidFill>
+                <a:latin typeface="Arial"/>
+                <a:ea typeface="Arial"/>
+              </a:rPr>
+              <a:t>1</a:t>
+            </a:r>
+            <a:r>
+              <a:rPr b="0" lang="en" sz="2000" spc="-1" strike="noStrike">
+                <a:solidFill>
+                  <a:srgbClr val="000000"/>
+                </a:solidFill>
+                <a:latin typeface="Arial"/>
+                <a:ea typeface="Arial"/>
+              </a:rPr>
+              <a:t> +  b</a:t>
+            </a:r>
+            <a:r>
+              <a:rPr b="0" lang="en" sz="2000" spc="-1" strike="noStrike" baseline="-25000">
+                <a:solidFill>
+                  <a:srgbClr val="000000"/>
+                </a:solidFill>
+                <a:latin typeface="Arial"/>
+                <a:ea typeface="Arial"/>
+              </a:rPr>
+              <a:t>2</a:t>
+            </a:r>
+            <a:r>
+              <a:rPr b="0" lang="en" sz="2000" spc="-1" strike="noStrike">
+                <a:solidFill>
+                  <a:srgbClr val="000000"/>
+                </a:solidFill>
+                <a:latin typeface="Arial"/>
+                <a:ea typeface="Arial"/>
+              </a:rPr>
+              <a:t>X</a:t>
+            </a:r>
+            <a:r>
+              <a:rPr b="0" lang="en" sz="2000" spc="-1" strike="noStrike" baseline="-25000">
+                <a:solidFill>
+                  <a:srgbClr val="000000"/>
+                </a:solidFill>
+                <a:latin typeface="Arial"/>
+                <a:ea typeface="Arial"/>
+              </a:rPr>
+              <a:t>2</a:t>
+            </a:r>
+            <a:r>
+              <a:rPr b="0" lang="en" sz="2000" spc="-1" strike="noStrike">
+                <a:solidFill>
+                  <a:srgbClr val="000000"/>
+                </a:solidFill>
+                <a:latin typeface="Arial"/>
+                <a:ea typeface="Arial"/>
+              </a:rPr>
+              <a:t> +  b</a:t>
+            </a:r>
+            <a:r>
+              <a:rPr b="0" lang="en" sz="2000" spc="-1" strike="noStrike" baseline="-25000">
+                <a:solidFill>
+                  <a:srgbClr val="000000"/>
+                </a:solidFill>
+                <a:latin typeface="Arial"/>
+                <a:ea typeface="Arial"/>
+              </a:rPr>
+              <a:t>3</a:t>
+            </a:r>
+            <a:r>
+              <a:rPr b="0" lang="en" sz="2000" spc="-1" strike="noStrike">
+                <a:solidFill>
+                  <a:srgbClr val="000000"/>
+                </a:solidFill>
+                <a:latin typeface="Arial"/>
+                <a:ea typeface="Arial"/>
+              </a:rPr>
+              <a:t>X</a:t>
+            </a:r>
+            <a:r>
+              <a:rPr b="0" lang="en" sz="2000" spc="-1" strike="noStrike" baseline="-25000">
+                <a:solidFill>
+                  <a:srgbClr val="000000"/>
+                </a:solidFill>
+                <a:latin typeface="Arial"/>
+                <a:ea typeface="Arial"/>
+              </a:rPr>
+              <a:t>3</a:t>
+            </a:r>
+            <a:endParaRPr b="0" lang="en-US" sz="2000" spc="-1" strike="noStrike">
+              <a:latin typeface="Arial"/>
+            </a:endParaRPr>
+          </a:p>
+          <a:p>
+            <a:pPr algn="ctr">
+              <a:lnSpc>
+                <a:spcPct val="100000"/>
+              </a:lnSpc>
+              <a:tabLst>
+                <a:tab algn="l" pos="0"/>
+              </a:tabLst>
+            </a:pPr>
+            <a:endParaRPr b="0" lang="en-US" sz="2000" spc="-1" strike="noStrike">
+              <a:latin typeface="Arial"/>
+            </a:endParaRPr>
+          </a:p>
+          <a:p>
+            <a:pPr algn="ctr">
+              <a:lnSpc>
+                <a:spcPct val="100000"/>
+              </a:lnSpc>
+              <a:tabLst>
+                <a:tab algn="l" pos="0"/>
+              </a:tabLst>
+            </a:pPr>
+            <a:r>
+              <a:rPr b="0" lang="en" sz="2000" spc="-1" strike="noStrike">
+                <a:solidFill>
+                  <a:srgbClr val="000000"/>
+                </a:solidFill>
+                <a:latin typeface="Arial"/>
+                <a:ea typeface="Arial"/>
+              </a:rPr>
+              <a:t>X and Y are given; b is unknown </a:t>
+            </a:r>
+            <a:endParaRPr b="0" lang="en-US" sz="2000" spc="-1" strike="noStrike">
+              <a:latin typeface="Arial"/>
+            </a:endParaRPr>
+          </a:p>
+        </p:txBody>
+      </p:sp>
+      <p:pic>
+        <p:nvPicPr>
+          <p:cNvPr id="102" name="Google Shape;115;p20_0" descr=""/>
+          <p:cNvPicPr/>
+          <p:nvPr/>
+        </p:nvPicPr>
+        <p:blipFill>
+          <a:blip r:embed="rId1"/>
+          <a:srcRect l="41247" t="0" r="0" b="0"/>
+          <a:stretch/>
+        </p:blipFill>
+        <p:spPr>
+          <a:xfrm>
+            <a:off x="1537560" y="2305080"/>
+            <a:ext cx="2421720" cy="2319480"/>
+          </a:xfrm>
+          <a:prstGeom prst="rect">
+            <a:avLst/>
+          </a:prstGeom>
+          <a:ln>
+            <a:noFill/>
+          </a:ln>
+        </p:spPr>
+      </p:pic>
+      <p:pic>
+        <p:nvPicPr>
+          <p:cNvPr id="103" name="" descr=""/>
+          <p:cNvPicPr/>
+          <p:nvPr/>
+        </p:nvPicPr>
+        <p:blipFill>
+          <a:blip r:embed="rId2"/>
+          <a:stretch/>
+        </p:blipFill>
+        <p:spPr>
+          <a:xfrm>
+            <a:off x="4599360" y="2383560"/>
+            <a:ext cx="3137400" cy="2241000"/>
+          </a:xfrm>
+          <a:prstGeom prst="rect">
+            <a:avLst/>
+          </a:prstGeom>
+          <a:ln>
+            <a:noFill/>
+          </a:ln>
+        </p:spPr>
+      </p:pic>
     </p:spTree>
   </p:cSld>
   <mc:AlternateContent>
@@ -5269,14 +5589,14 @@
       </p:grpSpPr>
       <p:sp>
         <p:nvSpPr>
-          <p:cNvPr id="103" name="CustomShape 1"/>
+          <p:cNvPr id="104" name="CustomShape 1"/>
           <p:cNvSpPr/>
           <p:nvPr/>
         </p:nvSpPr>
         <p:spPr>
           <a:xfrm>
             <a:off x="311760" y="444960"/>
-            <a:ext cx="8519760" cy="572040"/>
+            <a:ext cx="8519040" cy="571320"/>
           </a:xfrm>
           <a:prstGeom prst="rect">
             <a:avLst/>
@@ -5313,7 +5633,7 @@
                 <a:latin typeface="Arial"/>
                 <a:ea typeface="Arial"/>
               </a:rPr>
-              <a:t>How the class works</a:t>
+              <a:t>I hope you can:</a:t>
             </a:r>
             <a:endParaRPr b="0" lang="en-US" sz="2800" spc="-1" strike="noStrike">
               <a:latin typeface="Arial"/>
@@ -5321,16 +5641,39 @@
           </a:p>
         </p:txBody>
       </p:sp>
-      <p:sp>
-        <p:nvSpPr>
-          <p:cNvPr id="104" name="CustomShape 2"/>
+      <p:pic>
+        <p:nvPicPr>
+          <p:cNvPr id="105" name="Google Shape;127;p22" descr=""/>
+          <p:cNvPicPr/>
+          <p:nvPr/>
+        </p:nvPicPr>
+        <p:blipFill>
+          <a:blip r:embed="rId1"/>
+          <a:stretch/>
+        </p:blipFill>
+        <p:spPr>
+          <a:xfrm>
+            <a:off x="4304880" y="1229400"/>
+            <a:ext cx="4532760" cy="2828520"/>
+          </a:xfrm>
+          <a:prstGeom prst="rect">
+            <a:avLst/>
+          </a:prstGeom>
+          <a:ln>
+            <a:noFill/>
+          </a:ln>
+        </p:spPr>
+      </p:pic>
+      <p:sp>
+        <p:nvSpPr>
+          <p:cNvPr id="106" name="CustomShape 2"/>
           <p:cNvSpPr/>
           <p:nvPr/>
         </p:nvSpPr>
         <p:spPr>
           <a:xfrm>
-            <a:off x="311760" y="1152360"/>
-            <a:ext cx="8519760" cy="3415680"/>
+            <a:off x="2002680" y="4388400"/>
+            <a:ext cx="6968160" cy="608760"/>
           </a:xfrm>
           <a:prstGeom prst="rect">
             <a:avLst/>
@@ -5348,18 +5691,97 @@
         </p:style>
         <p:txBody>
           <a:bodyPr lIns="90000" rIns="90000" tIns="91440" bIns="91440">
-            <a:normAutofit/>
+            <a:spAutoFit/>
           </a:bodyPr>
           <a:p>
             <a:pPr>
               <a:lnSpc>
-                <a:spcPct val="115000"/>
+                <a:spcPct val="100000"/>
               </a:lnSpc>
               <a:tabLst>
                 <a:tab algn="l" pos="0"/>
               </a:tabLst>
             </a:pPr>
             <a:r>
+              <a:rPr b="0" lang="en" sz="1400" spc="-1" strike="noStrike">
+                <a:solidFill>
+                  <a:srgbClr val="000000"/>
+                </a:solidFill>
+                <a:latin typeface="Arial"/>
+                <a:ea typeface="Arial"/>
+              </a:rPr>
+              <a:t>Image from the Baltimore Sun darkroom: Inner Harbor during the 1973 City Fair.</a:t>
+            </a:r>
+            <a:endParaRPr b="0" lang="en-US" sz="1400" spc="-1" strike="noStrike">
+              <a:latin typeface="Arial"/>
+            </a:endParaRPr>
+          </a:p>
+          <a:p>
+            <a:pPr>
+              <a:lnSpc>
+                <a:spcPct val="100000"/>
+              </a:lnSpc>
+              <a:tabLst>
+                <a:tab algn="l" pos="0"/>
+              </a:tabLst>
+            </a:pPr>
+            <a:r>
+              <a:rPr b="0" lang="en" sz="1400" spc="-1" strike="noStrike">
+                <a:solidFill>
+                  <a:srgbClr val="000000"/>
+                </a:solidFill>
+                <a:latin typeface="Arial"/>
+                <a:ea typeface="Arial"/>
+              </a:rPr>
+              <a:t>https://darkroom.baltimoresun.com/2016/10/a-birds-eye-view-of-baltimore-in-1973/#1</a:t>
+            </a:r>
+            <a:endParaRPr b="0" lang="en-US" sz="1400" spc="-1" strike="noStrike">
+              <a:latin typeface="Arial"/>
+            </a:endParaRPr>
+          </a:p>
+        </p:txBody>
+      </p:sp>
+      <p:sp>
+        <p:nvSpPr>
+          <p:cNvPr id="107" name="CustomShape 3"/>
+          <p:cNvSpPr/>
+          <p:nvPr/>
+        </p:nvSpPr>
+        <p:spPr>
+          <a:xfrm>
+            <a:off x="311760" y="1152360"/>
+            <a:ext cx="3953880" cy="2905560"/>
+          </a:xfrm>
+          <a:prstGeom prst="rect">
+            <a:avLst/>
+          </a:prstGeom>
+          <a:noFill/>
+          <a:ln>
+            <a:noFill/>
+          </a:ln>
+        </p:spPr>
+        <p:style>
+          <a:lnRef idx="0"/>
+          <a:fillRef idx="0"/>
+          <a:effectRef idx="0"/>
+          <a:fontRef idx="minor"/>
+        </p:style>
+        <p:txBody>
+          <a:bodyPr lIns="90000" rIns="90000" tIns="91440" bIns="91440">
+            <a:normAutofit/>
+          </a:bodyPr>
+          <a:p>
+            <a:pPr marL="457200" indent="-341640">
+              <a:lnSpc>
+                <a:spcPct val="115000"/>
+              </a:lnSpc>
+              <a:buClr>
+                <a:srgbClr val="000000"/>
+              </a:buClr>
+              <a:buFont typeface="Arial"/>
+              <a:buChar char="●"/>
+            </a:pPr>
+            <a:r>
               <a:rPr b="0" lang="en" sz="1800" spc="-1" strike="noStrike">
                 <a:solidFill>
                   <a:srgbClr val="000000"/>
@@ -5367,20 +5789,22 @@
                 <a:latin typeface="Arial"/>
                 <a:ea typeface="Arial"/>
               </a:rPr>
-              <a:t>- Course website: https://github.com/ekernf01/HEART_choosing_stat_methods</a:t>
+              <a:t>Get stuff done</a:t>
             </a:r>
             <a:endParaRPr b="0" lang="en-US" sz="1800" spc="-1" strike="noStrike">
               <a:latin typeface="Arial"/>
             </a:endParaRPr>
           </a:p>
           <a:p>
-            <a:pPr>
+            <a:pPr marL="457200" indent="-341640">
               <a:lnSpc>
                 <a:spcPct val="115000"/>
               </a:lnSpc>
-              <a:tabLst>
-                <a:tab algn="l" pos="0"/>
-              </a:tabLst>
+              <a:buClr>
+                <a:srgbClr val="000000"/>
+              </a:buClr>
+              <a:buFont typeface="Arial"/>
+              <a:buChar char="●"/>
             </a:pPr>
             <a:r>
               <a:rPr b="0" lang="en" sz="1800" spc="-1" strike="noStrike">
@@ -5390,186 +5814,8 @@
                 <a:latin typeface="Arial"/>
                 <a:ea typeface="Arial"/>
               </a:rPr>
-              <a:t>- All admin info is in the syllabus.</a:t>
-            </a:r>
-            <a:endParaRPr b="0" lang="en-US" sz="1800" spc="-1" strike="noStrike">
-              <a:latin typeface="Arial"/>
-            </a:endParaRPr>
-          </a:p>
-          <a:p>
-            <a:pPr>
-              <a:lnSpc>
-                <a:spcPct val="115000"/>
-              </a:lnSpc>
-              <a:tabLst>
-                <a:tab algn="l" pos="0"/>
-              </a:tabLst>
-            </a:pPr>
-            <a:r>
-              <a:rPr b="0" lang="en" sz="1800" spc="-1" strike="noStrike">
-                <a:solidFill>
-                  <a:srgbClr val="000000"/>
-                </a:solidFill>
-                <a:latin typeface="Arial"/>
-                <a:ea typeface="Arial"/>
-              </a:rPr>
-              <a:t>- You need a computer that can access the internet. </a:t>
-            </a:r>
-            <a:endParaRPr b="0" lang="en-US" sz="1800" spc="-1" strike="noStrike">
-              <a:latin typeface="Arial"/>
-            </a:endParaRPr>
-          </a:p>
-          <a:p>
-            <a:pPr>
-              <a:lnSpc>
-                <a:spcPct val="115000"/>
-              </a:lnSpc>
-              <a:tabLst>
-                <a:tab algn="l" pos="0"/>
-              </a:tabLst>
-            </a:pPr>
-            <a:r>
-              <a:rPr b="0" lang="en" sz="1800" spc="-1" strike="noStrike">
-                <a:solidFill>
-                  <a:srgbClr val="000000"/>
-                </a:solidFill>
-                <a:latin typeface="Arial"/>
-                <a:ea typeface="Arial"/>
-              </a:rPr>
-              <a:t>- Expectations: </a:t>
-            </a:r>
-            <a:endParaRPr b="0" lang="en-US" sz="1800" spc="-1" strike="noStrike">
-              <a:latin typeface="Arial"/>
-            </a:endParaRPr>
-          </a:p>
-          <a:p>
-            <a:pPr>
-              <a:lnSpc>
-                <a:spcPct val="115000"/>
-              </a:lnSpc>
-              <a:tabLst>
-                <a:tab algn="l" pos="0"/>
-              </a:tabLst>
-            </a:pPr>
-            <a:r>
-              <a:rPr b="0" lang="en" sz="1800" spc="-1" strike="noStrike">
-                <a:solidFill>
-                  <a:srgbClr val="000000"/>
-                </a:solidFill>
-                <a:latin typeface="Arial"/>
-                <a:ea typeface="Arial"/>
-              </a:rPr>
-              <a:t>	</a:t>
-            </a:r>
-            <a:r>
-              <a:rPr b="0" lang="en" sz="1800" spc="-1" strike="noStrike">
-                <a:solidFill>
-                  <a:srgbClr val="000000"/>
-                </a:solidFill>
-                <a:latin typeface="Arial"/>
-                <a:ea typeface="Arial"/>
-              </a:rPr>
-              <a:t>- Please do not come to class if you have respiratory symptoms.</a:t>
-            </a:r>
-            <a:endParaRPr b="0" lang="en-US" sz="1800" spc="-1" strike="noStrike">
-              <a:latin typeface="Arial"/>
-            </a:endParaRPr>
-          </a:p>
-          <a:p>
-            <a:pPr>
-              <a:lnSpc>
-                <a:spcPct val="115000"/>
-              </a:lnSpc>
-              <a:tabLst>
-                <a:tab algn="l" pos="0"/>
-              </a:tabLst>
-            </a:pPr>
-            <a:r>
-              <a:rPr b="0" lang="en" sz="1800" spc="-1" strike="noStrike">
-                <a:solidFill>
-                  <a:srgbClr val="000000"/>
-                </a:solidFill>
-                <a:latin typeface="Arial"/>
-                <a:ea typeface="Arial"/>
-              </a:rPr>
-              <a:t>	</a:t>
-            </a:r>
-            <a:r>
-              <a:rPr b="0" lang="en" sz="1800" spc="-1" strike="noStrike">
-                <a:solidFill>
-                  <a:srgbClr val="000000"/>
-                </a:solidFill>
-                <a:latin typeface="Arial"/>
-                <a:ea typeface="Arial"/>
-              </a:rPr>
-              <a:t>- Otherwise, p</a:t>
-            </a:r>
-            <a:r>
-              <a:rPr b="0" lang="en" sz="1800" spc="-1" strike="noStrike">
-                <a:solidFill>
-                  <a:srgbClr val="000000"/>
-                </a:solidFill>
-                <a:latin typeface="Arial"/>
-                <a:ea typeface="Arial"/>
-              </a:rPr>
-              <a:t>lease come to class in person.</a:t>
-            </a:r>
-            <a:endParaRPr b="0" lang="en-US" sz="1800" spc="-1" strike="noStrike">
-              <a:latin typeface="Arial"/>
-            </a:endParaRPr>
-          </a:p>
-          <a:p>
-            <a:pPr>
-              <a:lnSpc>
-                <a:spcPct val="115000"/>
-              </a:lnSpc>
-              <a:tabLst>
-                <a:tab algn="l" pos="0"/>
-              </a:tabLst>
-            </a:pPr>
-            <a:r>
-              <a:rPr b="0" lang="en" sz="1800" spc="-1" strike="noStrike">
-                <a:solidFill>
-                  <a:srgbClr val="000000"/>
-                </a:solidFill>
-                <a:latin typeface="Arial"/>
-                <a:ea typeface="Arial"/>
-              </a:rPr>
-              <a:t>	</a:t>
-            </a:r>
-            <a:r>
-              <a:rPr b="0" lang="en" sz="1800" spc="-1" strike="noStrike">
-                <a:solidFill>
-                  <a:srgbClr val="000000"/>
-                </a:solidFill>
-                <a:latin typeface="Arial"/>
-                <a:ea typeface="Arial"/>
-              </a:rPr>
-              <a:t>- Before each class, turn in what you are currently working on and describe your </a:t>
-            </a:r>
-            <a:r>
-              <a:rPr b="0" lang="en" sz="1800" spc="-1" strike="noStrike">
-                <a:solidFill>
-                  <a:srgbClr val="000000"/>
-                </a:solidFill>
-                <a:latin typeface="Arial"/>
-                <a:ea typeface="Arial"/>
-              </a:rPr>
-              <a:t>progress or difficulties. This is required whether you are in class or not. </a:t>
-            </a:r>
-            <a:endParaRPr b="0" lang="en-US" sz="1800" spc="-1" strike="noStrike">
-              <a:latin typeface="Arial"/>
-            </a:endParaRPr>
-          </a:p>
-          <a:p>
-            <a:pPr>
-              <a:lnSpc>
-                <a:spcPct val="115000"/>
-              </a:lnSpc>
-              <a:tabLst>
-                <a:tab algn="l" pos="0"/>
-              </a:tabLst>
-            </a:pPr>
+              <a:t>Take a bird’s-eye view</a:t>
+            </a:r>
             <a:endParaRPr b="0" lang="en-US" sz="1800" spc="-1" strike="noStrike">
               <a:latin typeface="Arial"/>
             </a:endParaRPr>
